--- a/source/Chapitre 4 - Structures répétitives.pptx
+++ b/source/Chapitre 4 - Structures répétitives.pptx
@@ -18,10 +18,10 @@
     <p:sldId id="292" r:id="rId9"/>
     <p:sldId id="290" r:id="rId10"/>
     <p:sldId id="297" r:id="rId11"/>
-    <p:sldId id="293" r:id="rId12"/>
-    <p:sldId id="294" r:id="rId13"/>
-    <p:sldId id="295" r:id="rId14"/>
-    <p:sldId id="296" r:id="rId15"/>
+    <p:sldId id="294" r:id="rId12"/>
+    <p:sldId id="293" r:id="rId13"/>
+    <p:sldId id="296" r:id="rId14"/>
+    <p:sldId id="295" r:id="rId15"/>
     <p:sldId id="298" r:id="rId16"/>
     <p:sldId id="299" r:id="rId17"/>
     <p:sldId id="300" r:id="rId18"/>
@@ -139,8 +139,7 @@
 <file path=ppt/revisionInfo.xml><?xml version="1.0" encoding="utf-8"?>
 <p1510:revInfo xmlns:a="http://schemas.openxmlformats.org/drawingml/2006/main" xmlns:r="http://schemas.openxmlformats.org/officeDocument/2006/relationships" xmlns:p1510="http://schemas.microsoft.com/office/powerpoint/2015/10/main">
   <p1510:revLst>
-    <p1510:client id="{6DCBD0B2-376C-B841-86C7-2D5F04B0C4E2}" v="32" dt="2023-07-16T06:27:21.664"/>
-    <p1510:client id="{AEF59872-B679-C241-82F5-E4B22E76735D}" v="131" dt="2023-07-16T12:53:46.911"/>
+    <p1510:client id="{8BCE4665-6EDB-41F8-9F11-1CAE811C4A26}" v="2" dt="2023-11-12T17:46:28.905"/>
   </p1510:revLst>
 </p1510:revInfo>
 </file>
@@ -148,43 +147,43 @@
 <file path=ppt/changesInfos/changesInfo1.xml><?xml version="1.0" encoding="utf-8"?>
 <pc:chgInfo xmlns:a="http://schemas.openxmlformats.org/drawingml/2006/main" xmlns:r="http://schemas.openxmlformats.org/officeDocument/2006/relationships" xmlns:ac="http://schemas.microsoft.com/office/drawing/2013/main/command" xmlns:pc="http://schemas.microsoft.com/office/powerpoint/2013/main/command">
   <pc:docChgLst>
-    <pc:chgData name="Ismaël Tuo" userId="fca7baf0e513a1e6" providerId="LiveId" clId="{6DCBD0B2-376C-B841-86C7-2D5F04B0C4E2}"/>
-    <pc:docChg chg="custSel modSld">
-      <pc:chgData name="Ismaël Tuo" userId="fca7baf0e513a1e6" providerId="LiveId" clId="{6DCBD0B2-376C-B841-86C7-2D5F04B0C4E2}" dt="2023-07-16T06:28:36.720" v="86" actId="1076"/>
+    <pc:chgData name="Ismaël Tuo" userId="fca7baf0e513a1e6" providerId="LiveId" clId="{ABAD35E0-20F2-924D-9CFF-DB760A0CF68F}"/>
+    <pc:docChg chg="custSel addSld delSld modSld">
+      <pc:chgData name="Ismaël Tuo" userId="fca7baf0e513a1e6" providerId="LiveId" clId="{ABAD35E0-20F2-924D-9CFF-DB760A0CF68F}" dt="2023-07-02T15:28:46.739" v="39"/>
       <pc:docMkLst>
         <pc:docMk/>
       </pc:docMkLst>
-      <pc:sldChg chg="modSp mod modNotesTx">
-        <pc:chgData name="Ismaël Tuo" userId="fca7baf0e513a1e6" providerId="LiveId" clId="{6DCBD0B2-376C-B841-86C7-2D5F04B0C4E2}" dt="2023-07-16T06:28:36.720" v="86" actId="1076"/>
+      <pc:sldChg chg="modSp mod">
+        <pc:chgData name="Ismaël Tuo" userId="fca7baf0e513a1e6" providerId="LiveId" clId="{ABAD35E0-20F2-924D-9CFF-DB760A0CF68F}" dt="2023-07-02T15:22:07.631" v="29" actId="255"/>
         <pc:sldMkLst>
           <pc:docMk/>
           <pc:sldMk cId="0" sldId="257"/>
         </pc:sldMkLst>
         <pc:spChg chg="mod">
-          <ac:chgData name="Ismaël Tuo" userId="fca7baf0e513a1e6" providerId="LiveId" clId="{6DCBD0B2-376C-B841-86C7-2D5F04B0C4E2}" dt="2023-07-16T06:27:11.303" v="32" actId="20577"/>
+          <ac:chgData name="Ismaël Tuo" userId="fca7baf0e513a1e6" providerId="LiveId" clId="{ABAD35E0-20F2-924D-9CFF-DB760A0CF68F}" dt="2023-07-02T15:21:59.007" v="28" actId="255"/>
+          <ac:spMkLst>
+            <pc:docMk/>
+            <pc:sldMk cId="0" sldId="257"/>
+            <ac:spMk id="2" creationId="{15F42996-A20C-278E-8304-E7B669C70297}"/>
+          </ac:spMkLst>
+        </pc:spChg>
+        <pc:spChg chg="mod">
+          <ac:chgData name="Ismaël Tuo" userId="fca7baf0e513a1e6" providerId="LiveId" clId="{ABAD35E0-20F2-924D-9CFF-DB760A0CF68F}" dt="2023-07-02T15:22:07.631" v="29" actId="255"/>
           <ac:spMkLst>
             <pc:docMk/>
             <pc:sldMk cId="0" sldId="257"/>
             <ac:spMk id="3" creationId="{44036CE4-A502-6275-4A8A-31CB182AFE34}"/>
           </ac:spMkLst>
         </pc:spChg>
-        <pc:picChg chg="mod">
-          <ac:chgData name="Ismaël Tuo" userId="fca7baf0e513a1e6" providerId="LiveId" clId="{6DCBD0B2-376C-B841-86C7-2D5F04B0C4E2}" dt="2023-07-16T06:28:36.720" v="86" actId="1076"/>
-          <ac:picMkLst>
-            <pc:docMk/>
-            <pc:sldMk cId="0" sldId="257"/>
-            <ac:picMk id="14" creationId="{2DE5C0E7-6706-5272-AE9A-6FE4B3435542}"/>
-          </ac:picMkLst>
-        </pc:picChg>
       </pc:sldChg>
       <pc:sldChg chg="modSp">
-        <pc:chgData name="Ismaël Tuo" userId="fca7baf0e513a1e6" providerId="LiveId" clId="{6DCBD0B2-376C-B841-86C7-2D5F04B0C4E2}" dt="2023-07-16T06:27:21.664" v="34" actId="20577"/>
+        <pc:chgData name="Ismaël Tuo" userId="fca7baf0e513a1e6" providerId="LiveId" clId="{ABAD35E0-20F2-924D-9CFF-DB760A0CF68F}" dt="2023-07-02T14:34:33.755" v="27" actId="255"/>
         <pc:sldMkLst>
           <pc:docMk/>
           <pc:sldMk cId="2029635794" sldId="284"/>
         </pc:sldMkLst>
         <pc:spChg chg="mod">
-          <ac:chgData name="Ismaël Tuo" userId="fca7baf0e513a1e6" providerId="LiveId" clId="{6DCBD0B2-376C-B841-86C7-2D5F04B0C4E2}" dt="2023-07-16T06:27:21.664" v="34" actId="20577"/>
+          <ac:chgData name="Ismaël Tuo" userId="fca7baf0e513a1e6" providerId="LiveId" clId="{ABAD35E0-20F2-924D-9CFF-DB760A0CF68F}" dt="2023-07-02T14:34:33.755" v="27" actId="255"/>
           <ac:spMkLst>
             <pc:docMk/>
             <pc:sldMk cId="2029635794" sldId="284"/>
@@ -192,14 +191,69 @@
           </ac:spMkLst>
         </pc:spChg>
       </pc:sldChg>
-      <pc:sldChg chg="modSp mod">
-        <pc:chgData name="Ismaël Tuo" userId="fca7baf0e513a1e6" providerId="LiveId" clId="{6DCBD0B2-376C-B841-86C7-2D5F04B0C4E2}" dt="2023-07-16T06:28:28.294" v="85" actId="20577"/>
+      <pc:sldChg chg="addSp delSp modSp mod">
+        <pc:chgData name="Ismaël Tuo" userId="fca7baf0e513a1e6" providerId="LiveId" clId="{ABAD35E0-20F2-924D-9CFF-DB760A0CF68F}" dt="2023-07-02T15:28:44.397" v="37"/>
+        <pc:sldMkLst>
+          <pc:docMk/>
+          <pc:sldMk cId="1268069196" sldId="285"/>
+        </pc:sldMkLst>
+        <pc:spChg chg="mod">
+          <ac:chgData name="Ismaël Tuo" userId="fca7baf0e513a1e6" providerId="LiveId" clId="{ABAD35E0-20F2-924D-9CFF-DB760A0CF68F}" dt="2023-06-20T13:37:55.167" v="9" actId="20577"/>
+          <ac:spMkLst>
+            <pc:docMk/>
+            <pc:sldMk cId="1268069196" sldId="285"/>
+            <ac:spMk id="4" creationId="{8FEEC940-4BFF-956C-713A-1CE73C436B6F}"/>
+          </ac:spMkLst>
+        </pc:spChg>
+        <pc:spChg chg="mod">
+          <ac:chgData name="Ismaël Tuo" userId="fca7baf0e513a1e6" providerId="LiveId" clId="{ABAD35E0-20F2-924D-9CFF-DB760A0CF68F}" dt="2023-07-02T15:22:17.313" v="30" actId="255"/>
+          <ac:spMkLst>
+            <pc:docMk/>
+            <pc:sldMk cId="1268069196" sldId="285"/>
+            <ac:spMk id="6" creationId="{84F10693-2FE8-EFC8-8DB6-84BFD181D260}"/>
+          </ac:spMkLst>
+        </pc:spChg>
+        <pc:spChg chg="mod">
+          <ac:chgData name="Ismaël Tuo" userId="fca7baf0e513a1e6" providerId="LiveId" clId="{ABAD35E0-20F2-924D-9CFF-DB760A0CF68F}" dt="2023-07-02T15:22:25.875" v="31" actId="255"/>
+          <ac:spMkLst>
+            <pc:docMk/>
+            <pc:sldMk cId="1268069196" sldId="285"/>
+            <ac:spMk id="11" creationId="{C27A3656-3CB0-8161-AE9F-B92FBE4F5083}"/>
+          </ac:spMkLst>
+        </pc:spChg>
+        <pc:cxnChg chg="add del mod">
+          <ac:chgData name="Ismaël Tuo" userId="fca7baf0e513a1e6" providerId="LiveId" clId="{ABAD35E0-20F2-924D-9CFF-DB760A0CF68F}" dt="2023-07-02T15:28:44.122" v="36" actId="478"/>
+          <ac:cxnSpMkLst>
+            <pc:docMk/>
+            <pc:sldMk cId="1268069196" sldId="285"/>
+            <ac:cxnSpMk id="2" creationId="{F1D6C687-9785-FED9-5041-2E19BCC7001F}"/>
+          </ac:cxnSpMkLst>
+        </pc:cxnChg>
+        <pc:cxnChg chg="add mod">
+          <ac:chgData name="Ismaël Tuo" userId="fca7baf0e513a1e6" providerId="LiveId" clId="{ABAD35E0-20F2-924D-9CFF-DB760A0CF68F}" dt="2023-07-02T15:28:44.397" v="37"/>
+          <ac:cxnSpMkLst>
+            <pc:docMk/>
+            <pc:sldMk cId="1268069196" sldId="285"/>
+            <ac:cxnSpMk id="3" creationId="{F5400574-BA21-AA27-C7D0-975B208CF325}"/>
+          </ac:cxnSpMkLst>
+        </pc:cxnChg>
+        <pc:cxnChg chg="del">
+          <ac:chgData name="Ismaël Tuo" userId="fca7baf0e513a1e6" providerId="LiveId" clId="{ABAD35E0-20F2-924D-9CFF-DB760A0CF68F}" dt="2023-06-20T17:37:22.035" v="16" actId="478"/>
+          <ac:cxnSpMkLst>
+            <pc:docMk/>
+            <pc:sldMk cId="1268069196" sldId="285"/>
+            <ac:cxnSpMk id="8" creationId="{B6F00F63-883E-0574-2871-D0C839DCCEEA}"/>
+          </ac:cxnSpMkLst>
+        </pc:cxnChg>
+      </pc:sldChg>
+      <pc:sldChg chg="addSp delSp modSp mod">
+        <pc:chgData name="Ismaël Tuo" userId="fca7baf0e513a1e6" providerId="LiveId" clId="{ABAD35E0-20F2-924D-9CFF-DB760A0CF68F}" dt="2023-07-02T15:28:46.739" v="39"/>
         <pc:sldMkLst>
           <pc:docMk/>
           <pc:sldMk cId="2639441608" sldId="286"/>
         </pc:sldMkLst>
         <pc:spChg chg="mod">
-          <ac:chgData name="Ismaël Tuo" userId="fca7baf0e513a1e6" providerId="LiveId" clId="{6DCBD0B2-376C-B841-86C7-2D5F04B0C4E2}" dt="2023-07-16T06:27:43.705" v="56" actId="20577"/>
+          <ac:chgData name="Ismaël Tuo" userId="fca7baf0e513a1e6" providerId="LiveId" clId="{ABAD35E0-20F2-924D-9CFF-DB760A0CF68F}" dt="2023-07-02T15:23:02.443" v="35" actId="1076"/>
           <ac:spMkLst>
             <pc:docMk/>
             <pc:sldMk cId="2639441608" sldId="286"/>
@@ -207,13 +261,44 @@
           </ac:spMkLst>
         </pc:spChg>
         <pc:spChg chg="mod">
-          <ac:chgData name="Ismaël Tuo" userId="fca7baf0e513a1e6" providerId="LiveId" clId="{6DCBD0B2-376C-B841-86C7-2D5F04B0C4E2}" dt="2023-07-16T06:28:28.294" v="85" actId="20577"/>
+          <ac:chgData name="Ismaël Tuo" userId="fca7baf0e513a1e6" providerId="LiveId" clId="{ABAD35E0-20F2-924D-9CFF-DB760A0CF68F}" dt="2023-07-02T15:23:00.008" v="33" actId="255"/>
           <ac:spMkLst>
             <pc:docMk/>
             <pc:sldMk cId="2639441608" sldId="286"/>
             <ac:spMk id="11" creationId="{C27A3656-3CB0-8161-AE9F-B92FBE4F5083}"/>
           </ac:spMkLst>
         </pc:spChg>
+        <pc:cxnChg chg="add del mod">
+          <ac:chgData name="Ismaël Tuo" userId="fca7baf0e513a1e6" providerId="LiveId" clId="{ABAD35E0-20F2-924D-9CFF-DB760A0CF68F}" dt="2023-07-02T15:28:46.490" v="38" actId="478"/>
+          <ac:cxnSpMkLst>
+            <pc:docMk/>
+            <pc:sldMk cId="2639441608" sldId="286"/>
+            <ac:cxnSpMk id="2" creationId="{1277F711-68C5-D34A-B575-457AC3A9C156}"/>
+          </ac:cxnSpMkLst>
+        </pc:cxnChg>
+        <pc:cxnChg chg="add mod">
+          <ac:chgData name="Ismaël Tuo" userId="fca7baf0e513a1e6" providerId="LiveId" clId="{ABAD35E0-20F2-924D-9CFF-DB760A0CF68F}" dt="2023-07-02T15:28:46.739" v="39"/>
+          <ac:cxnSpMkLst>
+            <pc:docMk/>
+            <pc:sldMk cId="2639441608" sldId="286"/>
+            <ac:cxnSpMk id="3" creationId="{6AC8021D-4898-08B9-18A0-60AC71EF613E}"/>
+          </ac:cxnSpMkLst>
+        </pc:cxnChg>
+        <pc:cxnChg chg="del">
+          <ac:chgData name="Ismaël Tuo" userId="fca7baf0e513a1e6" providerId="LiveId" clId="{ABAD35E0-20F2-924D-9CFF-DB760A0CF68F}" dt="2023-06-20T17:37:24.618" v="18" actId="478"/>
+          <ac:cxnSpMkLst>
+            <pc:docMk/>
+            <pc:sldMk cId="2639441608" sldId="286"/>
+            <ac:cxnSpMk id="8" creationId="{B6F00F63-883E-0574-2871-D0C839DCCEEA}"/>
+          </ac:cxnSpMkLst>
+        </pc:cxnChg>
+      </pc:sldChg>
+      <pc:sldChg chg="new del">
+        <pc:chgData name="Ismaël Tuo" userId="fca7baf0e513a1e6" providerId="LiveId" clId="{ABAD35E0-20F2-924D-9CFF-DB760A0CF68F}" dt="2023-06-20T13:38:40.675" v="11" actId="2696"/>
+        <pc:sldMkLst>
+          <pc:docMk/>
+          <pc:sldMk cId="652286414" sldId="287"/>
+        </pc:sldMkLst>
       </pc:sldChg>
     </pc:docChg>
   </pc:docChgLst>
@@ -2111,43 +2196,592 @@
     </pc:docChg>
   </pc:docChgLst>
   <pc:docChgLst>
-    <pc:chgData name="Ismaël Tuo" userId="fca7baf0e513a1e6" providerId="LiveId" clId="{ABAD35E0-20F2-924D-9CFF-DB760A0CF68F}"/>
-    <pc:docChg chg="custSel addSld delSld modSld">
-      <pc:chgData name="Ismaël Tuo" userId="fca7baf0e513a1e6" providerId="LiveId" clId="{ABAD35E0-20F2-924D-9CFF-DB760A0CF68F}" dt="2023-07-02T15:28:46.739" v="39"/>
+    <pc:chgData name="Ismaël Tuo" userId="fca7baf0e513a1e6" providerId="LiveId" clId="{8BCE4665-6EDB-41F8-9F11-1CAE811C4A26}"/>
+    <pc:docChg chg="undo custSel modSld sldOrd">
+      <pc:chgData name="Ismaël Tuo" userId="fca7baf0e513a1e6" providerId="LiveId" clId="{8BCE4665-6EDB-41F8-9F11-1CAE811C4A26}" dt="2023-11-12T17:47:47.834" v="120" actId="33524"/>
       <pc:docMkLst>
         <pc:docMk/>
       </pc:docMkLst>
       <pc:sldChg chg="modSp mod">
-        <pc:chgData name="Ismaël Tuo" userId="fca7baf0e513a1e6" providerId="LiveId" clId="{ABAD35E0-20F2-924D-9CFF-DB760A0CF68F}" dt="2023-07-02T15:22:07.631" v="29" actId="255"/>
+        <pc:chgData name="Ismaël Tuo" userId="fca7baf0e513a1e6" providerId="LiveId" clId="{8BCE4665-6EDB-41F8-9F11-1CAE811C4A26}" dt="2023-11-12T17:39:27.066" v="16" actId="1076"/>
+        <pc:sldMkLst>
+          <pc:docMk/>
+          <pc:sldMk cId="1268069196" sldId="285"/>
+        </pc:sldMkLst>
+        <pc:spChg chg="mod">
+          <ac:chgData name="Ismaël Tuo" userId="fca7baf0e513a1e6" providerId="LiveId" clId="{8BCE4665-6EDB-41F8-9F11-1CAE811C4A26}" dt="2023-11-12T17:39:07.787" v="9" actId="113"/>
+          <ac:spMkLst>
+            <pc:docMk/>
+            <pc:sldMk cId="1268069196" sldId="285"/>
+            <ac:spMk id="6" creationId="{84F10693-2FE8-EFC8-8DB6-84BFD181D260}"/>
+          </ac:spMkLst>
+        </pc:spChg>
+        <pc:spChg chg="mod">
+          <ac:chgData name="Ismaël Tuo" userId="fca7baf0e513a1e6" providerId="LiveId" clId="{8BCE4665-6EDB-41F8-9F11-1CAE811C4A26}" dt="2023-11-12T17:39:27.066" v="16" actId="1076"/>
+          <ac:spMkLst>
+            <pc:docMk/>
+            <pc:sldMk cId="1268069196" sldId="285"/>
+            <ac:spMk id="11" creationId="{C27A3656-3CB0-8161-AE9F-B92FBE4F5083}"/>
+          </ac:spMkLst>
+        </pc:spChg>
+      </pc:sldChg>
+      <pc:sldChg chg="modSp mod">
+        <pc:chgData name="Ismaël Tuo" userId="fca7baf0e513a1e6" providerId="LiveId" clId="{8BCE4665-6EDB-41F8-9F11-1CAE811C4A26}" dt="2023-11-12T17:39:40.927" v="18" actId="33524"/>
+        <pc:sldMkLst>
+          <pc:docMk/>
+          <pc:sldMk cId="2639441608" sldId="286"/>
+        </pc:sldMkLst>
+        <pc:spChg chg="mod">
+          <ac:chgData name="Ismaël Tuo" userId="fca7baf0e513a1e6" providerId="LiveId" clId="{8BCE4665-6EDB-41F8-9F11-1CAE811C4A26}" dt="2023-11-12T17:39:35.896" v="17" actId="113"/>
+          <ac:spMkLst>
+            <pc:docMk/>
+            <pc:sldMk cId="2639441608" sldId="286"/>
+            <ac:spMk id="6" creationId="{84F10693-2FE8-EFC8-8DB6-84BFD181D260}"/>
+          </ac:spMkLst>
+        </pc:spChg>
+        <pc:spChg chg="mod">
+          <ac:chgData name="Ismaël Tuo" userId="fca7baf0e513a1e6" providerId="LiveId" clId="{8BCE4665-6EDB-41F8-9F11-1CAE811C4A26}" dt="2023-11-12T17:39:40.927" v="18" actId="33524"/>
+          <ac:spMkLst>
+            <pc:docMk/>
+            <pc:sldMk cId="2639441608" sldId="286"/>
+            <ac:spMk id="9" creationId="{81EF83BF-A3A4-3D1D-CB0B-E70CAEFDE79D}"/>
+          </ac:spMkLst>
+        </pc:spChg>
+      </pc:sldChg>
+      <pc:sldChg chg="modSp mod">
+        <pc:chgData name="Ismaël Tuo" userId="fca7baf0e513a1e6" providerId="LiveId" clId="{8BCE4665-6EDB-41F8-9F11-1CAE811C4A26}" dt="2023-11-12T17:39:48.985" v="19" actId="113"/>
+        <pc:sldMkLst>
+          <pc:docMk/>
+          <pc:sldMk cId="3181376255" sldId="287"/>
+        </pc:sldMkLst>
+        <pc:spChg chg="mod">
+          <ac:chgData name="Ismaël Tuo" userId="fca7baf0e513a1e6" providerId="LiveId" clId="{8BCE4665-6EDB-41F8-9F11-1CAE811C4A26}" dt="2023-11-12T17:39:48.985" v="19" actId="113"/>
+          <ac:spMkLst>
+            <pc:docMk/>
+            <pc:sldMk cId="3181376255" sldId="287"/>
+            <ac:spMk id="6" creationId="{84F10693-2FE8-EFC8-8DB6-84BFD181D260}"/>
+          </ac:spMkLst>
+        </pc:spChg>
+      </pc:sldChg>
+      <pc:sldChg chg="modSp mod">
+        <pc:chgData name="Ismaël Tuo" userId="fca7baf0e513a1e6" providerId="LiveId" clId="{8BCE4665-6EDB-41F8-9F11-1CAE811C4A26}" dt="2023-11-12T17:40:08.191" v="23" actId="114"/>
+        <pc:sldMkLst>
+          <pc:docMk/>
+          <pc:sldMk cId="1787889069" sldId="288"/>
+        </pc:sldMkLst>
+        <pc:spChg chg="mod">
+          <ac:chgData name="Ismaël Tuo" userId="fca7baf0e513a1e6" providerId="LiveId" clId="{8BCE4665-6EDB-41F8-9F11-1CAE811C4A26}" dt="2023-11-12T17:40:08.191" v="23" actId="114"/>
+          <ac:spMkLst>
+            <pc:docMk/>
+            <pc:sldMk cId="1787889069" sldId="288"/>
+            <ac:spMk id="2" creationId="{DCB72F46-FD45-D68D-47A8-14CE1CB167BC}"/>
+          </ac:spMkLst>
+        </pc:spChg>
+        <pc:spChg chg="mod">
+          <ac:chgData name="Ismaël Tuo" userId="fca7baf0e513a1e6" providerId="LiveId" clId="{8BCE4665-6EDB-41F8-9F11-1CAE811C4A26}" dt="2023-11-12T17:40:02.003" v="21" actId="114"/>
+          <ac:spMkLst>
+            <pc:docMk/>
+            <pc:sldMk cId="1787889069" sldId="288"/>
+            <ac:spMk id="6" creationId="{84F10693-2FE8-EFC8-8DB6-84BFD181D260}"/>
+          </ac:spMkLst>
+        </pc:spChg>
+        <pc:spChg chg="mod">
+          <ac:chgData name="Ismaël Tuo" userId="fca7baf0e513a1e6" providerId="LiveId" clId="{8BCE4665-6EDB-41F8-9F11-1CAE811C4A26}" dt="2023-11-12T17:40:04.935" v="22" actId="114"/>
+          <ac:spMkLst>
+            <pc:docMk/>
+            <pc:sldMk cId="1787889069" sldId="288"/>
+            <ac:spMk id="11" creationId="{C27A3656-3CB0-8161-AE9F-B92FBE4F5083}"/>
+          </ac:spMkLst>
+        </pc:spChg>
+      </pc:sldChg>
+      <pc:sldChg chg="modSp mod">
+        <pc:chgData name="Ismaël Tuo" userId="fca7baf0e513a1e6" providerId="LiveId" clId="{8BCE4665-6EDB-41F8-9F11-1CAE811C4A26}" dt="2023-11-12T17:40:26.220" v="27" actId="114"/>
+        <pc:sldMkLst>
+          <pc:docMk/>
+          <pc:sldMk cId="2576865815" sldId="289"/>
+        </pc:sldMkLst>
+        <pc:spChg chg="mod">
+          <ac:chgData name="Ismaël Tuo" userId="fca7baf0e513a1e6" providerId="LiveId" clId="{8BCE4665-6EDB-41F8-9F11-1CAE811C4A26}" dt="2023-11-12T17:40:17.812" v="25" actId="114"/>
+          <ac:spMkLst>
+            <pc:docMk/>
+            <pc:sldMk cId="2576865815" sldId="289"/>
+            <ac:spMk id="6" creationId="{84F10693-2FE8-EFC8-8DB6-84BFD181D260}"/>
+          </ac:spMkLst>
+        </pc:spChg>
+        <pc:spChg chg="mod">
+          <ac:chgData name="Ismaël Tuo" userId="fca7baf0e513a1e6" providerId="LiveId" clId="{8BCE4665-6EDB-41F8-9F11-1CAE811C4A26}" dt="2023-11-12T17:40:20.128" v="26" actId="114"/>
+          <ac:spMkLst>
+            <pc:docMk/>
+            <pc:sldMk cId="2576865815" sldId="289"/>
+            <ac:spMk id="11" creationId="{C27A3656-3CB0-8161-AE9F-B92FBE4F5083}"/>
+          </ac:spMkLst>
+        </pc:spChg>
+        <pc:spChg chg="mod">
+          <ac:chgData name="Ismaël Tuo" userId="fca7baf0e513a1e6" providerId="LiveId" clId="{8BCE4665-6EDB-41F8-9F11-1CAE811C4A26}" dt="2023-11-12T17:40:26.220" v="27" actId="114"/>
+          <ac:spMkLst>
+            <pc:docMk/>
+            <pc:sldMk cId="2576865815" sldId="289"/>
+            <ac:spMk id="13" creationId="{FF9BFEA7-1CFF-DC73-7D65-109816C40146}"/>
+          </ac:spMkLst>
+        </pc:spChg>
+      </pc:sldChg>
+      <pc:sldChg chg="modSp mod">
+        <pc:chgData name="Ismaël Tuo" userId="fca7baf0e513a1e6" providerId="LiveId" clId="{8BCE4665-6EDB-41F8-9F11-1CAE811C4A26}" dt="2023-11-12T17:42:19.702" v="52" actId="114"/>
+        <pc:sldMkLst>
+          <pc:docMk/>
+          <pc:sldMk cId="1560711734" sldId="290"/>
+        </pc:sldMkLst>
+        <pc:spChg chg="mod">
+          <ac:chgData name="Ismaël Tuo" userId="fca7baf0e513a1e6" providerId="LiveId" clId="{8BCE4665-6EDB-41F8-9F11-1CAE811C4A26}" dt="2023-11-12T17:41:44.213" v="43" actId="114"/>
+          <ac:spMkLst>
+            <pc:docMk/>
+            <pc:sldMk cId="1560711734" sldId="290"/>
+            <ac:spMk id="6" creationId="{84F10693-2FE8-EFC8-8DB6-84BFD181D260}"/>
+          </ac:spMkLst>
+        </pc:spChg>
+        <pc:spChg chg="mod">
+          <ac:chgData name="Ismaël Tuo" userId="fca7baf0e513a1e6" providerId="LiveId" clId="{8BCE4665-6EDB-41F8-9F11-1CAE811C4A26}" dt="2023-11-12T17:41:50.672" v="45" actId="114"/>
+          <ac:spMkLst>
+            <pc:docMk/>
+            <pc:sldMk cId="1560711734" sldId="290"/>
+            <ac:spMk id="9" creationId="{6A2A1365-1B71-A13F-58BC-AE37CD18C0D3}"/>
+          </ac:spMkLst>
+        </pc:spChg>
+        <pc:spChg chg="mod">
+          <ac:chgData name="Ismaël Tuo" userId="fca7baf0e513a1e6" providerId="LiveId" clId="{8BCE4665-6EDB-41F8-9F11-1CAE811C4A26}" dt="2023-11-12T17:41:47.886" v="44" actId="114"/>
+          <ac:spMkLst>
+            <pc:docMk/>
+            <pc:sldMk cId="1560711734" sldId="290"/>
+            <ac:spMk id="11" creationId="{C27A3656-3CB0-8161-AE9F-B92FBE4F5083}"/>
+          </ac:spMkLst>
+        </pc:spChg>
+        <pc:spChg chg="mod">
+          <ac:chgData name="Ismaël Tuo" userId="fca7baf0e513a1e6" providerId="LiveId" clId="{8BCE4665-6EDB-41F8-9F11-1CAE811C4A26}" dt="2023-11-12T17:41:58.237" v="48" actId="114"/>
+          <ac:spMkLst>
+            <pc:docMk/>
+            <pc:sldMk cId="1560711734" sldId="290"/>
+            <ac:spMk id="15" creationId="{990012C1-F154-B378-F60A-25362107C03D}"/>
+          </ac:spMkLst>
+        </pc:spChg>
+        <pc:spChg chg="mod">
+          <ac:chgData name="Ismaël Tuo" userId="fca7baf0e513a1e6" providerId="LiveId" clId="{8BCE4665-6EDB-41F8-9F11-1CAE811C4A26}" dt="2023-11-12T17:42:19.702" v="52" actId="114"/>
+          <ac:spMkLst>
+            <pc:docMk/>
+            <pc:sldMk cId="1560711734" sldId="290"/>
+            <ac:spMk id="17" creationId="{699B93B7-063E-E70D-ABC6-C7FD3766BDDE}"/>
+          </ac:spMkLst>
+        </pc:spChg>
+      </pc:sldChg>
+      <pc:sldChg chg="modSp mod">
+        <pc:chgData name="Ismaël Tuo" userId="fca7baf0e513a1e6" providerId="LiveId" clId="{8BCE4665-6EDB-41F8-9F11-1CAE811C4A26}" dt="2023-11-12T17:40:54.457" v="32" actId="114"/>
+        <pc:sldMkLst>
+          <pc:docMk/>
+          <pc:sldMk cId="406246111" sldId="291"/>
+        </pc:sldMkLst>
+        <pc:spChg chg="mod">
+          <ac:chgData name="Ismaël Tuo" userId="fca7baf0e513a1e6" providerId="LiveId" clId="{8BCE4665-6EDB-41F8-9F11-1CAE811C4A26}" dt="2023-11-12T17:40:45.129" v="29" actId="114"/>
+          <ac:spMkLst>
+            <pc:docMk/>
+            <pc:sldMk cId="406246111" sldId="291"/>
+            <ac:spMk id="6" creationId="{84F10693-2FE8-EFC8-8DB6-84BFD181D260}"/>
+          </ac:spMkLst>
+        </pc:spChg>
+        <pc:spChg chg="mod">
+          <ac:chgData name="Ismaël Tuo" userId="fca7baf0e513a1e6" providerId="LiveId" clId="{8BCE4665-6EDB-41F8-9F11-1CAE811C4A26}" dt="2023-11-12T17:40:54.457" v="32" actId="114"/>
+          <ac:spMkLst>
+            <pc:docMk/>
+            <pc:sldMk cId="406246111" sldId="291"/>
+            <ac:spMk id="10" creationId="{A0C09C7B-0B2F-BADB-4F2C-672046B8CE85}"/>
+          </ac:spMkLst>
+        </pc:spChg>
+        <pc:spChg chg="mod">
+          <ac:chgData name="Ismaël Tuo" userId="fca7baf0e513a1e6" providerId="LiveId" clId="{8BCE4665-6EDB-41F8-9F11-1CAE811C4A26}" dt="2023-11-12T17:40:51.458" v="31" actId="114"/>
+          <ac:spMkLst>
+            <pc:docMk/>
+            <pc:sldMk cId="406246111" sldId="291"/>
+            <ac:spMk id="11" creationId="{C27A3656-3CB0-8161-AE9F-B92FBE4F5083}"/>
+          </ac:spMkLst>
+        </pc:spChg>
+      </pc:sldChg>
+      <pc:sldChg chg="modSp mod">
+        <pc:chgData name="Ismaël Tuo" userId="fca7baf0e513a1e6" providerId="LiveId" clId="{8BCE4665-6EDB-41F8-9F11-1CAE811C4A26}" dt="2023-11-12T17:41:35.880" v="41" actId="114"/>
+        <pc:sldMkLst>
+          <pc:docMk/>
+          <pc:sldMk cId="499511550" sldId="292"/>
+        </pc:sldMkLst>
+        <pc:spChg chg="mod">
+          <ac:chgData name="Ismaël Tuo" userId="fca7baf0e513a1e6" providerId="LiveId" clId="{8BCE4665-6EDB-41F8-9F11-1CAE811C4A26}" dt="2023-11-12T17:41:03.839" v="34" actId="114"/>
+          <ac:spMkLst>
+            <pc:docMk/>
+            <pc:sldMk cId="499511550" sldId="292"/>
+            <ac:spMk id="6" creationId="{84F10693-2FE8-EFC8-8DB6-84BFD181D260}"/>
+          </ac:spMkLst>
+        </pc:spChg>
+        <pc:spChg chg="mod">
+          <ac:chgData name="Ismaël Tuo" userId="fca7baf0e513a1e6" providerId="LiveId" clId="{8BCE4665-6EDB-41F8-9F11-1CAE811C4A26}" dt="2023-11-12T17:41:17.146" v="36" actId="114"/>
+          <ac:spMkLst>
+            <pc:docMk/>
+            <pc:sldMk cId="499511550" sldId="292"/>
+            <ac:spMk id="11" creationId="{C27A3656-3CB0-8161-AE9F-B92FBE4F5083}"/>
+          </ac:spMkLst>
+        </pc:spChg>
+        <pc:spChg chg="mod">
+          <ac:chgData name="Ismaël Tuo" userId="fca7baf0e513a1e6" providerId="LiveId" clId="{8BCE4665-6EDB-41F8-9F11-1CAE811C4A26}" dt="2023-11-12T17:41:10.157" v="35" actId="114"/>
+          <ac:spMkLst>
+            <pc:docMk/>
+            <pc:sldMk cId="499511550" sldId="292"/>
+            <ac:spMk id="17" creationId="{113EDEA4-B6D4-9339-5905-C4D076D33A62}"/>
+          </ac:spMkLst>
+        </pc:spChg>
+        <pc:spChg chg="mod">
+          <ac:chgData name="Ismaël Tuo" userId="fca7baf0e513a1e6" providerId="LiveId" clId="{8BCE4665-6EDB-41F8-9F11-1CAE811C4A26}" dt="2023-11-12T17:41:35.880" v="41" actId="114"/>
+          <ac:spMkLst>
+            <pc:docMk/>
+            <pc:sldMk cId="499511550" sldId="292"/>
+            <ac:spMk id="18" creationId="{0795CEBB-648D-F425-0C83-AB1360366109}"/>
+          </ac:spMkLst>
+        </pc:spChg>
+      </pc:sldChg>
+      <pc:sldChg chg="modSp mod ord">
+        <pc:chgData name="Ismaël Tuo" userId="fca7baf0e513a1e6" providerId="LiveId" clId="{8BCE4665-6EDB-41F8-9F11-1CAE811C4A26}" dt="2023-11-12T17:44:31.118" v="84"/>
+        <pc:sldMkLst>
+          <pc:docMk/>
+          <pc:sldMk cId="2297585284" sldId="293"/>
+        </pc:sldMkLst>
+        <pc:spChg chg="mod">
+          <ac:chgData name="Ismaël Tuo" userId="fca7baf0e513a1e6" providerId="LiveId" clId="{8BCE4665-6EDB-41F8-9F11-1CAE811C4A26}" dt="2023-11-12T17:42:47.715" v="59" actId="114"/>
+          <ac:spMkLst>
+            <pc:docMk/>
+            <pc:sldMk cId="2297585284" sldId="293"/>
+            <ac:spMk id="6" creationId="{84F10693-2FE8-EFC8-8DB6-84BFD181D260}"/>
+          </ac:spMkLst>
+        </pc:spChg>
+        <pc:spChg chg="mod">
+          <ac:chgData name="Ismaël Tuo" userId="fca7baf0e513a1e6" providerId="LiveId" clId="{8BCE4665-6EDB-41F8-9F11-1CAE811C4A26}" dt="2023-11-12T17:43:04.912" v="64" actId="114"/>
+          <ac:spMkLst>
+            <pc:docMk/>
+            <pc:sldMk cId="2297585284" sldId="293"/>
+            <ac:spMk id="10" creationId="{135F641B-C1B3-18D8-A2DB-FA0721ABD48A}"/>
+          </ac:spMkLst>
+        </pc:spChg>
+        <pc:spChg chg="mod">
+          <ac:chgData name="Ismaël Tuo" userId="fca7baf0e513a1e6" providerId="LiveId" clId="{8BCE4665-6EDB-41F8-9F11-1CAE811C4A26}" dt="2023-11-12T17:42:54.914" v="62" actId="114"/>
+          <ac:spMkLst>
+            <pc:docMk/>
+            <pc:sldMk cId="2297585284" sldId="293"/>
+            <ac:spMk id="11" creationId="{C27A3656-3CB0-8161-AE9F-B92FBE4F5083}"/>
+          </ac:spMkLst>
+        </pc:spChg>
+      </pc:sldChg>
+      <pc:sldChg chg="modSp mod">
+        <pc:chgData name="Ismaël Tuo" userId="fca7baf0e513a1e6" providerId="LiveId" clId="{8BCE4665-6EDB-41F8-9F11-1CAE811C4A26}" dt="2023-11-12T17:43:32.377" v="71" actId="114"/>
+        <pc:sldMkLst>
+          <pc:docMk/>
+          <pc:sldMk cId="367398369" sldId="294"/>
+        </pc:sldMkLst>
+        <pc:spChg chg="mod">
+          <ac:chgData name="Ismaël Tuo" userId="fca7baf0e513a1e6" providerId="LiveId" clId="{8BCE4665-6EDB-41F8-9F11-1CAE811C4A26}" dt="2023-11-12T17:43:13.650" v="66" actId="114"/>
+          <ac:spMkLst>
+            <pc:docMk/>
+            <pc:sldMk cId="367398369" sldId="294"/>
+            <ac:spMk id="6" creationId="{84F10693-2FE8-EFC8-8DB6-84BFD181D260}"/>
+          </ac:spMkLst>
+        </pc:spChg>
+        <pc:spChg chg="mod">
+          <ac:chgData name="Ismaël Tuo" userId="fca7baf0e513a1e6" providerId="LiveId" clId="{8BCE4665-6EDB-41F8-9F11-1CAE811C4A26}" dt="2023-11-12T17:43:32.377" v="71" actId="114"/>
+          <ac:spMkLst>
+            <pc:docMk/>
+            <pc:sldMk cId="367398369" sldId="294"/>
+            <ac:spMk id="10" creationId="{DF5DFA90-88B5-623C-03FA-9D414B84551E}"/>
+          </ac:spMkLst>
+        </pc:spChg>
+        <pc:spChg chg="mod">
+          <ac:chgData name="Ismaël Tuo" userId="fca7baf0e513a1e6" providerId="LiveId" clId="{8BCE4665-6EDB-41F8-9F11-1CAE811C4A26}" dt="2023-11-12T17:43:19.508" v="68" actId="114"/>
+          <ac:spMkLst>
+            <pc:docMk/>
+            <pc:sldMk cId="367398369" sldId="294"/>
+            <ac:spMk id="11" creationId="{C27A3656-3CB0-8161-AE9F-B92FBE4F5083}"/>
+          </ac:spMkLst>
+        </pc:spChg>
+      </pc:sldChg>
+      <pc:sldChg chg="modSp mod ord">
+        <pc:chgData name="Ismaël Tuo" userId="fca7baf0e513a1e6" providerId="LiveId" clId="{8BCE4665-6EDB-41F8-9F11-1CAE811C4A26}" dt="2023-11-12T17:44:34.322" v="86"/>
+        <pc:sldMkLst>
+          <pc:docMk/>
+          <pc:sldMk cId="2905913222" sldId="295"/>
+        </pc:sldMkLst>
+        <pc:spChg chg="mod">
+          <ac:chgData name="Ismaël Tuo" userId="fca7baf0e513a1e6" providerId="LiveId" clId="{8BCE4665-6EDB-41F8-9F11-1CAE811C4A26}" dt="2023-11-12T17:43:44.054" v="74" actId="114"/>
+          <ac:spMkLst>
+            <pc:docMk/>
+            <pc:sldMk cId="2905913222" sldId="295"/>
+            <ac:spMk id="6" creationId="{84F10693-2FE8-EFC8-8DB6-84BFD181D260}"/>
+          </ac:spMkLst>
+        </pc:spChg>
+        <pc:spChg chg="mod">
+          <ac:chgData name="Ismaël Tuo" userId="fca7baf0e513a1e6" providerId="LiveId" clId="{8BCE4665-6EDB-41F8-9F11-1CAE811C4A26}" dt="2023-11-12T17:43:52.965" v="76" actId="114"/>
+          <ac:spMkLst>
+            <pc:docMk/>
+            <pc:sldMk cId="2905913222" sldId="295"/>
+            <ac:spMk id="10" creationId="{43908BA5-9B3D-38FE-BD6B-72CD24920C8B}"/>
+          </ac:spMkLst>
+        </pc:spChg>
+      </pc:sldChg>
+      <pc:sldChg chg="modSp mod">
+        <pc:chgData name="Ismaël Tuo" userId="fca7baf0e513a1e6" providerId="LiveId" clId="{8BCE4665-6EDB-41F8-9F11-1CAE811C4A26}" dt="2023-11-12T17:44:20.039" v="82" actId="114"/>
+        <pc:sldMkLst>
+          <pc:docMk/>
+          <pc:sldMk cId="4214485337" sldId="296"/>
+        </pc:sldMkLst>
+        <pc:spChg chg="mod">
+          <ac:chgData name="Ismaël Tuo" userId="fca7baf0e513a1e6" providerId="LiveId" clId="{8BCE4665-6EDB-41F8-9F11-1CAE811C4A26}" dt="2023-11-12T17:44:00.029" v="77" actId="113"/>
+          <ac:spMkLst>
+            <pc:docMk/>
+            <pc:sldMk cId="4214485337" sldId="296"/>
+            <ac:spMk id="6" creationId="{84F10693-2FE8-EFC8-8DB6-84BFD181D260}"/>
+          </ac:spMkLst>
+        </pc:spChg>
+        <pc:spChg chg="mod">
+          <ac:chgData name="Ismaël Tuo" userId="fca7baf0e513a1e6" providerId="LiveId" clId="{8BCE4665-6EDB-41F8-9F11-1CAE811C4A26}" dt="2023-11-12T17:44:20.039" v="82" actId="114"/>
+          <ac:spMkLst>
+            <pc:docMk/>
+            <pc:sldMk cId="4214485337" sldId="296"/>
+            <ac:spMk id="10" creationId="{E69CA8FD-3B1D-3357-B3EE-90752169B06F}"/>
+          </ac:spMkLst>
+        </pc:spChg>
+        <pc:spChg chg="mod">
+          <ac:chgData name="Ismaël Tuo" userId="fca7baf0e513a1e6" providerId="LiveId" clId="{8BCE4665-6EDB-41F8-9F11-1CAE811C4A26}" dt="2023-11-12T17:44:03.312" v="78" actId="33524"/>
+          <ac:spMkLst>
+            <pc:docMk/>
+            <pc:sldMk cId="4214485337" sldId="296"/>
+            <ac:spMk id="11" creationId="{C27A3656-3CB0-8161-AE9F-B92FBE4F5083}"/>
+          </ac:spMkLst>
+        </pc:spChg>
+      </pc:sldChg>
+      <pc:sldChg chg="modSp mod">
+        <pc:chgData name="Ismaël Tuo" userId="fca7baf0e513a1e6" providerId="LiveId" clId="{8BCE4665-6EDB-41F8-9F11-1CAE811C4A26}" dt="2023-11-12T17:42:37.702" v="57" actId="114"/>
+        <pc:sldMkLst>
+          <pc:docMk/>
+          <pc:sldMk cId="2245514703" sldId="297"/>
+        </pc:sldMkLst>
+        <pc:spChg chg="mod">
+          <ac:chgData name="Ismaël Tuo" userId="fca7baf0e513a1e6" providerId="LiveId" clId="{8BCE4665-6EDB-41F8-9F11-1CAE811C4A26}" dt="2023-11-12T17:42:31.896" v="55" actId="114"/>
+          <ac:spMkLst>
+            <pc:docMk/>
+            <pc:sldMk cId="2245514703" sldId="297"/>
+            <ac:spMk id="6" creationId="{84F10693-2FE8-EFC8-8DB6-84BFD181D260}"/>
+          </ac:spMkLst>
+        </pc:spChg>
+        <pc:spChg chg="mod">
+          <ac:chgData name="Ismaël Tuo" userId="fca7baf0e513a1e6" providerId="LiveId" clId="{8BCE4665-6EDB-41F8-9F11-1CAE811C4A26}" dt="2023-11-12T17:42:37.702" v="57" actId="114"/>
+          <ac:spMkLst>
+            <pc:docMk/>
+            <pc:sldMk cId="2245514703" sldId="297"/>
+            <ac:spMk id="11" creationId="{C27A3656-3CB0-8161-AE9F-B92FBE4F5083}"/>
+          </ac:spMkLst>
+        </pc:spChg>
+      </pc:sldChg>
+      <pc:sldChg chg="modSp mod">
+        <pc:chgData name="Ismaël Tuo" userId="fca7baf0e513a1e6" providerId="LiveId" clId="{8BCE4665-6EDB-41F8-9F11-1CAE811C4A26}" dt="2023-11-12T17:45:23.897" v="94" actId="114"/>
+        <pc:sldMkLst>
+          <pc:docMk/>
+          <pc:sldMk cId="3999352657" sldId="298"/>
+        </pc:sldMkLst>
+        <pc:spChg chg="mod">
+          <ac:chgData name="Ismaël Tuo" userId="fca7baf0e513a1e6" providerId="LiveId" clId="{8BCE4665-6EDB-41F8-9F11-1CAE811C4A26}" dt="2023-11-12T17:45:23.897" v="94" actId="114"/>
+          <ac:spMkLst>
+            <pc:docMk/>
+            <pc:sldMk cId="3999352657" sldId="298"/>
+            <ac:spMk id="2" creationId="{2D291C24-5F1A-FB4A-BE6F-B78C7662BE9D}"/>
+          </ac:spMkLst>
+        </pc:spChg>
+        <pc:spChg chg="mod">
+          <ac:chgData name="Ismaël Tuo" userId="fca7baf0e513a1e6" providerId="LiveId" clId="{8BCE4665-6EDB-41F8-9F11-1CAE811C4A26}" dt="2023-11-12T17:45:01.963" v="88" actId="14100"/>
+          <ac:spMkLst>
+            <pc:docMk/>
+            <pc:sldMk cId="3999352657" sldId="298"/>
+            <ac:spMk id="6" creationId="{84F10693-2FE8-EFC8-8DB6-84BFD181D260}"/>
+          </ac:spMkLst>
+        </pc:spChg>
+      </pc:sldChg>
+      <pc:sldChg chg="modSp mod">
+        <pc:chgData name="Ismaël Tuo" userId="fca7baf0e513a1e6" providerId="LiveId" clId="{8BCE4665-6EDB-41F8-9F11-1CAE811C4A26}" dt="2023-11-12T17:46:06.885" v="103" actId="114"/>
+        <pc:sldMkLst>
+          <pc:docMk/>
+          <pc:sldMk cId="4048054045" sldId="299"/>
+        </pc:sldMkLst>
+        <pc:spChg chg="mod">
+          <ac:chgData name="Ismaël Tuo" userId="fca7baf0e513a1e6" providerId="LiveId" clId="{8BCE4665-6EDB-41F8-9F11-1CAE811C4A26}" dt="2023-11-12T17:45:32.378" v="95" actId="113"/>
+          <ac:spMkLst>
+            <pc:docMk/>
+            <pc:sldMk cId="4048054045" sldId="299"/>
+            <ac:spMk id="6" creationId="{84F10693-2FE8-EFC8-8DB6-84BFD181D260}"/>
+          </ac:spMkLst>
+        </pc:spChg>
+        <pc:spChg chg="mod">
+          <ac:chgData name="Ismaël Tuo" userId="fca7baf0e513a1e6" providerId="LiveId" clId="{8BCE4665-6EDB-41F8-9F11-1CAE811C4A26}" dt="2023-11-12T17:46:03.886" v="102" actId="114"/>
+          <ac:spMkLst>
+            <pc:docMk/>
+            <pc:sldMk cId="4048054045" sldId="299"/>
+            <ac:spMk id="7" creationId="{6AD1AFB8-EB4E-ED5A-3EBB-C926BE15EB6D}"/>
+          </ac:spMkLst>
+        </pc:spChg>
+        <pc:spChg chg="mod">
+          <ac:chgData name="Ismaël Tuo" userId="fca7baf0e513a1e6" providerId="LiveId" clId="{8BCE4665-6EDB-41F8-9F11-1CAE811C4A26}" dt="2023-11-12T17:46:06.885" v="103" actId="114"/>
+          <ac:spMkLst>
+            <pc:docMk/>
+            <pc:sldMk cId="4048054045" sldId="299"/>
+            <ac:spMk id="15" creationId="{26E08B24-44DE-D315-B26E-4234A03805D2}"/>
+          </ac:spMkLst>
+        </pc:spChg>
+      </pc:sldChg>
+      <pc:sldChg chg="modSp mod">
+        <pc:chgData name="Ismaël Tuo" userId="fca7baf0e513a1e6" providerId="LiveId" clId="{8BCE4665-6EDB-41F8-9F11-1CAE811C4A26}" dt="2023-11-12T17:46:54.568" v="114" actId="114"/>
+        <pc:sldMkLst>
+          <pc:docMk/>
+          <pc:sldMk cId="2187541620" sldId="300"/>
+        </pc:sldMkLst>
+        <pc:spChg chg="mod">
+          <ac:chgData name="Ismaël Tuo" userId="fca7baf0e513a1e6" providerId="LiveId" clId="{8BCE4665-6EDB-41F8-9F11-1CAE811C4A26}" dt="2023-11-12T17:46:12.391" v="104" actId="113"/>
+          <ac:spMkLst>
+            <pc:docMk/>
+            <pc:sldMk cId="2187541620" sldId="300"/>
+            <ac:spMk id="6" creationId="{84F10693-2FE8-EFC8-8DB6-84BFD181D260}"/>
+          </ac:spMkLst>
+        </pc:spChg>
+        <pc:spChg chg="mod">
+          <ac:chgData name="Ismaël Tuo" userId="fca7baf0e513a1e6" providerId="LiveId" clId="{8BCE4665-6EDB-41F8-9F11-1CAE811C4A26}" dt="2023-11-12T17:46:52.162" v="113" actId="114"/>
+          <ac:spMkLst>
+            <pc:docMk/>
+            <pc:sldMk cId="2187541620" sldId="300"/>
+            <ac:spMk id="7" creationId="{6AD1AFB8-EB4E-ED5A-3EBB-C926BE15EB6D}"/>
+          </ac:spMkLst>
+        </pc:spChg>
+        <pc:spChg chg="mod">
+          <ac:chgData name="Ismaël Tuo" userId="fca7baf0e513a1e6" providerId="LiveId" clId="{8BCE4665-6EDB-41F8-9F11-1CAE811C4A26}" dt="2023-11-12T17:46:54.568" v="114" actId="114"/>
+          <ac:spMkLst>
+            <pc:docMk/>
+            <pc:sldMk cId="2187541620" sldId="300"/>
+            <ac:spMk id="15" creationId="{26E08B24-44DE-D315-B26E-4234A03805D2}"/>
+          </ac:spMkLst>
+        </pc:spChg>
+      </pc:sldChg>
+      <pc:sldChg chg="modSp mod">
+        <pc:chgData name="Ismaël Tuo" userId="fca7baf0e513a1e6" providerId="LiveId" clId="{8BCE4665-6EDB-41F8-9F11-1CAE811C4A26}" dt="2023-11-12T17:47:01.005" v="115" actId="113"/>
+        <pc:sldMkLst>
+          <pc:docMk/>
+          <pc:sldMk cId="1083458293" sldId="301"/>
+        </pc:sldMkLst>
+        <pc:spChg chg="mod">
+          <ac:chgData name="Ismaël Tuo" userId="fca7baf0e513a1e6" providerId="LiveId" clId="{8BCE4665-6EDB-41F8-9F11-1CAE811C4A26}" dt="2023-11-12T17:47:01.005" v="115" actId="113"/>
+          <ac:spMkLst>
+            <pc:docMk/>
+            <pc:sldMk cId="1083458293" sldId="301"/>
+            <ac:spMk id="6" creationId="{84F10693-2FE8-EFC8-8DB6-84BFD181D260}"/>
+          </ac:spMkLst>
+        </pc:spChg>
+      </pc:sldChg>
+      <pc:sldChg chg="modSp mod">
+        <pc:chgData name="Ismaël Tuo" userId="fca7baf0e513a1e6" providerId="LiveId" clId="{8BCE4665-6EDB-41F8-9F11-1CAE811C4A26}" dt="2023-11-12T17:47:14.100" v="117" actId="313"/>
+        <pc:sldMkLst>
+          <pc:docMk/>
+          <pc:sldMk cId="1512773291" sldId="302"/>
+        </pc:sldMkLst>
+        <pc:spChg chg="mod">
+          <ac:chgData name="Ismaël Tuo" userId="fca7baf0e513a1e6" providerId="LiveId" clId="{8BCE4665-6EDB-41F8-9F11-1CAE811C4A26}" dt="2023-11-12T17:47:09.764" v="116" actId="113"/>
+          <ac:spMkLst>
+            <pc:docMk/>
+            <pc:sldMk cId="1512773291" sldId="302"/>
+            <ac:spMk id="6" creationId="{84F10693-2FE8-EFC8-8DB6-84BFD181D260}"/>
+          </ac:spMkLst>
+        </pc:spChg>
+        <pc:spChg chg="mod">
+          <ac:chgData name="Ismaël Tuo" userId="fca7baf0e513a1e6" providerId="LiveId" clId="{8BCE4665-6EDB-41F8-9F11-1CAE811C4A26}" dt="2023-11-12T17:47:14.100" v="117" actId="313"/>
+          <ac:spMkLst>
+            <pc:docMk/>
+            <pc:sldMk cId="1512773291" sldId="302"/>
+            <ac:spMk id="17" creationId="{6D9E0293-FFB4-852D-1C6A-81543A893614}"/>
+          </ac:spMkLst>
+        </pc:spChg>
+      </pc:sldChg>
+      <pc:sldChg chg="modSp mod">
+        <pc:chgData name="Ismaël Tuo" userId="fca7baf0e513a1e6" providerId="LiveId" clId="{8BCE4665-6EDB-41F8-9F11-1CAE811C4A26}" dt="2023-11-12T17:47:32.827" v="118" actId="113"/>
+        <pc:sldMkLst>
+          <pc:docMk/>
+          <pc:sldMk cId="2798052591" sldId="303"/>
+        </pc:sldMkLst>
+        <pc:spChg chg="mod">
+          <ac:chgData name="Ismaël Tuo" userId="fca7baf0e513a1e6" providerId="LiveId" clId="{8BCE4665-6EDB-41F8-9F11-1CAE811C4A26}" dt="2023-11-12T17:47:32.827" v="118" actId="113"/>
+          <ac:spMkLst>
+            <pc:docMk/>
+            <pc:sldMk cId="2798052591" sldId="303"/>
+            <ac:spMk id="6" creationId="{84F10693-2FE8-EFC8-8DB6-84BFD181D260}"/>
+          </ac:spMkLst>
+        </pc:spChg>
+      </pc:sldChg>
+      <pc:sldChg chg="modSp mod">
+        <pc:chgData name="Ismaël Tuo" userId="fca7baf0e513a1e6" providerId="LiveId" clId="{8BCE4665-6EDB-41F8-9F11-1CAE811C4A26}" dt="2023-11-12T17:47:47.834" v="120" actId="33524"/>
+        <pc:sldMkLst>
+          <pc:docMk/>
+          <pc:sldMk cId="4140448874" sldId="304"/>
+        </pc:sldMkLst>
+        <pc:spChg chg="mod">
+          <ac:chgData name="Ismaël Tuo" userId="fca7baf0e513a1e6" providerId="LiveId" clId="{8BCE4665-6EDB-41F8-9F11-1CAE811C4A26}" dt="2023-11-12T17:47:36.737" v="119" actId="113"/>
+          <ac:spMkLst>
+            <pc:docMk/>
+            <pc:sldMk cId="4140448874" sldId="304"/>
+            <ac:spMk id="6" creationId="{84F10693-2FE8-EFC8-8DB6-84BFD181D260}"/>
+          </ac:spMkLst>
+        </pc:spChg>
+        <pc:spChg chg="mod">
+          <ac:chgData name="Ismaël Tuo" userId="fca7baf0e513a1e6" providerId="LiveId" clId="{8BCE4665-6EDB-41F8-9F11-1CAE811C4A26}" dt="2023-11-12T17:47:47.834" v="120" actId="33524"/>
+          <ac:spMkLst>
+            <pc:docMk/>
+            <pc:sldMk cId="4140448874" sldId="304"/>
+            <ac:spMk id="9" creationId="{FD5C917A-1D19-8B3C-73A7-5559D947EC90}"/>
+          </ac:spMkLst>
+        </pc:spChg>
+      </pc:sldChg>
+    </pc:docChg>
+  </pc:docChgLst>
+  <pc:docChgLst>
+    <pc:chgData name="Ismaël Tuo" userId="fca7baf0e513a1e6" providerId="LiveId" clId="{6DCBD0B2-376C-B841-86C7-2D5F04B0C4E2}"/>
+    <pc:docChg chg="custSel modSld">
+      <pc:chgData name="Ismaël Tuo" userId="fca7baf0e513a1e6" providerId="LiveId" clId="{6DCBD0B2-376C-B841-86C7-2D5F04B0C4E2}" dt="2023-07-16T06:28:36.720" v="86" actId="1076"/>
+      <pc:docMkLst>
+        <pc:docMk/>
+      </pc:docMkLst>
+      <pc:sldChg chg="modSp mod modNotesTx">
+        <pc:chgData name="Ismaël Tuo" userId="fca7baf0e513a1e6" providerId="LiveId" clId="{6DCBD0B2-376C-B841-86C7-2D5F04B0C4E2}" dt="2023-07-16T06:28:36.720" v="86" actId="1076"/>
         <pc:sldMkLst>
           <pc:docMk/>
           <pc:sldMk cId="0" sldId="257"/>
         </pc:sldMkLst>
         <pc:spChg chg="mod">
-          <ac:chgData name="Ismaël Tuo" userId="fca7baf0e513a1e6" providerId="LiveId" clId="{ABAD35E0-20F2-924D-9CFF-DB760A0CF68F}" dt="2023-07-02T15:21:59.007" v="28" actId="255"/>
-          <ac:spMkLst>
-            <pc:docMk/>
-            <pc:sldMk cId="0" sldId="257"/>
-            <ac:spMk id="2" creationId="{15F42996-A20C-278E-8304-E7B669C70297}"/>
-          </ac:spMkLst>
-        </pc:spChg>
-        <pc:spChg chg="mod">
-          <ac:chgData name="Ismaël Tuo" userId="fca7baf0e513a1e6" providerId="LiveId" clId="{ABAD35E0-20F2-924D-9CFF-DB760A0CF68F}" dt="2023-07-02T15:22:07.631" v="29" actId="255"/>
+          <ac:chgData name="Ismaël Tuo" userId="fca7baf0e513a1e6" providerId="LiveId" clId="{6DCBD0B2-376C-B841-86C7-2D5F04B0C4E2}" dt="2023-07-16T06:27:11.303" v="32" actId="20577"/>
           <ac:spMkLst>
             <pc:docMk/>
             <pc:sldMk cId="0" sldId="257"/>
             <ac:spMk id="3" creationId="{44036CE4-A502-6275-4A8A-31CB182AFE34}"/>
           </ac:spMkLst>
         </pc:spChg>
+        <pc:picChg chg="mod">
+          <ac:chgData name="Ismaël Tuo" userId="fca7baf0e513a1e6" providerId="LiveId" clId="{6DCBD0B2-376C-B841-86C7-2D5F04B0C4E2}" dt="2023-07-16T06:28:36.720" v="86" actId="1076"/>
+          <ac:picMkLst>
+            <pc:docMk/>
+            <pc:sldMk cId="0" sldId="257"/>
+            <ac:picMk id="14" creationId="{2DE5C0E7-6706-5272-AE9A-6FE4B3435542}"/>
+          </ac:picMkLst>
+        </pc:picChg>
       </pc:sldChg>
       <pc:sldChg chg="modSp">
-        <pc:chgData name="Ismaël Tuo" userId="fca7baf0e513a1e6" providerId="LiveId" clId="{ABAD35E0-20F2-924D-9CFF-DB760A0CF68F}" dt="2023-07-02T14:34:33.755" v="27" actId="255"/>
+        <pc:chgData name="Ismaël Tuo" userId="fca7baf0e513a1e6" providerId="LiveId" clId="{6DCBD0B2-376C-B841-86C7-2D5F04B0C4E2}" dt="2023-07-16T06:27:21.664" v="34" actId="20577"/>
         <pc:sldMkLst>
           <pc:docMk/>
           <pc:sldMk cId="2029635794" sldId="284"/>
         </pc:sldMkLst>
         <pc:spChg chg="mod">
-          <ac:chgData name="Ismaël Tuo" userId="fca7baf0e513a1e6" providerId="LiveId" clId="{ABAD35E0-20F2-924D-9CFF-DB760A0CF68F}" dt="2023-07-02T14:34:33.755" v="27" actId="255"/>
+          <ac:chgData name="Ismaël Tuo" userId="fca7baf0e513a1e6" providerId="LiveId" clId="{6DCBD0B2-376C-B841-86C7-2D5F04B0C4E2}" dt="2023-07-16T06:27:21.664" v="34" actId="20577"/>
           <ac:spMkLst>
             <pc:docMk/>
             <pc:sldMk cId="2029635794" sldId="284"/>
@@ -2155,69 +2789,14 @@
           </ac:spMkLst>
         </pc:spChg>
       </pc:sldChg>
-      <pc:sldChg chg="addSp delSp modSp mod">
-        <pc:chgData name="Ismaël Tuo" userId="fca7baf0e513a1e6" providerId="LiveId" clId="{ABAD35E0-20F2-924D-9CFF-DB760A0CF68F}" dt="2023-07-02T15:28:44.397" v="37"/>
-        <pc:sldMkLst>
-          <pc:docMk/>
-          <pc:sldMk cId="1268069196" sldId="285"/>
-        </pc:sldMkLst>
-        <pc:spChg chg="mod">
-          <ac:chgData name="Ismaël Tuo" userId="fca7baf0e513a1e6" providerId="LiveId" clId="{ABAD35E0-20F2-924D-9CFF-DB760A0CF68F}" dt="2023-06-20T13:37:55.167" v="9" actId="20577"/>
-          <ac:spMkLst>
-            <pc:docMk/>
-            <pc:sldMk cId="1268069196" sldId="285"/>
-            <ac:spMk id="4" creationId="{8FEEC940-4BFF-956C-713A-1CE73C436B6F}"/>
-          </ac:spMkLst>
-        </pc:spChg>
-        <pc:spChg chg="mod">
-          <ac:chgData name="Ismaël Tuo" userId="fca7baf0e513a1e6" providerId="LiveId" clId="{ABAD35E0-20F2-924D-9CFF-DB760A0CF68F}" dt="2023-07-02T15:22:17.313" v="30" actId="255"/>
-          <ac:spMkLst>
-            <pc:docMk/>
-            <pc:sldMk cId="1268069196" sldId="285"/>
-            <ac:spMk id="6" creationId="{84F10693-2FE8-EFC8-8DB6-84BFD181D260}"/>
-          </ac:spMkLst>
-        </pc:spChg>
-        <pc:spChg chg="mod">
-          <ac:chgData name="Ismaël Tuo" userId="fca7baf0e513a1e6" providerId="LiveId" clId="{ABAD35E0-20F2-924D-9CFF-DB760A0CF68F}" dt="2023-07-02T15:22:25.875" v="31" actId="255"/>
-          <ac:spMkLst>
-            <pc:docMk/>
-            <pc:sldMk cId="1268069196" sldId="285"/>
-            <ac:spMk id="11" creationId="{C27A3656-3CB0-8161-AE9F-B92FBE4F5083}"/>
-          </ac:spMkLst>
-        </pc:spChg>
-        <pc:cxnChg chg="add del mod">
-          <ac:chgData name="Ismaël Tuo" userId="fca7baf0e513a1e6" providerId="LiveId" clId="{ABAD35E0-20F2-924D-9CFF-DB760A0CF68F}" dt="2023-07-02T15:28:44.122" v="36" actId="478"/>
-          <ac:cxnSpMkLst>
-            <pc:docMk/>
-            <pc:sldMk cId="1268069196" sldId="285"/>
-            <ac:cxnSpMk id="2" creationId="{F1D6C687-9785-FED9-5041-2E19BCC7001F}"/>
-          </ac:cxnSpMkLst>
-        </pc:cxnChg>
-        <pc:cxnChg chg="add mod">
-          <ac:chgData name="Ismaël Tuo" userId="fca7baf0e513a1e6" providerId="LiveId" clId="{ABAD35E0-20F2-924D-9CFF-DB760A0CF68F}" dt="2023-07-02T15:28:44.397" v="37"/>
-          <ac:cxnSpMkLst>
-            <pc:docMk/>
-            <pc:sldMk cId="1268069196" sldId="285"/>
-            <ac:cxnSpMk id="3" creationId="{F5400574-BA21-AA27-C7D0-975B208CF325}"/>
-          </ac:cxnSpMkLst>
-        </pc:cxnChg>
-        <pc:cxnChg chg="del">
-          <ac:chgData name="Ismaël Tuo" userId="fca7baf0e513a1e6" providerId="LiveId" clId="{ABAD35E0-20F2-924D-9CFF-DB760A0CF68F}" dt="2023-06-20T17:37:22.035" v="16" actId="478"/>
-          <ac:cxnSpMkLst>
-            <pc:docMk/>
-            <pc:sldMk cId="1268069196" sldId="285"/>
-            <ac:cxnSpMk id="8" creationId="{B6F00F63-883E-0574-2871-D0C839DCCEEA}"/>
-          </ac:cxnSpMkLst>
-        </pc:cxnChg>
-      </pc:sldChg>
-      <pc:sldChg chg="addSp delSp modSp mod">
-        <pc:chgData name="Ismaël Tuo" userId="fca7baf0e513a1e6" providerId="LiveId" clId="{ABAD35E0-20F2-924D-9CFF-DB760A0CF68F}" dt="2023-07-02T15:28:46.739" v="39"/>
+      <pc:sldChg chg="modSp mod">
+        <pc:chgData name="Ismaël Tuo" userId="fca7baf0e513a1e6" providerId="LiveId" clId="{6DCBD0B2-376C-B841-86C7-2D5F04B0C4E2}" dt="2023-07-16T06:28:28.294" v="85" actId="20577"/>
         <pc:sldMkLst>
           <pc:docMk/>
           <pc:sldMk cId="2639441608" sldId="286"/>
         </pc:sldMkLst>
         <pc:spChg chg="mod">
-          <ac:chgData name="Ismaël Tuo" userId="fca7baf0e513a1e6" providerId="LiveId" clId="{ABAD35E0-20F2-924D-9CFF-DB760A0CF68F}" dt="2023-07-02T15:23:02.443" v="35" actId="1076"/>
+          <ac:chgData name="Ismaël Tuo" userId="fca7baf0e513a1e6" providerId="LiveId" clId="{6DCBD0B2-376C-B841-86C7-2D5F04B0C4E2}" dt="2023-07-16T06:27:43.705" v="56" actId="20577"/>
           <ac:spMkLst>
             <pc:docMk/>
             <pc:sldMk cId="2639441608" sldId="286"/>
@@ -2225,44 +2804,13 @@
           </ac:spMkLst>
         </pc:spChg>
         <pc:spChg chg="mod">
-          <ac:chgData name="Ismaël Tuo" userId="fca7baf0e513a1e6" providerId="LiveId" clId="{ABAD35E0-20F2-924D-9CFF-DB760A0CF68F}" dt="2023-07-02T15:23:00.008" v="33" actId="255"/>
+          <ac:chgData name="Ismaël Tuo" userId="fca7baf0e513a1e6" providerId="LiveId" clId="{6DCBD0B2-376C-B841-86C7-2D5F04B0C4E2}" dt="2023-07-16T06:28:28.294" v="85" actId="20577"/>
           <ac:spMkLst>
             <pc:docMk/>
             <pc:sldMk cId="2639441608" sldId="286"/>
             <ac:spMk id="11" creationId="{C27A3656-3CB0-8161-AE9F-B92FBE4F5083}"/>
           </ac:spMkLst>
         </pc:spChg>
-        <pc:cxnChg chg="add del mod">
-          <ac:chgData name="Ismaël Tuo" userId="fca7baf0e513a1e6" providerId="LiveId" clId="{ABAD35E0-20F2-924D-9CFF-DB760A0CF68F}" dt="2023-07-02T15:28:46.490" v="38" actId="478"/>
-          <ac:cxnSpMkLst>
-            <pc:docMk/>
-            <pc:sldMk cId="2639441608" sldId="286"/>
-            <ac:cxnSpMk id="2" creationId="{1277F711-68C5-D34A-B575-457AC3A9C156}"/>
-          </ac:cxnSpMkLst>
-        </pc:cxnChg>
-        <pc:cxnChg chg="add mod">
-          <ac:chgData name="Ismaël Tuo" userId="fca7baf0e513a1e6" providerId="LiveId" clId="{ABAD35E0-20F2-924D-9CFF-DB760A0CF68F}" dt="2023-07-02T15:28:46.739" v="39"/>
-          <ac:cxnSpMkLst>
-            <pc:docMk/>
-            <pc:sldMk cId="2639441608" sldId="286"/>
-            <ac:cxnSpMk id="3" creationId="{6AC8021D-4898-08B9-18A0-60AC71EF613E}"/>
-          </ac:cxnSpMkLst>
-        </pc:cxnChg>
-        <pc:cxnChg chg="del">
-          <ac:chgData name="Ismaël Tuo" userId="fca7baf0e513a1e6" providerId="LiveId" clId="{ABAD35E0-20F2-924D-9CFF-DB760A0CF68F}" dt="2023-06-20T17:37:24.618" v="18" actId="478"/>
-          <ac:cxnSpMkLst>
-            <pc:docMk/>
-            <pc:sldMk cId="2639441608" sldId="286"/>
-            <ac:cxnSpMk id="8" creationId="{B6F00F63-883E-0574-2871-D0C839DCCEEA}"/>
-          </ac:cxnSpMkLst>
-        </pc:cxnChg>
-      </pc:sldChg>
-      <pc:sldChg chg="new del">
-        <pc:chgData name="Ismaël Tuo" userId="fca7baf0e513a1e6" providerId="LiveId" clId="{ABAD35E0-20F2-924D-9CFF-DB760A0CF68F}" dt="2023-06-20T13:38:40.675" v="11" actId="2696"/>
-        <pc:sldMkLst>
-          <pc:docMk/>
-          <pc:sldMk cId="652286414" sldId="287"/>
-        </pc:sldMkLst>
       </pc:sldChg>
     </pc:docChg>
   </pc:docChgLst>
@@ -2351,7 +2899,7 @@
           <a:p>
             <a:fld id="{5D1B8971-FAD5-A544-A565-5C81831E2E08}" type="datetimeFigureOut">
               <a:rPr lang="fr-FR" smtClean="0"/>
-              <a:t>16/07/2023</a:t>
+              <a:t>12/11/2023</a:t>
             </a:fld>
             <a:endParaRPr lang="fr-FR"/>
           </a:p>
@@ -2779,7 +3327,7 @@
     </p:spTree>
     <p:extLst>
       <p:ext uri="{BB962C8B-B14F-4D97-AF65-F5344CB8AC3E}">
-        <p14:creationId xmlns:p14="http://schemas.microsoft.com/office/powerpoint/2010/main" val="3726014628"/>
+        <p14:creationId xmlns:p14="http://schemas.microsoft.com/office/powerpoint/2010/main" val="967267600"/>
       </p:ext>
     </p:extLst>
   </p:cSld>
@@ -2863,7 +3411,7 @@
     </p:spTree>
     <p:extLst>
       <p:ext uri="{BB962C8B-B14F-4D97-AF65-F5344CB8AC3E}">
-        <p14:creationId xmlns:p14="http://schemas.microsoft.com/office/powerpoint/2010/main" val="3346474843"/>
+        <p14:creationId xmlns:p14="http://schemas.microsoft.com/office/powerpoint/2010/main" val="4041557279"/>
       </p:ext>
     </p:extLst>
   </p:cSld>
@@ -2947,7 +3495,7 @@
     </p:spTree>
     <p:extLst>
       <p:ext uri="{BB962C8B-B14F-4D97-AF65-F5344CB8AC3E}">
-        <p14:creationId xmlns:p14="http://schemas.microsoft.com/office/powerpoint/2010/main" val="4041557279"/>
+        <p14:creationId xmlns:p14="http://schemas.microsoft.com/office/powerpoint/2010/main" val="3346474843"/>
       </p:ext>
     </p:extLst>
   </p:cSld>
@@ -4207,7 +4755,7 @@
     </p:spTree>
     <p:extLst>
       <p:ext uri="{BB962C8B-B14F-4D97-AF65-F5344CB8AC3E}">
-        <p14:creationId xmlns:p14="http://schemas.microsoft.com/office/powerpoint/2010/main" val="967267600"/>
+        <p14:creationId xmlns:p14="http://schemas.microsoft.com/office/powerpoint/2010/main" val="3726014628"/>
       </p:ext>
     </p:extLst>
   </p:cSld>
@@ -4380,7 +4928,7 @@
           <a:p>
             <a:fld id="{446AF453-C717-E044-9B61-C449088DBB9F}" type="datetime1">
               <a:rPr lang="fr-FR" smtClean="0"/>
-              <a:t>16/07/2023</a:t>
+              <a:t>12/11/2023</a:t>
             </a:fld>
             <a:endParaRPr lang="fr-FR"/>
           </a:p>
@@ -4554,7 +5102,7 @@
           <a:p>
             <a:fld id="{0AD74B8B-4B66-A54B-A7E1-EB9F6C09CE67}" type="datetime1">
               <a:rPr lang="fr-FR" smtClean="0"/>
-              <a:t>16/07/2023</a:t>
+              <a:t>12/11/2023</a:t>
             </a:fld>
             <a:endParaRPr lang="fr-FR"/>
           </a:p>
@@ -4738,7 +5286,7 @@
           <a:p>
             <a:fld id="{9584F9F2-42A0-CD42-8013-986AEAF97421}" type="datetime1">
               <a:rPr lang="fr-FR" smtClean="0"/>
-              <a:t>16/07/2023</a:t>
+              <a:t>12/11/2023</a:t>
             </a:fld>
             <a:endParaRPr lang="fr-FR"/>
           </a:p>
@@ -4912,7 +5460,7 @@
           <a:p>
             <a:fld id="{DAB9BD9F-3179-BB4C-96AB-C40862581685}" type="datetime1">
               <a:rPr lang="fr-FR" smtClean="0"/>
-              <a:t>16/07/2023</a:t>
+              <a:t>12/11/2023</a:t>
             </a:fld>
             <a:endParaRPr lang="fr-FR"/>
           </a:p>
@@ -5184,7 +5732,7 @@
           <a:p>
             <a:fld id="{A664DE96-64FF-BC43-8A9C-18ED43A528D6}" type="datetime1">
               <a:rPr lang="fr-FR" smtClean="0"/>
-              <a:t>16/07/2023</a:t>
+              <a:t>12/11/2023</a:t>
             </a:fld>
             <a:endParaRPr lang="fr-FR"/>
           </a:p>
@@ -5420,7 +5968,7 @@
           <a:p>
             <a:fld id="{2C8FE800-9F9B-1C4F-A1CD-9EF46842C4CA}" type="datetime1">
               <a:rPr lang="fr-FR" smtClean="0"/>
-              <a:t>16/07/2023</a:t>
+              <a:t>12/11/2023</a:t>
             </a:fld>
             <a:endParaRPr lang="fr-FR"/>
           </a:p>
@@ -5783,7 +6331,7 @@
           <a:p>
             <a:fld id="{0F7DED4E-8CB4-EF40-A349-EFC02EC7784E}" type="datetime1">
               <a:rPr lang="fr-FR" smtClean="0"/>
-              <a:t>16/07/2023</a:t>
+              <a:t>12/11/2023</a:t>
             </a:fld>
             <a:endParaRPr lang="fr-FR"/>
           </a:p>
@@ -5928,7 +6476,7 @@
           <a:p>
             <a:fld id="{5BB88D77-E8A2-E24F-81D2-817E60779F3E}" type="datetime1">
               <a:rPr lang="fr-FR" smtClean="0"/>
-              <a:t>16/07/2023</a:t>
+              <a:t>12/11/2023</a:t>
             </a:fld>
             <a:endParaRPr lang="fr-FR"/>
           </a:p>
@@ -6027,7 +6575,7 @@
           <a:p>
             <a:fld id="{817F964E-5B57-884A-A1B8-925BFA5276AF}" type="datetime1">
               <a:rPr lang="fr-FR" smtClean="0"/>
-              <a:t>16/07/2023</a:t>
+              <a:t>12/11/2023</a:t>
             </a:fld>
             <a:endParaRPr lang="fr-FR"/>
           </a:p>
@@ -6388,7 +6936,7 @@
           <a:p>
             <a:fld id="{D5636CD0-A2E6-1543-A0E5-C829C16FEE55}" type="datetime1">
               <a:rPr lang="fr-FR" smtClean="0"/>
-              <a:t>16/07/2023</a:t>
+              <a:t>12/11/2023</a:t>
             </a:fld>
             <a:endParaRPr lang="fr-FR"/>
           </a:p>
@@ -6749,7 +7297,7 @@
           <a:p>
             <a:fld id="{CEE5CE4A-5B1A-1846-BA66-722BDB7A9525}" type="datetime1">
               <a:rPr lang="fr-FR" smtClean="0"/>
-              <a:t>16/07/2023</a:t>
+              <a:t>12/11/2023</a:t>
             </a:fld>
             <a:endParaRPr lang="fr-FR"/>
           </a:p>
@@ -6996,7 +7544,7 @@
           <a:p>
             <a:fld id="{55A13D9C-CA6E-9C45-8634-4423EBFFD553}" type="datetime1">
               <a:rPr lang="fr-FR" smtClean="0"/>
-              <a:t>16/07/2023</a:t>
+              <a:t>12/11/2023</a:t>
             </a:fld>
             <a:endParaRPr lang="fr-FR"/>
           </a:p>
@@ -7908,11 +8456,32 @@
           <a:lstStyle/>
           <a:p>
             <a:r>
-              <a:rPr lang="fr-FR" sz="2400" dirty="0">
-                <a:latin typeface="Times New Roman" panose="02020603050405020304" pitchFamily="18" charset="0"/>
-                <a:cs typeface="Times New Roman" panose="02020603050405020304" pitchFamily="18" charset="0"/>
-              </a:rPr>
-              <a:t>Boucle for avec range</a:t>
+              <a:rPr lang="fr-FR" sz="2400" b="1" dirty="0">
+                <a:latin typeface="Times New Roman" panose="02020603050405020304" pitchFamily="18" charset="0"/>
+                <a:cs typeface="Times New Roman" panose="02020603050405020304" pitchFamily="18" charset="0"/>
+              </a:rPr>
+              <a:t>Boucle </a:t>
+            </a:r>
+            <a:r>
+              <a:rPr lang="fr-FR" sz="2400" b="1" i="1" dirty="0">
+                <a:latin typeface="Times New Roman" panose="02020603050405020304" pitchFamily="18" charset="0"/>
+                <a:cs typeface="Times New Roman" panose="02020603050405020304" pitchFamily="18" charset="0"/>
+              </a:rPr>
+              <a:t>for</a:t>
+            </a:r>
+            <a:r>
+              <a:rPr lang="fr-FR" sz="2400" b="1" dirty="0">
+                <a:latin typeface="Times New Roman" panose="02020603050405020304" pitchFamily="18" charset="0"/>
+                <a:cs typeface="Times New Roman" panose="02020603050405020304" pitchFamily="18" charset="0"/>
+              </a:rPr>
+              <a:t> avec </a:t>
+            </a:r>
+            <a:r>
+              <a:rPr lang="fr-FR" sz="2400" b="1" i="1" dirty="0">
+                <a:latin typeface="Times New Roman" panose="02020603050405020304" pitchFamily="18" charset="0"/>
+                <a:cs typeface="Times New Roman" panose="02020603050405020304" pitchFamily="18" charset="0"/>
+              </a:rPr>
+              <a:t>range</a:t>
             </a:r>
           </a:p>
         </p:txBody>
@@ -7953,7 +8522,7 @@
               <a:t>Pour traiter la liste des nombres de 0 à 10, on pourra utiliser </a:t>
             </a:r>
             <a:r>
-              <a:rPr lang="fr-FR" sz="2000" b="1" dirty="0">
+              <a:rPr lang="fr-FR" sz="2000" b="1" i="1" dirty="0">
                 <a:latin typeface="Times New Roman" panose="02020603050405020304" pitchFamily="18" charset="0"/>
                 <a:cs typeface="Times New Roman" panose="02020603050405020304" pitchFamily="18" charset="0"/>
               </a:rPr>
@@ -7967,7 +8536,7 @@
               <a:t> et </a:t>
             </a:r>
             <a:r>
-              <a:rPr lang="fr-FR" sz="2000" b="1" dirty="0">
+              <a:rPr lang="fr-FR" sz="2000" b="1" i="1" dirty="0">
                 <a:latin typeface="Times New Roman" panose="02020603050405020304" pitchFamily="18" charset="0"/>
                 <a:cs typeface="Times New Roman" panose="02020603050405020304" pitchFamily="18" charset="0"/>
               </a:rPr>
@@ -8199,11 +8768,18 @@
           <a:lstStyle/>
           <a:p>
             <a:r>
-              <a:rPr lang="fr-FR" sz="2400" dirty="0">
-                <a:latin typeface="Times New Roman" panose="02020603050405020304" pitchFamily="18" charset="0"/>
-                <a:cs typeface="Times New Roman" panose="02020603050405020304" pitchFamily="18" charset="0"/>
-              </a:rPr>
-              <a:t>L’instruction continue</a:t>
+              <a:rPr lang="fr-FR" sz="2400" b="1" dirty="0">
+                <a:latin typeface="Times New Roman" panose="02020603050405020304" pitchFamily="18" charset="0"/>
+                <a:cs typeface="Times New Roman" panose="02020603050405020304" pitchFamily="18" charset="0"/>
+              </a:rPr>
+              <a:t>L’instruction </a:t>
+            </a:r>
+            <a:r>
+              <a:rPr lang="fr-FR" sz="2400" b="1" i="1" dirty="0">
+                <a:latin typeface="Times New Roman" panose="02020603050405020304" pitchFamily="18" charset="0"/>
+                <a:cs typeface="Times New Roman" panose="02020603050405020304" pitchFamily="18" charset="0"/>
+              </a:rPr>
+              <a:t>break</a:t>
             </a:r>
           </a:p>
         </p:txBody>
@@ -8222,8 +8798,8 @@
         </p:nvSpPr>
         <p:spPr>
           <a:xfrm>
-            <a:off x="442743" y="767486"/>
-            <a:ext cx="11344704" cy="707886"/>
+            <a:off x="442743" y="754534"/>
+            <a:ext cx="11236639" cy="707886"/>
           </a:xfrm>
           <a:prstGeom prst="rect">
             <a:avLst/>
@@ -8241,28 +8817,42 @@
                 <a:latin typeface="Times New Roman" panose="02020603050405020304" pitchFamily="18" charset="0"/>
                 <a:cs typeface="Times New Roman" panose="02020603050405020304" pitchFamily="18" charset="0"/>
               </a:rPr>
-              <a:t>Le mot-clé </a:t>
+              <a:t>Contrairement à </a:t>
             </a:r>
             <a:r>
               <a:rPr lang="fr-FR" sz="2000" b="1" dirty="0">
                 <a:latin typeface="Times New Roman" panose="02020603050405020304" pitchFamily="18" charset="0"/>
                 <a:cs typeface="Times New Roman" panose="02020603050405020304" pitchFamily="18" charset="0"/>
               </a:rPr>
-              <a:t>continue </a:t>
+              <a:t>l’instruction </a:t>
+            </a:r>
+            <a:r>
+              <a:rPr lang="fr-FR" sz="2000" b="1" i="1" dirty="0">
+                <a:latin typeface="Times New Roman" panose="02020603050405020304" pitchFamily="18" charset="0"/>
+                <a:cs typeface="Times New Roman" panose="02020603050405020304" pitchFamily="18" charset="0"/>
+              </a:rPr>
+              <a:t>continue</a:t>
+            </a:r>
+            <a:r>
+              <a:rPr lang="fr-FR" sz="2000" b="1" dirty="0">
+                <a:latin typeface="Times New Roman" panose="02020603050405020304" pitchFamily="18" charset="0"/>
+                <a:cs typeface="Times New Roman" panose="02020603050405020304" pitchFamily="18" charset="0"/>
+              </a:rPr>
+              <a:t>, </a:t>
             </a:r>
             <a:r>
               <a:rPr lang="fr-FR" sz="2000" dirty="0">
                 <a:latin typeface="Times New Roman" panose="02020603050405020304" pitchFamily="18" charset="0"/>
                 <a:cs typeface="Times New Roman" panose="02020603050405020304" pitchFamily="18" charset="0"/>
               </a:rPr>
-              <a:t>en Python est utilisé dans les boucles pour continuer la boucle en repartant directement à la ligne de la condition du </a:t>
-            </a:r>
-            <a:r>
-              <a:rPr lang="fr-FR" sz="2000" b="1" dirty="0" err="1">
-                <a:latin typeface="Times New Roman" panose="02020603050405020304" pitchFamily="18" charset="0"/>
-                <a:cs typeface="Times New Roman" panose="02020603050405020304" pitchFamily="18" charset="0"/>
-              </a:rPr>
-              <a:t>while</a:t>
+              <a:t>ici le mot-clé </a:t>
+            </a:r>
+            <a:r>
+              <a:rPr lang="fr-FR" sz="2000" b="1" i="1" dirty="0">
+                <a:latin typeface="Times New Roman" panose="02020603050405020304" pitchFamily="18" charset="0"/>
+                <a:cs typeface="Times New Roman" panose="02020603050405020304" pitchFamily="18" charset="0"/>
+              </a:rPr>
+              <a:t>break</a:t>
             </a:r>
             <a:r>
               <a:rPr lang="fr-FR" sz="2000" b="1" dirty="0">
@@ -8276,19 +8866,8 @@
                 <a:latin typeface="Times New Roman" panose="02020603050405020304" pitchFamily="18" charset="0"/>
                 <a:cs typeface="Times New Roman" panose="02020603050405020304" pitchFamily="18" charset="0"/>
               </a:rPr>
-              <a:t>ou du </a:t>
-            </a:r>
-            <a:r>
-              <a:rPr lang="fr-FR" sz="2000" b="1" dirty="0">
-                <a:latin typeface="Times New Roman" panose="02020603050405020304" pitchFamily="18" charset="0"/>
-                <a:cs typeface="Times New Roman" panose="02020603050405020304" pitchFamily="18" charset="0"/>
-              </a:rPr>
-              <a:t>for.</a:t>
-            </a:r>
-            <a:endParaRPr lang="fr-FR" sz="2000" dirty="0">
-              <a:latin typeface="Times New Roman" panose="02020603050405020304" pitchFamily="18" charset="0"/>
-              <a:cs typeface="Times New Roman" panose="02020603050405020304" pitchFamily="18" charset="0"/>
-            </a:endParaRPr>
+              <a:t>dans une boucle permet de la stopper complètement. Elle permettra par exemple de sortir des boucles infinies dans un programme.</a:t>
+            </a:r>
           </a:p>
         </p:txBody>
       </p:sp>
@@ -8331,50 +8910,12 @@
           </a:fontRef>
         </p:style>
       </p:cxnSp>
-      <p:sp>
-        <p:nvSpPr>
-          <p:cNvPr id="2" name="ZoneTexte 1">
-            <a:extLst>
-              <a:ext uri="{FF2B5EF4-FFF2-40B4-BE49-F238E27FC236}">
-                <a16:creationId xmlns:a16="http://schemas.microsoft.com/office/drawing/2014/main" id="{DC9E53F9-4B63-72E9-FEF0-8F1A4E56D9B7}"/>
-              </a:ext>
-            </a:extLst>
-          </p:cNvPr>
-          <p:cNvSpPr txBox="1"/>
-          <p:nvPr/>
-        </p:nvSpPr>
-        <p:spPr>
-          <a:xfrm>
-            <a:off x="442743" y="1481347"/>
-            <a:ext cx="11344704" cy="400110"/>
-          </a:xfrm>
-          <a:prstGeom prst="rect">
-            <a:avLst/>
-          </a:prstGeom>
-          <a:noFill/>
-        </p:spPr>
-        <p:txBody>
-          <a:bodyPr wrap="square" rtlCol="0">
-            <a:spAutoFit/>
-          </a:bodyPr>
-          <a:lstStyle/>
-          <a:p>
-            <a:r>
-              <a:rPr lang="fr-FR" sz="2000" dirty="0">
-                <a:latin typeface="Times New Roman" panose="02020603050405020304" pitchFamily="18" charset="0"/>
-                <a:cs typeface="Times New Roman" panose="02020603050405020304" pitchFamily="18" charset="0"/>
-              </a:rPr>
-              <a:t>Par exemple si on veut afficher la liste des nombres de 0 à 10 sauf le nombre 2 on aura:</a:t>
-            </a:r>
-          </a:p>
-        </p:txBody>
-      </p:sp>
       <p:pic>
         <p:nvPicPr>
-          <p:cNvPr id="8" name="Image 7">
-            <a:extLst>
-              <a:ext uri="{FF2B5EF4-FFF2-40B4-BE49-F238E27FC236}">
-                <a16:creationId xmlns:a16="http://schemas.microsoft.com/office/drawing/2014/main" id="{FE3553F1-79C8-8C5A-5356-1B0F2B7DAC60}"/>
+          <p:cNvPr id="2" name="Image 1">
+            <a:extLst>
+              <a:ext uri="{FF2B5EF4-FFF2-40B4-BE49-F238E27FC236}">
+                <a16:creationId xmlns:a16="http://schemas.microsoft.com/office/drawing/2014/main" id="{C4D1BCE3-F59E-D195-11EB-4525B95A92EC}"/>
               </a:ext>
             </a:extLst>
           </p:cNvPr>
@@ -8391,20 +8932,50 @@
         </p:blipFill>
         <p:spPr>
           <a:xfrm>
-            <a:off x="7958282" y="1987004"/>
-            <a:ext cx="3721100" cy="3237304"/>
+            <a:off x="500932" y="1543446"/>
+            <a:ext cx="6158747" cy="2804035"/>
           </a:xfrm>
           <a:prstGeom prst="rect">
             <a:avLst/>
           </a:prstGeom>
         </p:spPr>
       </p:pic>
-      <p:sp>
-        <p:nvSpPr>
-          <p:cNvPr id="9" name="Flèche vers la droite 8">
-            <a:extLst>
-              <a:ext uri="{FF2B5EF4-FFF2-40B4-BE49-F238E27FC236}">
-                <a16:creationId xmlns:a16="http://schemas.microsoft.com/office/drawing/2014/main" id="{E4EAF5A7-3AFE-58A6-8244-D1A2FFCB5565}"/>
+      <p:pic>
+        <p:nvPicPr>
+          <p:cNvPr id="7" name="Image 6">
+            <a:extLst>
+              <a:ext uri="{FF2B5EF4-FFF2-40B4-BE49-F238E27FC236}">
+                <a16:creationId xmlns:a16="http://schemas.microsoft.com/office/drawing/2014/main" id="{C7DF9E86-DE33-0136-F412-BE640BC767B5}"/>
+              </a:ext>
+            </a:extLst>
+          </p:cNvPr>
+          <p:cNvPicPr>
+            <a:picLocks noChangeAspect="1"/>
+          </p:cNvPicPr>
+          <p:nvPr/>
+        </p:nvPicPr>
+        <p:blipFill>
+          <a:blip r:embed="rId4"/>
+          <a:stretch>
+            <a:fillRect/>
+          </a:stretch>
+        </p:blipFill>
+        <p:spPr>
+          <a:xfrm>
+            <a:off x="8504380" y="1668212"/>
+            <a:ext cx="3175000" cy="1485900"/>
+          </a:xfrm>
+          <a:prstGeom prst="rect">
+            <a:avLst/>
+          </a:prstGeom>
+        </p:spPr>
+      </p:pic>
+      <p:sp>
+        <p:nvSpPr>
+          <p:cNvPr id="8" name="Flèche vers la droite 7">
+            <a:extLst>
+              <a:ext uri="{FF2B5EF4-FFF2-40B4-BE49-F238E27FC236}">
+                <a16:creationId xmlns:a16="http://schemas.microsoft.com/office/drawing/2014/main" id="{49FE3878-3BA4-C878-4C31-D5D7872BBC38}"/>
               </a:ext>
             </a:extLst>
           </p:cNvPr>
@@ -8413,8 +8984,8 @@
         </p:nvSpPr>
         <p:spPr>
           <a:xfrm>
-            <a:off x="5769608" y="3128140"/>
-            <a:ext cx="2018089" cy="756458"/>
+            <a:off x="6813534" y="2113200"/>
+            <a:ext cx="1536991" cy="756458"/>
           </a:xfrm>
           <a:prstGeom prst="rightArrow">
             <a:avLst/>
@@ -8453,10 +9024,10 @@
       </p:sp>
       <p:sp>
         <p:nvSpPr>
-          <p:cNvPr id="10" name="ZoneTexte 9">
-            <a:extLst>
-              <a:ext uri="{FF2B5EF4-FFF2-40B4-BE49-F238E27FC236}">
-                <a16:creationId xmlns:a16="http://schemas.microsoft.com/office/drawing/2014/main" id="{135F641B-C1B3-18D8-A2DB-FA0721ABD48A}"/>
+          <p:cNvPr id="9" name="ZoneTexte 8">
+            <a:extLst>
+              <a:ext uri="{FF2B5EF4-FFF2-40B4-BE49-F238E27FC236}">
+                <a16:creationId xmlns:a16="http://schemas.microsoft.com/office/drawing/2014/main" id="{710455E1-DE52-36CF-EC8B-5E276D308D2A}"/>
               </a:ext>
             </a:extLst>
           </p:cNvPr>
@@ -8465,8 +9036,8 @@
         </p:nvSpPr>
         <p:spPr>
           <a:xfrm>
-            <a:off x="500932" y="5329855"/>
-            <a:ext cx="11519272" cy="707886"/>
+            <a:off x="8451587" y="3294179"/>
+            <a:ext cx="3280585" cy="1323439"/>
           </a:xfrm>
           <a:prstGeom prst="rect">
             <a:avLst/>
@@ -8480,53 +9051,74 @@
           <a:lstStyle/>
           <a:p>
             <a:r>
-              <a:rPr lang="fr-FR" sz="2000" dirty="0">
-                <a:latin typeface="Times New Roman" panose="02020603050405020304" pitchFamily="18" charset="0"/>
-                <a:cs typeface="Times New Roman" panose="02020603050405020304" pitchFamily="18" charset="0"/>
-              </a:rPr>
-              <a:t>Lorsqu’on tombe dans la condition où les variables </a:t>
-            </a:r>
+              <a:rPr lang="fr-FR" sz="2000" dirty="0"/>
+              <a:t>Ici les nombres de 2 à 10 ne seront jamais afficher car la boucle est stoppée dès qu’on atteint 2.</a:t>
+            </a:r>
+          </a:p>
+        </p:txBody>
+      </p:sp>
+      <p:sp>
+        <p:nvSpPr>
+          <p:cNvPr id="10" name="ZoneTexte 9">
+            <a:extLst>
+              <a:ext uri="{FF2B5EF4-FFF2-40B4-BE49-F238E27FC236}">
+                <a16:creationId xmlns:a16="http://schemas.microsoft.com/office/drawing/2014/main" id="{DF5DFA90-88B5-623C-03FA-9D414B84551E}"/>
+              </a:ext>
+            </a:extLst>
+          </p:cNvPr>
+          <p:cNvSpPr txBox="1"/>
+          <p:nvPr/>
+        </p:nvSpPr>
+        <p:spPr>
+          <a:xfrm>
+            <a:off x="442743" y="4555314"/>
+            <a:ext cx="11236639" cy="400110"/>
+          </a:xfrm>
+          <a:prstGeom prst="rect">
+            <a:avLst/>
+          </a:prstGeom>
+          <a:noFill/>
+        </p:spPr>
+        <p:txBody>
+          <a:bodyPr wrap="square" rtlCol="0">
+            <a:spAutoFit/>
+          </a:bodyPr>
+          <a:lstStyle/>
+          <a:p>
             <a:r>
               <a:rPr lang="fr-FR" sz="2000" b="1" dirty="0">
                 <a:latin typeface="Times New Roman" panose="02020603050405020304" pitchFamily="18" charset="0"/>
                 <a:cs typeface="Times New Roman" panose="02020603050405020304" pitchFamily="18" charset="0"/>
               </a:rPr>
-              <a:t>n/nb </a:t>
-            </a:r>
-            <a:r>
-              <a:rPr lang="fr-FR" sz="2000" dirty="0">
-                <a:latin typeface="Times New Roman" panose="02020603050405020304" pitchFamily="18" charset="0"/>
-                <a:cs typeface="Times New Roman" panose="02020603050405020304" pitchFamily="18" charset="0"/>
-              </a:rPr>
-              <a:t>sont égales 2, le programme n’exécute pas le </a:t>
+              <a:t>Les boucles infinies peuvent être générées avec </a:t>
+            </a:r>
+            <a:r>
+              <a:rPr lang="fr-FR" sz="2000" b="1" i="1" dirty="0" err="1">
+                <a:latin typeface="Times New Roman" panose="02020603050405020304" pitchFamily="18" charset="0"/>
+                <a:cs typeface="Times New Roman" panose="02020603050405020304" pitchFamily="18" charset="0"/>
+              </a:rPr>
+              <a:t>True</a:t>
             </a:r>
             <a:r>
               <a:rPr lang="fr-FR" sz="2000" b="1" dirty="0">
                 <a:latin typeface="Times New Roman" panose="02020603050405020304" pitchFamily="18" charset="0"/>
                 <a:cs typeface="Times New Roman" panose="02020603050405020304" pitchFamily="18" charset="0"/>
               </a:rPr>
-              <a:t>« </a:t>
-            </a:r>
-            <a:r>
-              <a:rPr lang="fr-FR" sz="2000" b="1" dirty="0" err="1">
-                <a:latin typeface="Times New Roman" panose="02020603050405020304" pitchFamily="18" charset="0"/>
-                <a:cs typeface="Times New Roman" panose="02020603050405020304" pitchFamily="18" charset="0"/>
-              </a:rPr>
-              <a:t>print</a:t>
+              <a:t> ou 1 associé à </a:t>
+            </a:r>
+            <a:r>
+              <a:rPr lang="fr-FR" sz="2000" b="1" i="1" dirty="0" err="1">
+                <a:latin typeface="Times New Roman" panose="02020603050405020304" pitchFamily="18" charset="0"/>
+                <a:cs typeface="Times New Roman" panose="02020603050405020304" pitchFamily="18" charset="0"/>
+              </a:rPr>
+              <a:t>while</a:t>
             </a:r>
             <a:r>
               <a:rPr lang="fr-FR" sz="2000" b="1" dirty="0">
                 <a:latin typeface="Times New Roman" panose="02020603050405020304" pitchFamily="18" charset="0"/>
                 <a:cs typeface="Times New Roman" panose="02020603050405020304" pitchFamily="18" charset="0"/>
               </a:rPr>
-              <a:t> » </a:t>
-            </a:r>
-            <a:r>
-              <a:rPr lang="fr-FR" sz="2000" dirty="0">
-                <a:latin typeface="Times New Roman" panose="02020603050405020304" pitchFamily="18" charset="0"/>
-                <a:cs typeface="Times New Roman" panose="02020603050405020304" pitchFamily="18" charset="0"/>
-              </a:rPr>
-              <a:t>suivant et passe à la valeur suivante de la séquence.</a:t>
+              <a:t>.</a:t>
             </a:r>
           </a:p>
         </p:txBody>
@@ -8536,7 +9128,7 @@
           <p:cNvPr id="12" name="Image 11">
             <a:extLst>
               <a:ext uri="{FF2B5EF4-FFF2-40B4-BE49-F238E27FC236}">
-                <a16:creationId xmlns:a16="http://schemas.microsoft.com/office/drawing/2014/main" id="{01C8E68F-A252-7B3F-7CAD-15D274F17598}"/>
+                <a16:creationId xmlns:a16="http://schemas.microsoft.com/office/drawing/2014/main" id="{D774CEF5-CD17-4DBC-46FC-480C1E29F2BF}"/>
               </a:ext>
             </a:extLst>
           </p:cNvPr>
@@ -8546,15 +9138,15 @@
           <p:nvPr/>
         </p:nvPicPr>
         <p:blipFill>
-          <a:blip r:embed="rId4"/>
+          <a:blip r:embed="rId5"/>
           <a:stretch>
             <a:fillRect/>
           </a:stretch>
         </p:blipFill>
         <p:spPr>
           <a:xfrm>
-            <a:off x="506324" y="1928255"/>
-            <a:ext cx="5092700" cy="3296053"/>
+            <a:off x="1476121" y="5004437"/>
+            <a:ext cx="7505700" cy="1028700"/>
           </a:xfrm>
           <a:prstGeom prst="rect">
             <a:avLst/>
@@ -8564,7 +9156,7 @@
     </p:spTree>
     <p:extLst>
       <p:ext uri="{BB962C8B-B14F-4D97-AF65-F5344CB8AC3E}">
-        <p14:creationId xmlns:p14="http://schemas.microsoft.com/office/powerpoint/2010/main" val="2297585284"/>
+        <p14:creationId xmlns:p14="http://schemas.microsoft.com/office/powerpoint/2010/main" val="367398369"/>
       </p:ext>
     </p:extLst>
   </p:cSld>
@@ -8678,11 +9270,18 @@
           <a:lstStyle/>
           <a:p>
             <a:r>
-              <a:rPr lang="fr-FR" sz="2400" dirty="0">
-                <a:latin typeface="Times New Roman" panose="02020603050405020304" pitchFamily="18" charset="0"/>
-                <a:cs typeface="Times New Roman" panose="02020603050405020304" pitchFamily="18" charset="0"/>
-              </a:rPr>
-              <a:t>L’instruction break</a:t>
+              <a:rPr lang="fr-FR" sz="2400" b="1" dirty="0">
+                <a:latin typeface="Times New Roman" panose="02020603050405020304" pitchFamily="18" charset="0"/>
+                <a:cs typeface="Times New Roman" panose="02020603050405020304" pitchFamily="18" charset="0"/>
+              </a:rPr>
+              <a:t>L’instruction </a:t>
+            </a:r>
+            <a:r>
+              <a:rPr lang="fr-FR" sz="2400" b="1" i="1" dirty="0">
+                <a:latin typeface="Times New Roman" panose="02020603050405020304" pitchFamily="18" charset="0"/>
+                <a:cs typeface="Times New Roman" panose="02020603050405020304" pitchFamily="18" charset="0"/>
+              </a:rPr>
+              <a:t>continue</a:t>
             </a:r>
           </a:p>
         </p:txBody>
@@ -8701,8 +9300,8 @@
         </p:nvSpPr>
         <p:spPr>
           <a:xfrm>
-            <a:off x="442743" y="754534"/>
-            <a:ext cx="11236639" cy="707886"/>
+            <a:off x="442743" y="767486"/>
+            <a:ext cx="11344704" cy="707886"/>
           </a:xfrm>
           <a:prstGeom prst="rect">
             <a:avLst/>
@@ -8720,36 +9319,68 @@
                 <a:latin typeface="Times New Roman" panose="02020603050405020304" pitchFamily="18" charset="0"/>
                 <a:cs typeface="Times New Roman" panose="02020603050405020304" pitchFamily="18" charset="0"/>
               </a:rPr>
-              <a:t>Contrairement à </a:t>
+              <a:t>Le mot-clé </a:t>
+            </a:r>
+            <a:r>
+              <a:rPr lang="fr-FR" sz="2000" b="1" i="1" dirty="0">
+                <a:latin typeface="Times New Roman" panose="02020603050405020304" pitchFamily="18" charset="0"/>
+                <a:cs typeface="Times New Roman" panose="02020603050405020304" pitchFamily="18" charset="0"/>
+              </a:rPr>
+              <a:t>continue</a:t>
             </a:r>
             <a:r>
               <a:rPr lang="fr-FR" sz="2000" b="1" dirty="0">
                 <a:latin typeface="Times New Roman" panose="02020603050405020304" pitchFamily="18" charset="0"/>
                 <a:cs typeface="Times New Roman" panose="02020603050405020304" pitchFamily="18" charset="0"/>
               </a:rPr>
-              <a:t>l’instruction continue, </a:t>
+              <a:t> </a:t>
             </a:r>
             <a:r>
               <a:rPr lang="fr-FR" sz="2000" dirty="0">
                 <a:latin typeface="Times New Roman" panose="02020603050405020304" pitchFamily="18" charset="0"/>
                 <a:cs typeface="Times New Roman" panose="02020603050405020304" pitchFamily="18" charset="0"/>
               </a:rPr>
-              <a:t>ici le mot-clé </a:t>
+              <a:t>en Python est utilisé dans les boucles pour continuer la boucle en repartant directement à la ligne de la condition du </a:t>
+            </a:r>
+            <a:r>
+              <a:rPr lang="fr-FR" sz="2000" b="1" i="1" dirty="0" err="1">
+                <a:latin typeface="Times New Roman" panose="02020603050405020304" pitchFamily="18" charset="0"/>
+                <a:cs typeface="Times New Roman" panose="02020603050405020304" pitchFamily="18" charset="0"/>
+              </a:rPr>
+              <a:t>while</a:t>
             </a:r>
             <a:r>
               <a:rPr lang="fr-FR" sz="2000" b="1" dirty="0">
                 <a:latin typeface="Times New Roman" panose="02020603050405020304" pitchFamily="18" charset="0"/>
                 <a:cs typeface="Times New Roman" panose="02020603050405020304" pitchFamily="18" charset="0"/>
               </a:rPr>
-              <a:t>break </a:t>
+              <a:t> </a:t>
             </a:r>
             <a:r>
               <a:rPr lang="fr-FR" sz="2000" dirty="0">
                 <a:latin typeface="Times New Roman" panose="02020603050405020304" pitchFamily="18" charset="0"/>
                 <a:cs typeface="Times New Roman" panose="02020603050405020304" pitchFamily="18" charset="0"/>
               </a:rPr>
-              <a:t>dans une boucle permet de la stopper complètement. Elle permettra par exemple de sortir des boucles infinies dans un programme.</a:t>
-            </a:r>
+              <a:t>ou du </a:t>
+            </a:r>
+            <a:r>
+              <a:rPr lang="fr-FR" sz="2000" b="1" i="1" dirty="0">
+                <a:latin typeface="Times New Roman" panose="02020603050405020304" pitchFamily="18" charset="0"/>
+                <a:cs typeface="Times New Roman" panose="02020603050405020304" pitchFamily="18" charset="0"/>
+              </a:rPr>
+              <a:t>for</a:t>
+            </a:r>
+            <a:r>
+              <a:rPr lang="fr-FR" sz="2000" b="1" dirty="0">
+                <a:latin typeface="Times New Roman" panose="02020603050405020304" pitchFamily="18" charset="0"/>
+                <a:cs typeface="Times New Roman" panose="02020603050405020304" pitchFamily="18" charset="0"/>
+              </a:rPr>
+              <a:t>.</a:t>
+            </a:r>
+            <a:endParaRPr lang="fr-FR" sz="2000" dirty="0">
+              <a:latin typeface="Times New Roman" panose="02020603050405020304" pitchFamily="18" charset="0"/>
+              <a:cs typeface="Times New Roman" panose="02020603050405020304" pitchFamily="18" charset="0"/>
+            </a:endParaRPr>
           </a:p>
         </p:txBody>
       </p:sp>
@@ -8792,12 +9423,50 @@
           </a:fontRef>
         </p:style>
       </p:cxnSp>
+      <p:sp>
+        <p:nvSpPr>
+          <p:cNvPr id="2" name="ZoneTexte 1">
+            <a:extLst>
+              <a:ext uri="{FF2B5EF4-FFF2-40B4-BE49-F238E27FC236}">
+                <a16:creationId xmlns:a16="http://schemas.microsoft.com/office/drawing/2014/main" id="{DC9E53F9-4B63-72E9-FEF0-8F1A4E56D9B7}"/>
+              </a:ext>
+            </a:extLst>
+          </p:cNvPr>
+          <p:cNvSpPr txBox="1"/>
+          <p:nvPr/>
+        </p:nvSpPr>
+        <p:spPr>
+          <a:xfrm>
+            <a:off x="442743" y="1481347"/>
+            <a:ext cx="11344704" cy="400110"/>
+          </a:xfrm>
+          <a:prstGeom prst="rect">
+            <a:avLst/>
+          </a:prstGeom>
+          <a:noFill/>
+        </p:spPr>
+        <p:txBody>
+          <a:bodyPr wrap="square" rtlCol="0">
+            <a:spAutoFit/>
+          </a:bodyPr>
+          <a:lstStyle/>
+          <a:p>
+            <a:r>
+              <a:rPr lang="fr-FR" sz="2000" dirty="0">
+                <a:latin typeface="Times New Roman" panose="02020603050405020304" pitchFamily="18" charset="0"/>
+                <a:cs typeface="Times New Roman" panose="02020603050405020304" pitchFamily="18" charset="0"/>
+              </a:rPr>
+              <a:t>Par exemple si on veut afficher la liste des nombres de 0 à 10 sauf le nombre 2 on aura:</a:t>
+            </a:r>
+          </a:p>
+        </p:txBody>
+      </p:sp>
       <p:pic>
         <p:nvPicPr>
-          <p:cNvPr id="2" name="Image 1">
-            <a:extLst>
-              <a:ext uri="{FF2B5EF4-FFF2-40B4-BE49-F238E27FC236}">
-                <a16:creationId xmlns:a16="http://schemas.microsoft.com/office/drawing/2014/main" id="{C4D1BCE3-F59E-D195-11EB-4525B95A92EC}"/>
+          <p:cNvPr id="8" name="Image 7">
+            <a:extLst>
+              <a:ext uri="{FF2B5EF4-FFF2-40B4-BE49-F238E27FC236}">
+                <a16:creationId xmlns:a16="http://schemas.microsoft.com/office/drawing/2014/main" id="{FE3553F1-79C8-8C5A-5356-1B0F2B7DAC60}"/>
               </a:ext>
             </a:extLst>
           </p:cNvPr>
@@ -8814,50 +9483,20 @@
         </p:blipFill>
         <p:spPr>
           <a:xfrm>
-            <a:off x="500932" y="1543446"/>
-            <a:ext cx="6158747" cy="2804035"/>
+            <a:off x="7958282" y="1987004"/>
+            <a:ext cx="3721100" cy="3237304"/>
           </a:xfrm>
           <a:prstGeom prst="rect">
             <a:avLst/>
           </a:prstGeom>
         </p:spPr>
       </p:pic>
-      <p:pic>
-        <p:nvPicPr>
-          <p:cNvPr id="7" name="Image 6">
-            <a:extLst>
-              <a:ext uri="{FF2B5EF4-FFF2-40B4-BE49-F238E27FC236}">
-                <a16:creationId xmlns:a16="http://schemas.microsoft.com/office/drawing/2014/main" id="{C7DF9E86-DE33-0136-F412-BE640BC767B5}"/>
-              </a:ext>
-            </a:extLst>
-          </p:cNvPr>
-          <p:cNvPicPr>
-            <a:picLocks noChangeAspect="1"/>
-          </p:cNvPicPr>
-          <p:nvPr/>
-        </p:nvPicPr>
-        <p:blipFill>
-          <a:blip r:embed="rId4"/>
-          <a:stretch>
-            <a:fillRect/>
-          </a:stretch>
-        </p:blipFill>
-        <p:spPr>
-          <a:xfrm>
-            <a:off x="8504380" y="1668212"/>
-            <a:ext cx="3175000" cy="1485900"/>
-          </a:xfrm>
-          <a:prstGeom prst="rect">
-            <a:avLst/>
-          </a:prstGeom>
-        </p:spPr>
-      </p:pic>
-      <p:sp>
-        <p:nvSpPr>
-          <p:cNvPr id="8" name="Flèche vers la droite 7">
-            <a:extLst>
-              <a:ext uri="{FF2B5EF4-FFF2-40B4-BE49-F238E27FC236}">
-                <a16:creationId xmlns:a16="http://schemas.microsoft.com/office/drawing/2014/main" id="{49FE3878-3BA4-C878-4C31-D5D7872BBC38}"/>
+      <p:sp>
+        <p:nvSpPr>
+          <p:cNvPr id="9" name="Flèche vers la droite 8">
+            <a:extLst>
+              <a:ext uri="{FF2B5EF4-FFF2-40B4-BE49-F238E27FC236}">
+                <a16:creationId xmlns:a16="http://schemas.microsoft.com/office/drawing/2014/main" id="{E4EAF5A7-3AFE-58A6-8244-D1A2FFCB5565}"/>
               </a:ext>
             </a:extLst>
           </p:cNvPr>
@@ -8866,8 +9505,8 @@
         </p:nvSpPr>
         <p:spPr>
           <a:xfrm>
-            <a:off x="6813534" y="2113200"/>
-            <a:ext cx="1536991" cy="756458"/>
+            <a:off x="5769608" y="3128140"/>
+            <a:ext cx="2018089" cy="756458"/>
           </a:xfrm>
           <a:prstGeom prst="rightArrow">
             <a:avLst/>
@@ -8906,10 +9545,10 @@
       </p:sp>
       <p:sp>
         <p:nvSpPr>
-          <p:cNvPr id="9" name="ZoneTexte 8">
-            <a:extLst>
-              <a:ext uri="{FF2B5EF4-FFF2-40B4-BE49-F238E27FC236}">
-                <a16:creationId xmlns:a16="http://schemas.microsoft.com/office/drawing/2014/main" id="{710455E1-DE52-36CF-EC8B-5E276D308D2A}"/>
+          <p:cNvPr id="10" name="ZoneTexte 9">
+            <a:extLst>
+              <a:ext uri="{FF2B5EF4-FFF2-40B4-BE49-F238E27FC236}">
+                <a16:creationId xmlns:a16="http://schemas.microsoft.com/office/drawing/2014/main" id="{135F641B-C1B3-18D8-A2DB-FA0721ABD48A}"/>
               </a:ext>
             </a:extLst>
           </p:cNvPr>
@@ -8918,8 +9557,8 @@
         </p:nvSpPr>
         <p:spPr>
           <a:xfrm>
-            <a:off x="8451587" y="3294179"/>
-            <a:ext cx="3280585" cy="1323439"/>
+            <a:off x="500932" y="5329855"/>
+            <a:ext cx="11519272" cy="707886"/>
           </a:xfrm>
           <a:prstGeom prst="rect">
             <a:avLst/>
@@ -8933,74 +9572,53 @@
           <a:lstStyle/>
           <a:p>
             <a:r>
-              <a:rPr lang="fr-FR" sz="2000" dirty="0"/>
-              <a:t>Ici les nombres de 2 à 10 ne seront jamais afficher car la boucle est stoppée dès qu’on atteint 2.</a:t>
-            </a:r>
-          </a:p>
-        </p:txBody>
-      </p:sp>
-      <p:sp>
-        <p:nvSpPr>
-          <p:cNvPr id="10" name="ZoneTexte 9">
-            <a:extLst>
-              <a:ext uri="{FF2B5EF4-FFF2-40B4-BE49-F238E27FC236}">
-                <a16:creationId xmlns:a16="http://schemas.microsoft.com/office/drawing/2014/main" id="{DF5DFA90-88B5-623C-03FA-9D414B84551E}"/>
-              </a:ext>
-            </a:extLst>
-          </p:cNvPr>
-          <p:cNvSpPr txBox="1"/>
-          <p:nvPr/>
-        </p:nvSpPr>
-        <p:spPr>
-          <a:xfrm>
-            <a:off x="442743" y="4555314"/>
-            <a:ext cx="11236639" cy="400110"/>
-          </a:xfrm>
-          <a:prstGeom prst="rect">
-            <a:avLst/>
-          </a:prstGeom>
-          <a:noFill/>
-        </p:spPr>
-        <p:txBody>
-          <a:bodyPr wrap="square" rtlCol="0">
-            <a:spAutoFit/>
-          </a:bodyPr>
-          <a:lstStyle/>
-          <a:p>
+              <a:rPr lang="fr-FR" sz="2000" dirty="0">
+                <a:latin typeface="Times New Roman" panose="02020603050405020304" pitchFamily="18" charset="0"/>
+                <a:cs typeface="Times New Roman" panose="02020603050405020304" pitchFamily="18" charset="0"/>
+              </a:rPr>
+              <a:t>Lorsqu’on tombe dans la condition où les variables </a:t>
+            </a:r>
+            <a:r>
+              <a:rPr lang="fr-FR" sz="2000" b="1" i="1" dirty="0">
+                <a:latin typeface="Times New Roman" panose="02020603050405020304" pitchFamily="18" charset="0"/>
+                <a:cs typeface="Times New Roman" panose="02020603050405020304" pitchFamily="18" charset="0"/>
+              </a:rPr>
+              <a:t>n/nb </a:t>
+            </a:r>
+            <a:r>
+              <a:rPr lang="fr-FR" sz="2000" dirty="0">
+                <a:latin typeface="Times New Roman" panose="02020603050405020304" pitchFamily="18" charset="0"/>
+                <a:cs typeface="Times New Roman" panose="02020603050405020304" pitchFamily="18" charset="0"/>
+              </a:rPr>
+              <a:t>sont égales 2, le programme n’exécute pas le </a:t>
+            </a:r>
             <a:r>
               <a:rPr lang="fr-FR" sz="2000" b="1" dirty="0">
                 <a:latin typeface="Times New Roman" panose="02020603050405020304" pitchFamily="18" charset="0"/>
                 <a:cs typeface="Times New Roman" panose="02020603050405020304" pitchFamily="18" charset="0"/>
               </a:rPr>
-              <a:t>Les boucle infinies peuvent être générées avec </a:t>
-            </a:r>
-            <a:r>
-              <a:rPr lang="fr-FR" sz="2000" b="1" dirty="0" err="1">
-                <a:latin typeface="Times New Roman" panose="02020603050405020304" pitchFamily="18" charset="0"/>
-                <a:cs typeface="Times New Roman" panose="02020603050405020304" pitchFamily="18" charset="0"/>
-              </a:rPr>
-              <a:t>True</a:t>
+              <a:t>« </a:t>
+            </a:r>
+            <a:r>
+              <a:rPr lang="fr-FR" sz="2000" b="1" i="1" dirty="0" err="1">
+                <a:latin typeface="Times New Roman" panose="02020603050405020304" pitchFamily="18" charset="0"/>
+                <a:cs typeface="Times New Roman" panose="02020603050405020304" pitchFamily="18" charset="0"/>
+              </a:rPr>
+              <a:t>print</a:t>
             </a:r>
             <a:r>
               <a:rPr lang="fr-FR" sz="2000" b="1" dirty="0">
                 <a:latin typeface="Times New Roman" panose="02020603050405020304" pitchFamily="18" charset="0"/>
                 <a:cs typeface="Times New Roman" panose="02020603050405020304" pitchFamily="18" charset="0"/>
               </a:rPr>
-              <a:t> ou 1 associé à </a:t>
-            </a:r>
-            <a:r>
-              <a:rPr lang="fr-FR" sz="2000" b="1" dirty="0" err="1">
-                <a:latin typeface="Times New Roman" panose="02020603050405020304" pitchFamily="18" charset="0"/>
-                <a:cs typeface="Times New Roman" panose="02020603050405020304" pitchFamily="18" charset="0"/>
-              </a:rPr>
-              <a:t>while</a:t>
-            </a:r>
-            <a:r>
-              <a:rPr lang="fr-FR" sz="2000" b="1" dirty="0">
-                <a:latin typeface="Times New Roman" panose="02020603050405020304" pitchFamily="18" charset="0"/>
-                <a:cs typeface="Times New Roman" panose="02020603050405020304" pitchFamily="18" charset="0"/>
-              </a:rPr>
-              <a:t>.</a:t>
+              <a:t> » </a:t>
+            </a:r>
+            <a:r>
+              <a:rPr lang="fr-FR" sz="2000" dirty="0">
+                <a:latin typeface="Times New Roman" panose="02020603050405020304" pitchFamily="18" charset="0"/>
+                <a:cs typeface="Times New Roman" panose="02020603050405020304" pitchFamily="18" charset="0"/>
+              </a:rPr>
+              <a:t>suivant et passe à la valeur suivante de la séquence.</a:t>
             </a:r>
           </a:p>
         </p:txBody>
@@ -9010,7 +9628,7 @@
           <p:cNvPr id="12" name="Image 11">
             <a:extLst>
               <a:ext uri="{FF2B5EF4-FFF2-40B4-BE49-F238E27FC236}">
-                <a16:creationId xmlns:a16="http://schemas.microsoft.com/office/drawing/2014/main" id="{D774CEF5-CD17-4DBC-46FC-480C1E29F2BF}"/>
+                <a16:creationId xmlns:a16="http://schemas.microsoft.com/office/drawing/2014/main" id="{01C8E68F-A252-7B3F-7CAD-15D274F17598}"/>
               </a:ext>
             </a:extLst>
           </p:cNvPr>
@@ -9020,15 +9638,15 @@
           <p:nvPr/>
         </p:nvPicPr>
         <p:blipFill>
-          <a:blip r:embed="rId5"/>
+          <a:blip r:embed="rId4"/>
           <a:stretch>
             <a:fillRect/>
           </a:stretch>
         </p:blipFill>
         <p:spPr>
           <a:xfrm>
-            <a:off x="1476121" y="5004437"/>
-            <a:ext cx="7505700" cy="1028700"/>
+            <a:off x="506324" y="1928255"/>
+            <a:ext cx="5092700" cy="3296053"/>
           </a:xfrm>
           <a:prstGeom prst="rect">
             <a:avLst/>
@@ -9038,7 +9656,7 @@
     </p:spTree>
     <p:extLst>
       <p:ext uri="{BB962C8B-B14F-4D97-AF65-F5344CB8AC3E}">
-        <p14:creationId xmlns:p14="http://schemas.microsoft.com/office/powerpoint/2010/main" val="367398369"/>
+        <p14:creationId xmlns:p14="http://schemas.microsoft.com/office/powerpoint/2010/main" val="2297585284"/>
       </p:ext>
     </p:extLst>
   </p:cSld>
@@ -9087,7 +9705,7 @@
           <a:lstStyle/>
           <a:p>
             <a:r>
-              <a:rPr lang="fr-FR" dirty="0"/>
+              <a:rPr lang="fr-FR"/>
               <a:t>Cours: Python | Auteur: TUO N. Ismaël Maurice 
 </a:t>
             </a:r>
@@ -9137,8 +9755,8 @@
         </p:nvSpPr>
         <p:spPr>
           <a:xfrm>
-            <a:off x="397564" y="218526"/>
-            <a:ext cx="5454595" cy="461665"/>
+            <a:off x="397565" y="218526"/>
+            <a:ext cx="4191060" cy="461665"/>
           </a:xfrm>
           <a:prstGeom prst="rect">
             <a:avLst/>
@@ -9152,37 +9770,12 @@
           <a:lstStyle/>
           <a:p>
             <a:r>
-              <a:rPr lang="fr-FR" sz="2400" dirty="0">
-                <a:latin typeface="Times New Roman" panose="02020603050405020304" pitchFamily="18" charset="0"/>
-                <a:cs typeface="Times New Roman" panose="02020603050405020304" pitchFamily="18" charset="0"/>
-              </a:rPr>
-              <a:t>Instructions </a:t>
-            </a:r>
-            <a:r>
-              <a:rPr lang="fr-FR" sz="2400" dirty="0" err="1">
-                <a:latin typeface="Times New Roman" panose="02020603050405020304" pitchFamily="18" charset="0"/>
-                <a:cs typeface="Times New Roman" panose="02020603050405020304" pitchFamily="18" charset="0"/>
-              </a:rPr>
-              <a:t>upper</a:t>
-            </a:r>
-            <a:r>
-              <a:rPr lang="fr-FR" sz="2400" dirty="0">
-                <a:latin typeface="Times New Roman" panose="02020603050405020304" pitchFamily="18" charset="0"/>
-                <a:cs typeface="Times New Roman" panose="02020603050405020304" pitchFamily="18" charset="0"/>
-              </a:rPr>
-              <a:t>/</a:t>
-            </a:r>
-            <a:r>
-              <a:rPr lang="fr-FR" sz="2400" dirty="0" err="1">
-                <a:latin typeface="Times New Roman" panose="02020603050405020304" pitchFamily="18" charset="0"/>
-                <a:cs typeface="Times New Roman" panose="02020603050405020304" pitchFamily="18" charset="0"/>
-              </a:rPr>
-              <a:t>lower</a:t>
-            </a:r>
-            <a:endParaRPr lang="fr-FR" sz="2400" dirty="0">
-              <a:latin typeface="Times New Roman" panose="02020603050405020304" pitchFamily="18" charset="0"/>
-              <a:cs typeface="Times New Roman" panose="02020603050405020304" pitchFamily="18" charset="0"/>
-            </a:endParaRPr>
+              <a:rPr lang="fr-FR" sz="2400" b="1" dirty="0">
+                <a:latin typeface="Times New Roman" panose="02020603050405020304" pitchFamily="18" charset="0"/>
+                <a:cs typeface="Times New Roman" panose="02020603050405020304" pitchFamily="18" charset="0"/>
+              </a:rPr>
+              <a:t>Concaténation en Python</a:t>
+            </a:r>
           </a:p>
         </p:txBody>
       </p:sp>
@@ -9200,8 +9793,8 @@
         </p:nvSpPr>
         <p:spPr>
           <a:xfrm>
-            <a:off x="442743" y="820259"/>
-            <a:ext cx="11236639" cy="707886"/>
+            <a:off x="442742" y="711479"/>
+            <a:ext cx="11452771" cy="707886"/>
           </a:xfrm>
           <a:prstGeom prst="rect">
             <a:avLst/>
@@ -9219,8 +9812,19 @@
                 <a:latin typeface="Times New Roman" panose="02020603050405020304" pitchFamily="18" charset="0"/>
                 <a:cs typeface="Times New Roman" panose="02020603050405020304" pitchFamily="18" charset="0"/>
               </a:rPr>
-              <a:t>Python dispose deux fonctions natives pour mettre une chaine de caractères en majuscule ou en minuscule avec la syntaxe suivante:</a:t>
-            </a:r>
+              <a:t>Parfois on a besoin d’afficher un message avec le contenu d’une variable ou pour associer deux ou plusieurs variables chaînes ou une variable chaîne avec un entier, ce type d’association s’appelle de la </a:t>
+            </a:r>
+            <a:r>
+              <a:rPr lang="fr-FR" sz="2000" b="1" dirty="0">
+                <a:latin typeface="Times New Roman" panose="02020603050405020304" pitchFamily="18" charset="0"/>
+                <a:cs typeface="Times New Roman" panose="02020603050405020304" pitchFamily="18" charset="0"/>
+              </a:rPr>
+              <a:t>concaténation.</a:t>
+            </a:r>
+            <a:endParaRPr lang="fr-FR" sz="2000" dirty="0">
+              <a:latin typeface="Times New Roman" panose="02020603050405020304" pitchFamily="18" charset="0"/>
+              <a:cs typeface="Times New Roman" panose="02020603050405020304" pitchFamily="18" charset="0"/>
+            </a:endParaRPr>
           </a:p>
         </p:txBody>
       </p:sp>
@@ -9263,12 +9867,78 @@
           </a:fontRef>
         </p:style>
       </p:cxnSp>
+      <p:sp>
+        <p:nvSpPr>
+          <p:cNvPr id="2" name="ZoneTexte 1">
+            <a:extLst>
+              <a:ext uri="{FF2B5EF4-FFF2-40B4-BE49-F238E27FC236}">
+                <a16:creationId xmlns:a16="http://schemas.microsoft.com/office/drawing/2014/main" id="{96C11FB1-7379-AD70-E794-F0508BFF4884}"/>
+              </a:ext>
+            </a:extLst>
+          </p:cNvPr>
+          <p:cNvSpPr txBox="1"/>
+          <p:nvPr/>
+        </p:nvSpPr>
+        <p:spPr>
+          <a:xfrm>
+            <a:off x="471838" y="1393650"/>
+            <a:ext cx="11277420" cy="707886"/>
+          </a:xfrm>
+          <a:prstGeom prst="rect">
+            <a:avLst/>
+          </a:prstGeom>
+          <a:noFill/>
+        </p:spPr>
+        <p:txBody>
+          <a:bodyPr wrap="square" rtlCol="0">
+            <a:spAutoFit/>
+          </a:bodyPr>
+          <a:lstStyle/>
+          <a:p>
+            <a:r>
+              <a:rPr lang="fr-FR" sz="2000" dirty="0">
+                <a:latin typeface="Times New Roman" panose="02020603050405020304" pitchFamily="18" charset="0"/>
+                <a:cs typeface="Times New Roman" panose="02020603050405020304" pitchFamily="18" charset="0"/>
+              </a:rPr>
+              <a:t>Pour faire de la concaténation en Python on utilisera les caractères suivants le plus (</a:t>
+            </a:r>
+            <a:r>
+              <a:rPr lang="fr-FR" sz="2000" b="1" dirty="0">
+                <a:latin typeface="Times New Roman" panose="02020603050405020304" pitchFamily="18" charset="0"/>
+                <a:cs typeface="Times New Roman" panose="02020603050405020304" pitchFamily="18" charset="0"/>
+              </a:rPr>
+              <a:t>+) </a:t>
+            </a:r>
+            <a:r>
+              <a:rPr lang="fr-FR" sz="2000" dirty="0">
+                <a:latin typeface="Times New Roman" panose="02020603050405020304" pitchFamily="18" charset="0"/>
+                <a:cs typeface="Times New Roman" panose="02020603050405020304" pitchFamily="18" charset="0"/>
+              </a:rPr>
+              <a:t>ou la virgule (</a:t>
+            </a:r>
+            <a:r>
+              <a:rPr lang="fr-FR" sz="2000" b="1" dirty="0">
+                <a:latin typeface="Times New Roman" panose="02020603050405020304" pitchFamily="18" charset="0"/>
+                <a:cs typeface="Times New Roman" panose="02020603050405020304" pitchFamily="18" charset="0"/>
+              </a:rPr>
+              <a:t>,) </a:t>
+            </a:r>
+            <a:r>
+              <a:rPr lang="fr-FR" sz="2000" dirty="0">
+                <a:latin typeface="Times New Roman" panose="02020603050405020304" pitchFamily="18" charset="0"/>
+                <a:cs typeface="Times New Roman" panose="02020603050405020304" pitchFamily="18" charset="0"/>
+              </a:rPr>
+              <a:t>avec les syntaxes suivantes:</a:t>
+            </a:r>
+          </a:p>
+        </p:txBody>
+      </p:sp>
       <p:pic>
         <p:nvPicPr>
-          <p:cNvPr id="2" name="Image 1">
-            <a:extLst>
-              <a:ext uri="{FF2B5EF4-FFF2-40B4-BE49-F238E27FC236}">
-                <a16:creationId xmlns:a16="http://schemas.microsoft.com/office/drawing/2014/main" id="{80247B0F-A9AA-C33C-AA46-AEEFBCEC7F41}"/>
+          <p:cNvPr id="9" name="Image 8">
+            <a:extLst>
+              <a:ext uri="{FF2B5EF4-FFF2-40B4-BE49-F238E27FC236}">
+                <a16:creationId xmlns:a16="http://schemas.microsoft.com/office/drawing/2014/main" id="{D3C5F98B-739E-3CBB-2A1C-D2FF943D373C}"/>
               </a:ext>
             </a:extLst>
           </p:cNvPr>
@@ -9285,20 +9955,165 @@
         </p:blipFill>
         <p:spPr>
           <a:xfrm>
-            <a:off x="3854423" y="1369927"/>
-            <a:ext cx="4521200" cy="723900"/>
+            <a:off x="2925194" y="1787295"/>
+            <a:ext cx="3251200" cy="330200"/>
           </a:xfrm>
           <a:prstGeom prst="rect">
             <a:avLst/>
           </a:prstGeom>
         </p:spPr>
       </p:pic>
+      <p:sp>
+        <p:nvSpPr>
+          <p:cNvPr id="10" name="ZoneTexte 9">
+            <a:extLst>
+              <a:ext uri="{FF2B5EF4-FFF2-40B4-BE49-F238E27FC236}">
+                <a16:creationId xmlns:a16="http://schemas.microsoft.com/office/drawing/2014/main" id="{E69CA8FD-3B1D-3357-B3EE-90752169B06F}"/>
+              </a:ext>
+            </a:extLst>
+          </p:cNvPr>
+          <p:cNvSpPr txBox="1"/>
+          <p:nvPr/>
+        </p:nvSpPr>
+        <p:spPr>
+          <a:xfrm>
+            <a:off x="492230" y="2101536"/>
+            <a:ext cx="11277420" cy="1938992"/>
+          </a:xfrm>
+          <a:prstGeom prst="rect">
+            <a:avLst/>
+          </a:prstGeom>
+          <a:noFill/>
+        </p:spPr>
+        <p:txBody>
+          <a:bodyPr wrap="square" rtlCol="0">
+            <a:spAutoFit/>
+          </a:bodyPr>
+          <a:lstStyle/>
+          <a:p>
+            <a:r>
+              <a:rPr lang="fr-FR" sz="2000" dirty="0">
+                <a:latin typeface="Times New Roman" panose="02020603050405020304" pitchFamily="18" charset="0"/>
+                <a:cs typeface="Times New Roman" panose="02020603050405020304" pitchFamily="18" charset="0"/>
+              </a:rPr>
+              <a:t>Il y’a une différence entre les deux types de caractères pour la concaténation:</a:t>
+            </a:r>
+          </a:p>
+          <a:p>
+            <a:pPr marL="342900" indent="-342900">
+              <a:buFont typeface="Arial" panose="020B0604020202020204" pitchFamily="34" charset="0"/>
+              <a:buChar char="•"/>
+            </a:pPr>
+            <a:r>
+              <a:rPr lang="fr-FR" sz="2000" b="1" dirty="0">
+                <a:latin typeface="Times New Roman" panose="02020603050405020304" pitchFamily="18" charset="0"/>
+                <a:cs typeface="Times New Roman" panose="02020603050405020304" pitchFamily="18" charset="0"/>
+              </a:rPr>
+              <a:t>La concaténation avec le plus</a:t>
+            </a:r>
+            <a:r>
+              <a:rPr lang="fr-FR" sz="2000" dirty="0">
+                <a:latin typeface="Times New Roman" panose="02020603050405020304" pitchFamily="18" charset="0"/>
+                <a:cs typeface="Times New Roman" panose="02020603050405020304" pitchFamily="18" charset="0"/>
+              </a:rPr>
+              <a:t>: ne met pas d’espace entre les deux variables. De plus, pour concaténer une chaine et un nombre il faut faire une conversion du nombre en chaine.</a:t>
+            </a:r>
+          </a:p>
+          <a:p>
+            <a:pPr marL="342900" indent="-342900">
+              <a:buFont typeface="Arial" panose="020B0604020202020204" pitchFamily="34" charset="0"/>
+              <a:buChar char="•"/>
+            </a:pPr>
+            <a:r>
+              <a:rPr lang="fr-FR" sz="2000" b="1" dirty="0">
+                <a:latin typeface="Times New Roman" panose="02020603050405020304" pitchFamily="18" charset="0"/>
+                <a:cs typeface="Times New Roman" panose="02020603050405020304" pitchFamily="18" charset="0"/>
+              </a:rPr>
+              <a:t>La concaténation avec la virgule: </a:t>
+            </a:r>
+            <a:r>
+              <a:rPr lang="fr-FR" sz="2000" dirty="0">
+                <a:latin typeface="Times New Roman" panose="02020603050405020304" pitchFamily="18" charset="0"/>
+                <a:cs typeface="Times New Roman" panose="02020603050405020304" pitchFamily="18" charset="0"/>
+              </a:rPr>
+              <a:t>ne marche que lorsqu’on utilise la fonction </a:t>
+            </a:r>
+            <a:r>
+              <a:rPr lang="fr-FR" sz="2000" b="1" i="1" dirty="0" err="1">
+                <a:latin typeface="Times New Roman" panose="02020603050405020304" pitchFamily="18" charset="0"/>
+                <a:cs typeface="Times New Roman" panose="02020603050405020304" pitchFamily="18" charset="0"/>
+              </a:rPr>
+              <a:t>print</a:t>
+            </a:r>
+            <a:r>
+              <a:rPr lang="fr-FR" sz="2000" b="1" dirty="0">
+                <a:latin typeface="Times New Roman" panose="02020603050405020304" pitchFamily="18" charset="0"/>
+                <a:cs typeface="Times New Roman" panose="02020603050405020304" pitchFamily="18" charset="0"/>
+              </a:rPr>
+              <a:t> </a:t>
+            </a:r>
+            <a:r>
+              <a:rPr lang="fr-FR" sz="2000" dirty="0">
+                <a:latin typeface="Times New Roman" panose="02020603050405020304" pitchFamily="18" charset="0"/>
+                <a:cs typeface="Times New Roman" panose="02020603050405020304" pitchFamily="18" charset="0"/>
+              </a:rPr>
+              <a:t>ne pas l’utiliser en dehors du </a:t>
+            </a:r>
+            <a:r>
+              <a:rPr lang="fr-FR" sz="2000" b="1" i="1" dirty="0" err="1">
+                <a:latin typeface="Times New Roman" panose="02020603050405020304" pitchFamily="18" charset="0"/>
+                <a:cs typeface="Times New Roman" panose="02020603050405020304" pitchFamily="18" charset="0"/>
+              </a:rPr>
+              <a:t>print</a:t>
+            </a:r>
+            <a:r>
+              <a:rPr lang="fr-FR" sz="2000" dirty="0">
+                <a:latin typeface="Times New Roman" panose="02020603050405020304" pitchFamily="18" charset="0"/>
+                <a:cs typeface="Times New Roman" panose="02020603050405020304" pitchFamily="18" charset="0"/>
+              </a:rPr>
+              <a:t> car signifie autre chose non pas la concaténation mais la création de type </a:t>
+            </a:r>
+            <a:r>
+              <a:rPr lang="fr-FR" sz="2000" b="1" i="1" dirty="0">
+                <a:latin typeface="Times New Roman" panose="02020603050405020304" pitchFamily="18" charset="0"/>
+                <a:cs typeface="Times New Roman" panose="02020603050405020304" pitchFamily="18" charset="0"/>
+              </a:rPr>
+              <a:t>tuple</a:t>
+            </a:r>
+            <a:r>
+              <a:rPr lang="fr-FR" sz="2000" dirty="0">
+                <a:latin typeface="Times New Roman" panose="02020603050405020304" pitchFamily="18" charset="0"/>
+                <a:cs typeface="Times New Roman" panose="02020603050405020304" pitchFamily="18" charset="0"/>
+              </a:rPr>
+              <a:t>. Cependant à l’intérieur du </a:t>
+            </a:r>
+            <a:r>
+              <a:rPr lang="fr-FR" sz="2000" b="1" i="1" dirty="0" err="1">
+                <a:latin typeface="Times New Roman" panose="02020603050405020304" pitchFamily="18" charset="0"/>
+                <a:cs typeface="Times New Roman" panose="02020603050405020304" pitchFamily="18" charset="0"/>
+              </a:rPr>
+              <a:t>print</a:t>
+            </a:r>
+            <a:r>
+              <a:rPr lang="fr-FR" sz="2000" dirty="0">
+                <a:latin typeface="Times New Roman" panose="02020603050405020304" pitchFamily="18" charset="0"/>
+                <a:cs typeface="Times New Roman" panose="02020603050405020304" pitchFamily="18" charset="0"/>
+              </a:rPr>
+              <a:t> elle mettra un espace entre les éléments concaténés.</a:t>
+            </a:r>
+            <a:endParaRPr lang="fr-FR" sz="2000" b="1" dirty="0">
+              <a:latin typeface="Times New Roman" panose="02020603050405020304" pitchFamily="18" charset="0"/>
+              <a:cs typeface="Times New Roman" panose="02020603050405020304" pitchFamily="18" charset="0"/>
+            </a:endParaRPr>
+          </a:p>
+        </p:txBody>
+      </p:sp>
       <p:pic>
         <p:nvPicPr>
-          <p:cNvPr id="7" name="Image 6">
-            <a:extLst>
-              <a:ext uri="{FF2B5EF4-FFF2-40B4-BE49-F238E27FC236}">
-                <a16:creationId xmlns:a16="http://schemas.microsoft.com/office/drawing/2014/main" id="{BD497FDB-2164-8ACF-1CBD-9830461DE97E}"/>
+          <p:cNvPr id="12" name="Image 11">
+            <a:extLst>
+              <a:ext uri="{FF2B5EF4-FFF2-40B4-BE49-F238E27FC236}">
+                <a16:creationId xmlns:a16="http://schemas.microsoft.com/office/drawing/2014/main" id="{851FE18B-F741-5197-B99B-9C70F87CAF19}"/>
               </a:ext>
             </a:extLst>
           </p:cNvPr>
@@ -9315,8 +10130,8 @@
         </p:blipFill>
         <p:spPr>
           <a:xfrm>
-            <a:off x="500932" y="2172507"/>
-            <a:ext cx="6706985" cy="2197100"/>
+            <a:off x="1338509" y="4047935"/>
+            <a:ext cx="4622800" cy="2098585"/>
           </a:xfrm>
           <a:prstGeom prst="rect">
             <a:avLst/>
@@ -9325,10 +10140,10 @@
       </p:pic>
       <p:pic>
         <p:nvPicPr>
-          <p:cNvPr id="9" name="Image 8">
-            <a:extLst>
-              <a:ext uri="{FF2B5EF4-FFF2-40B4-BE49-F238E27FC236}">
-                <a16:creationId xmlns:a16="http://schemas.microsoft.com/office/drawing/2014/main" id="{1A161601-CBEF-AE54-2C6C-8454D4268DB8}"/>
+          <p:cNvPr id="13" name="Image 12">
+            <a:extLst>
+              <a:ext uri="{FF2B5EF4-FFF2-40B4-BE49-F238E27FC236}">
+                <a16:creationId xmlns:a16="http://schemas.microsoft.com/office/drawing/2014/main" id="{9467E91A-E522-AA04-7E0D-E5ECA246948E}"/>
               </a:ext>
             </a:extLst>
           </p:cNvPr>
@@ -9345,8 +10160,8 @@
         </p:blipFill>
         <p:spPr>
           <a:xfrm>
-            <a:off x="7385012" y="2558187"/>
-            <a:ext cx="4140906" cy="1223325"/>
+            <a:off x="8249240" y="4402646"/>
+            <a:ext cx="2413000" cy="1471444"/>
           </a:xfrm>
           <a:prstGeom prst="rect">
             <a:avLst/>
@@ -9355,76 +10170,10 @@
       </p:pic>
       <p:sp>
         <p:nvSpPr>
-          <p:cNvPr id="10" name="ZoneTexte 9">
-            <a:extLst>
-              <a:ext uri="{FF2B5EF4-FFF2-40B4-BE49-F238E27FC236}">
-                <a16:creationId xmlns:a16="http://schemas.microsoft.com/office/drawing/2014/main" id="{43908BA5-9B3D-38FE-BD6B-72CD24920C8B}"/>
-              </a:ext>
-            </a:extLst>
-          </p:cNvPr>
-          <p:cNvSpPr txBox="1"/>
-          <p:nvPr/>
-        </p:nvSpPr>
-        <p:spPr>
-          <a:xfrm>
-            <a:off x="397564" y="4511490"/>
-            <a:ext cx="11236639" cy="400110"/>
-          </a:xfrm>
-          <a:prstGeom prst="rect">
-            <a:avLst/>
-          </a:prstGeom>
-          <a:noFill/>
-        </p:spPr>
-        <p:txBody>
-          <a:bodyPr wrap="square" rtlCol="0">
-            <a:spAutoFit/>
-          </a:bodyPr>
-          <a:lstStyle/>
-          <a:p>
-            <a:r>
-              <a:rPr lang="fr-FR" sz="2000" dirty="0">
-                <a:latin typeface="Times New Roman" panose="02020603050405020304" pitchFamily="18" charset="0"/>
-                <a:cs typeface="Times New Roman" panose="02020603050405020304" pitchFamily="18" charset="0"/>
-              </a:rPr>
-              <a:t>On pourrait par exemple utiliser </a:t>
-            </a:r>
-            <a:r>
-              <a:rPr lang="fr-FR" sz="2000" b="1" dirty="0" err="1">
-                <a:latin typeface="Times New Roman" panose="02020603050405020304" pitchFamily="18" charset="0"/>
-                <a:cs typeface="Times New Roman" panose="02020603050405020304" pitchFamily="18" charset="0"/>
-              </a:rPr>
-              <a:t>upper</a:t>
-            </a:r>
-            <a:r>
-              <a:rPr lang="fr-FR" sz="2000" b="1" dirty="0">
-                <a:latin typeface="Times New Roman" panose="02020603050405020304" pitchFamily="18" charset="0"/>
-                <a:cs typeface="Times New Roman" panose="02020603050405020304" pitchFamily="18" charset="0"/>
-              </a:rPr>
-              <a:t>/</a:t>
-            </a:r>
-            <a:r>
-              <a:rPr lang="fr-FR" sz="2000" b="1" dirty="0" err="1">
-                <a:latin typeface="Times New Roman" panose="02020603050405020304" pitchFamily="18" charset="0"/>
-                <a:cs typeface="Times New Roman" panose="02020603050405020304" pitchFamily="18" charset="0"/>
-              </a:rPr>
-              <a:t>lower</a:t>
-            </a:r>
-            <a:r>
-              <a:rPr lang="fr-FR" sz="2000" dirty="0">
-                <a:latin typeface="Times New Roman" panose="02020603050405020304" pitchFamily="18" charset="0"/>
-                <a:cs typeface="Times New Roman" panose="02020603050405020304" pitchFamily="18" charset="0"/>
-              </a:rPr>
-              <a:t> pour quitter quand l’utilisateur entre Q ou q.</a:t>
-            </a:r>
-          </a:p>
-        </p:txBody>
-      </p:sp>
-      <p:sp>
-        <p:nvSpPr>
           <p:cNvPr id="14" name="Flèche vers la droite 13">
             <a:extLst>
               <a:ext uri="{FF2B5EF4-FFF2-40B4-BE49-F238E27FC236}">
-                <a16:creationId xmlns:a16="http://schemas.microsoft.com/office/drawing/2014/main" id="{A951B83B-7E24-CCE4-B7CF-D493E40D18D2}"/>
+                <a16:creationId xmlns:a16="http://schemas.microsoft.com/office/drawing/2014/main" id="{F9226937-A979-8493-6463-747BEDF13B44}"/>
               </a:ext>
             </a:extLst>
           </p:cNvPr>
@@ -9433,7 +10182,7 @@
         </p:nvSpPr>
         <p:spPr>
           <a:xfrm>
-            <a:off x="5269977" y="5217561"/>
+            <a:off x="6336779" y="4750995"/>
             <a:ext cx="1536991" cy="756458"/>
           </a:xfrm>
           <a:prstGeom prst="rightArrow">
@@ -9466,75 +10215,15 @@
                 <a:latin typeface="Times New Roman" panose="02020603050405020304" pitchFamily="18" charset="0"/>
                 <a:cs typeface="Times New Roman" panose="02020603050405020304" pitchFamily="18" charset="0"/>
               </a:rPr>
-              <a:t>Equivalent</a:t>
-            </a:r>
-          </a:p>
-        </p:txBody>
-      </p:sp>
-      <p:pic>
-        <p:nvPicPr>
-          <p:cNvPr id="17" name="Image 16">
-            <a:extLst>
-              <a:ext uri="{FF2B5EF4-FFF2-40B4-BE49-F238E27FC236}">
-                <a16:creationId xmlns:a16="http://schemas.microsoft.com/office/drawing/2014/main" id="{0ECCB70D-D5F0-9C9B-C59C-37894BC04803}"/>
-              </a:ext>
-            </a:extLst>
-          </p:cNvPr>
-          <p:cNvPicPr>
-            <a:picLocks noChangeAspect="1"/>
-          </p:cNvPicPr>
-          <p:nvPr/>
-        </p:nvPicPr>
-        <p:blipFill>
-          <a:blip r:embed="rId6"/>
-          <a:stretch>
-            <a:fillRect/>
-          </a:stretch>
-        </p:blipFill>
-        <p:spPr>
-          <a:xfrm>
-            <a:off x="7024103" y="5047246"/>
-            <a:ext cx="4610100" cy="965200"/>
-          </a:xfrm>
-          <a:prstGeom prst="rect">
-            <a:avLst/>
-          </a:prstGeom>
-        </p:spPr>
-      </p:pic>
-      <p:pic>
-        <p:nvPicPr>
-          <p:cNvPr id="18" name="Image 17">
-            <a:extLst>
-              <a:ext uri="{FF2B5EF4-FFF2-40B4-BE49-F238E27FC236}">
-                <a16:creationId xmlns:a16="http://schemas.microsoft.com/office/drawing/2014/main" id="{EDBBFB37-7D1E-A61B-EBAF-30989A8A3C64}"/>
-              </a:ext>
-            </a:extLst>
-          </p:cNvPr>
-          <p:cNvPicPr>
-            <a:picLocks noChangeAspect="1"/>
-          </p:cNvPicPr>
-          <p:nvPr/>
-        </p:nvPicPr>
-        <p:blipFill>
-          <a:blip r:embed="rId7"/>
-          <a:stretch>
-            <a:fillRect/>
-          </a:stretch>
-        </p:blipFill>
-        <p:spPr>
-          <a:xfrm>
-            <a:off x="442743" y="5079640"/>
-            <a:ext cx="4610100" cy="965200"/>
-          </a:xfrm>
-          <a:prstGeom prst="rect">
-            <a:avLst/>
-          </a:prstGeom>
-        </p:spPr>
-      </p:pic>
+              <a:t>Exécution</a:t>
+            </a:r>
+          </a:p>
+        </p:txBody>
+      </p:sp>
     </p:spTree>
     <p:extLst>
       <p:ext uri="{BB962C8B-B14F-4D97-AF65-F5344CB8AC3E}">
-        <p14:creationId xmlns:p14="http://schemas.microsoft.com/office/powerpoint/2010/main" val="2905913222"/>
+        <p14:creationId xmlns:p14="http://schemas.microsoft.com/office/powerpoint/2010/main" val="4214485337"/>
       </p:ext>
     </p:extLst>
   </p:cSld>
@@ -9583,7 +10272,7 @@
           <a:lstStyle/>
           <a:p>
             <a:r>
-              <a:rPr lang="fr-FR"/>
+              <a:rPr lang="fr-FR" dirty="0"/>
               <a:t>Cours: Python | Auteur: TUO N. Ismaël Maurice 
 </a:t>
             </a:r>
@@ -9633,8 +10322,8 @@
         </p:nvSpPr>
         <p:spPr>
           <a:xfrm>
-            <a:off x="397565" y="218526"/>
-            <a:ext cx="4191060" cy="461665"/>
+            <a:off x="397564" y="218526"/>
+            <a:ext cx="5454595" cy="461665"/>
           </a:xfrm>
           <a:prstGeom prst="rect">
             <a:avLst/>
@@ -9648,12 +10337,37 @@
           <a:lstStyle/>
           <a:p>
             <a:r>
-              <a:rPr lang="fr-FR" sz="2400" dirty="0">
-                <a:latin typeface="Times New Roman" panose="02020603050405020304" pitchFamily="18" charset="0"/>
-                <a:cs typeface="Times New Roman" panose="02020603050405020304" pitchFamily="18" charset="0"/>
-              </a:rPr>
-              <a:t>Concaténation en Python</a:t>
-            </a:r>
+              <a:rPr lang="fr-FR" sz="2400" b="1" dirty="0">
+                <a:latin typeface="Times New Roman" panose="02020603050405020304" pitchFamily="18" charset="0"/>
+                <a:cs typeface="Times New Roman" panose="02020603050405020304" pitchFamily="18" charset="0"/>
+              </a:rPr>
+              <a:t>Instructions </a:t>
+            </a:r>
+            <a:r>
+              <a:rPr lang="fr-FR" sz="2400" b="1" i="1" dirty="0" err="1">
+                <a:latin typeface="Times New Roman" panose="02020603050405020304" pitchFamily="18" charset="0"/>
+                <a:cs typeface="Times New Roman" panose="02020603050405020304" pitchFamily="18" charset="0"/>
+              </a:rPr>
+              <a:t>upper</a:t>
+            </a:r>
+            <a:r>
+              <a:rPr lang="fr-FR" sz="2400" b="1" dirty="0">
+                <a:latin typeface="Times New Roman" panose="02020603050405020304" pitchFamily="18" charset="0"/>
+                <a:cs typeface="Times New Roman" panose="02020603050405020304" pitchFamily="18" charset="0"/>
+              </a:rPr>
+              <a:t>/</a:t>
+            </a:r>
+            <a:r>
+              <a:rPr lang="fr-FR" sz="2400" b="1" i="1" dirty="0" err="1">
+                <a:latin typeface="Times New Roman" panose="02020603050405020304" pitchFamily="18" charset="0"/>
+                <a:cs typeface="Times New Roman" panose="02020603050405020304" pitchFamily="18" charset="0"/>
+              </a:rPr>
+              <a:t>lower</a:t>
+            </a:r>
+            <a:endParaRPr lang="fr-FR" sz="2400" b="1" i="1" dirty="0">
+              <a:latin typeface="Times New Roman" panose="02020603050405020304" pitchFamily="18" charset="0"/>
+              <a:cs typeface="Times New Roman" panose="02020603050405020304" pitchFamily="18" charset="0"/>
+            </a:endParaRPr>
           </a:p>
         </p:txBody>
       </p:sp>
@@ -9671,8 +10385,8 @@
         </p:nvSpPr>
         <p:spPr>
           <a:xfrm>
-            <a:off x="442742" y="711479"/>
-            <a:ext cx="11452771" cy="707886"/>
+            <a:off x="442743" y="820259"/>
+            <a:ext cx="11236639" cy="707886"/>
           </a:xfrm>
           <a:prstGeom prst="rect">
             <a:avLst/>
@@ -9690,19 +10404,8 @@
                 <a:latin typeface="Times New Roman" panose="02020603050405020304" pitchFamily="18" charset="0"/>
                 <a:cs typeface="Times New Roman" panose="02020603050405020304" pitchFamily="18" charset="0"/>
               </a:rPr>
-              <a:t>Parfois on a besoin d’afficher une message avec le contenu d’une variable ou pour associer deux ou plusieurs variables chaînes ou une variable chaîne avec un entier, ce type d’association s’appelle de la </a:t>
-            </a:r>
-            <a:r>
-              <a:rPr lang="fr-FR" sz="2000" b="1" dirty="0">
-                <a:latin typeface="Times New Roman" panose="02020603050405020304" pitchFamily="18" charset="0"/>
-                <a:cs typeface="Times New Roman" panose="02020603050405020304" pitchFamily="18" charset="0"/>
-              </a:rPr>
-              <a:t>concaténation.</a:t>
-            </a:r>
-            <a:endParaRPr lang="fr-FR" sz="2000" dirty="0">
-              <a:latin typeface="Times New Roman" panose="02020603050405020304" pitchFamily="18" charset="0"/>
-              <a:cs typeface="Times New Roman" panose="02020603050405020304" pitchFamily="18" charset="0"/>
-            </a:endParaRPr>
+              <a:t>Python dispose deux fonctions natives pour mettre une chaine de caractères en majuscule ou en minuscule avec la syntaxe suivante:</a:t>
+            </a:r>
           </a:p>
         </p:txBody>
       </p:sp>
@@ -9745,78 +10448,12 @@
           </a:fontRef>
         </p:style>
       </p:cxnSp>
-      <p:sp>
-        <p:nvSpPr>
-          <p:cNvPr id="2" name="ZoneTexte 1">
-            <a:extLst>
-              <a:ext uri="{FF2B5EF4-FFF2-40B4-BE49-F238E27FC236}">
-                <a16:creationId xmlns:a16="http://schemas.microsoft.com/office/drawing/2014/main" id="{96C11FB1-7379-AD70-E794-F0508BFF4884}"/>
-              </a:ext>
-            </a:extLst>
-          </p:cNvPr>
-          <p:cNvSpPr txBox="1"/>
-          <p:nvPr/>
-        </p:nvSpPr>
-        <p:spPr>
-          <a:xfrm>
-            <a:off x="471838" y="1393650"/>
-            <a:ext cx="11277420" cy="707886"/>
-          </a:xfrm>
-          <a:prstGeom prst="rect">
-            <a:avLst/>
-          </a:prstGeom>
-          <a:noFill/>
-        </p:spPr>
-        <p:txBody>
-          <a:bodyPr wrap="square" rtlCol="0">
-            <a:spAutoFit/>
-          </a:bodyPr>
-          <a:lstStyle/>
-          <a:p>
-            <a:r>
-              <a:rPr lang="fr-FR" sz="2000" dirty="0">
-                <a:latin typeface="Times New Roman" panose="02020603050405020304" pitchFamily="18" charset="0"/>
-                <a:cs typeface="Times New Roman" panose="02020603050405020304" pitchFamily="18" charset="0"/>
-              </a:rPr>
-              <a:t>Pour faire de la concaténation en Python on utilisera les caractères suivants le plus (</a:t>
-            </a:r>
-            <a:r>
-              <a:rPr lang="fr-FR" sz="2000" b="1" dirty="0">
-                <a:latin typeface="Times New Roman" panose="02020603050405020304" pitchFamily="18" charset="0"/>
-                <a:cs typeface="Times New Roman" panose="02020603050405020304" pitchFamily="18" charset="0"/>
-              </a:rPr>
-              <a:t>+) </a:t>
-            </a:r>
-            <a:r>
-              <a:rPr lang="fr-FR" sz="2000" dirty="0">
-                <a:latin typeface="Times New Roman" panose="02020603050405020304" pitchFamily="18" charset="0"/>
-                <a:cs typeface="Times New Roman" panose="02020603050405020304" pitchFamily="18" charset="0"/>
-              </a:rPr>
-              <a:t>ou la virgule (</a:t>
-            </a:r>
-            <a:r>
-              <a:rPr lang="fr-FR" sz="2000" b="1" dirty="0">
-                <a:latin typeface="Times New Roman" panose="02020603050405020304" pitchFamily="18" charset="0"/>
-                <a:cs typeface="Times New Roman" panose="02020603050405020304" pitchFamily="18" charset="0"/>
-              </a:rPr>
-              <a:t>,) </a:t>
-            </a:r>
-            <a:r>
-              <a:rPr lang="fr-FR" sz="2000" dirty="0">
-                <a:latin typeface="Times New Roman" panose="02020603050405020304" pitchFamily="18" charset="0"/>
-                <a:cs typeface="Times New Roman" panose="02020603050405020304" pitchFamily="18" charset="0"/>
-              </a:rPr>
-              <a:t>avec les syntaxes suivantes:</a:t>
-            </a:r>
-          </a:p>
-        </p:txBody>
-      </p:sp>
       <p:pic>
         <p:nvPicPr>
-          <p:cNvPr id="9" name="Image 8">
-            <a:extLst>
-              <a:ext uri="{FF2B5EF4-FFF2-40B4-BE49-F238E27FC236}">
-                <a16:creationId xmlns:a16="http://schemas.microsoft.com/office/drawing/2014/main" id="{D3C5F98B-739E-3CBB-2A1C-D2FF943D373C}"/>
+          <p:cNvPr id="2" name="Image 1">
+            <a:extLst>
+              <a:ext uri="{FF2B5EF4-FFF2-40B4-BE49-F238E27FC236}">
+                <a16:creationId xmlns:a16="http://schemas.microsoft.com/office/drawing/2014/main" id="{80247B0F-A9AA-C33C-AA46-AEEFBCEC7F41}"/>
               </a:ext>
             </a:extLst>
           </p:cNvPr>
@@ -9833,165 +10470,20 @@
         </p:blipFill>
         <p:spPr>
           <a:xfrm>
-            <a:off x="2925194" y="1787295"/>
-            <a:ext cx="3251200" cy="330200"/>
+            <a:off x="3854423" y="1369927"/>
+            <a:ext cx="4521200" cy="723900"/>
           </a:xfrm>
           <a:prstGeom prst="rect">
             <a:avLst/>
           </a:prstGeom>
         </p:spPr>
       </p:pic>
-      <p:sp>
-        <p:nvSpPr>
-          <p:cNvPr id="10" name="ZoneTexte 9">
-            <a:extLst>
-              <a:ext uri="{FF2B5EF4-FFF2-40B4-BE49-F238E27FC236}">
-                <a16:creationId xmlns:a16="http://schemas.microsoft.com/office/drawing/2014/main" id="{E69CA8FD-3B1D-3357-B3EE-90752169B06F}"/>
-              </a:ext>
-            </a:extLst>
-          </p:cNvPr>
-          <p:cNvSpPr txBox="1"/>
-          <p:nvPr/>
-        </p:nvSpPr>
-        <p:spPr>
-          <a:xfrm>
-            <a:off x="492230" y="2101536"/>
-            <a:ext cx="11277420" cy="1938992"/>
-          </a:xfrm>
-          <a:prstGeom prst="rect">
-            <a:avLst/>
-          </a:prstGeom>
-          <a:noFill/>
-        </p:spPr>
-        <p:txBody>
-          <a:bodyPr wrap="square" rtlCol="0">
-            <a:spAutoFit/>
-          </a:bodyPr>
-          <a:lstStyle/>
-          <a:p>
-            <a:r>
-              <a:rPr lang="fr-FR" sz="2000" dirty="0">
-                <a:latin typeface="Times New Roman" panose="02020603050405020304" pitchFamily="18" charset="0"/>
-                <a:cs typeface="Times New Roman" panose="02020603050405020304" pitchFamily="18" charset="0"/>
-              </a:rPr>
-              <a:t>Il y’a une différence entre les deux types de caractères pour la concaténation:</a:t>
-            </a:r>
-          </a:p>
-          <a:p>
-            <a:pPr marL="342900" indent="-342900">
-              <a:buFont typeface="Arial" panose="020B0604020202020204" pitchFamily="34" charset="0"/>
-              <a:buChar char="•"/>
-            </a:pPr>
-            <a:r>
-              <a:rPr lang="fr-FR" sz="2000" b="1" dirty="0">
-                <a:latin typeface="Times New Roman" panose="02020603050405020304" pitchFamily="18" charset="0"/>
-                <a:cs typeface="Times New Roman" panose="02020603050405020304" pitchFamily="18" charset="0"/>
-              </a:rPr>
-              <a:t>La concaténation avec le plus</a:t>
-            </a:r>
-            <a:r>
-              <a:rPr lang="fr-FR" sz="2000" dirty="0">
-                <a:latin typeface="Times New Roman" panose="02020603050405020304" pitchFamily="18" charset="0"/>
-                <a:cs typeface="Times New Roman" panose="02020603050405020304" pitchFamily="18" charset="0"/>
-              </a:rPr>
-              <a:t>: ne met pas d’espace entre les deux variables. De plus, pour concaténer une chaine et un nombre il faut faire une conversion du nombre en chaine.</a:t>
-            </a:r>
-          </a:p>
-          <a:p>
-            <a:pPr marL="342900" indent="-342900">
-              <a:buFont typeface="Arial" panose="020B0604020202020204" pitchFamily="34" charset="0"/>
-              <a:buChar char="•"/>
-            </a:pPr>
-            <a:r>
-              <a:rPr lang="fr-FR" sz="2000" b="1" dirty="0">
-                <a:latin typeface="Times New Roman" panose="02020603050405020304" pitchFamily="18" charset="0"/>
-                <a:cs typeface="Times New Roman" panose="02020603050405020304" pitchFamily="18" charset="0"/>
-              </a:rPr>
-              <a:t>La concaténation avec la virgule: </a:t>
-            </a:r>
-            <a:r>
-              <a:rPr lang="fr-FR" sz="2000" dirty="0">
-                <a:latin typeface="Times New Roman" panose="02020603050405020304" pitchFamily="18" charset="0"/>
-                <a:cs typeface="Times New Roman" panose="02020603050405020304" pitchFamily="18" charset="0"/>
-              </a:rPr>
-              <a:t>ne marche que lorsqu’on utilise la fonction </a:t>
-            </a:r>
-            <a:r>
-              <a:rPr lang="fr-FR" sz="2000" b="1" dirty="0" err="1">
-                <a:latin typeface="Times New Roman" panose="02020603050405020304" pitchFamily="18" charset="0"/>
-                <a:cs typeface="Times New Roman" panose="02020603050405020304" pitchFamily="18" charset="0"/>
-              </a:rPr>
-              <a:t>print</a:t>
-            </a:r>
-            <a:r>
-              <a:rPr lang="fr-FR" sz="2000" b="1" dirty="0">
-                <a:latin typeface="Times New Roman" panose="02020603050405020304" pitchFamily="18" charset="0"/>
-                <a:cs typeface="Times New Roman" panose="02020603050405020304" pitchFamily="18" charset="0"/>
-              </a:rPr>
-              <a:t> </a:t>
-            </a:r>
-            <a:r>
-              <a:rPr lang="fr-FR" sz="2000" dirty="0">
-                <a:latin typeface="Times New Roman" panose="02020603050405020304" pitchFamily="18" charset="0"/>
-                <a:cs typeface="Times New Roman" panose="02020603050405020304" pitchFamily="18" charset="0"/>
-              </a:rPr>
-              <a:t>ne pas l’utiliser en dehors du </a:t>
-            </a:r>
-            <a:r>
-              <a:rPr lang="fr-FR" sz="2000" b="1" dirty="0" err="1">
-                <a:latin typeface="Times New Roman" panose="02020603050405020304" pitchFamily="18" charset="0"/>
-                <a:cs typeface="Times New Roman" panose="02020603050405020304" pitchFamily="18" charset="0"/>
-              </a:rPr>
-              <a:t>print</a:t>
-            </a:r>
-            <a:r>
-              <a:rPr lang="fr-FR" sz="2000" dirty="0">
-                <a:latin typeface="Times New Roman" panose="02020603050405020304" pitchFamily="18" charset="0"/>
-                <a:cs typeface="Times New Roman" panose="02020603050405020304" pitchFamily="18" charset="0"/>
-              </a:rPr>
-              <a:t> car signifie autre chose non pas la concaténation mais la création de type </a:t>
-            </a:r>
-            <a:r>
-              <a:rPr lang="fr-FR" sz="2000" b="1" dirty="0">
-                <a:latin typeface="Times New Roman" panose="02020603050405020304" pitchFamily="18" charset="0"/>
-                <a:cs typeface="Times New Roman" panose="02020603050405020304" pitchFamily="18" charset="0"/>
-              </a:rPr>
-              <a:t>tuple</a:t>
-            </a:r>
-            <a:r>
-              <a:rPr lang="fr-FR" sz="2000" dirty="0">
-                <a:latin typeface="Times New Roman" panose="02020603050405020304" pitchFamily="18" charset="0"/>
-                <a:cs typeface="Times New Roman" panose="02020603050405020304" pitchFamily="18" charset="0"/>
-              </a:rPr>
-              <a:t>. Cependant à l’intérieur du </a:t>
-            </a:r>
-            <a:r>
-              <a:rPr lang="fr-FR" sz="2000" b="1" dirty="0" err="1">
-                <a:latin typeface="Times New Roman" panose="02020603050405020304" pitchFamily="18" charset="0"/>
-                <a:cs typeface="Times New Roman" panose="02020603050405020304" pitchFamily="18" charset="0"/>
-              </a:rPr>
-              <a:t>print</a:t>
-            </a:r>
-            <a:r>
-              <a:rPr lang="fr-FR" sz="2000" dirty="0">
-                <a:latin typeface="Times New Roman" panose="02020603050405020304" pitchFamily="18" charset="0"/>
-                <a:cs typeface="Times New Roman" panose="02020603050405020304" pitchFamily="18" charset="0"/>
-              </a:rPr>
-              <a:t> elle mettra un espace entre les éléments concaténés.</a:t>
-            </a:r>
-            <a:endParaRPr lang="fr-FR" sz="2000" b="1" dirty="0">
-              <a:latin typeface="Times New Roman" panose="02020603050405020304" pitchFamily="18" charset="0"/>
-              <a:cs typeface="Times New Roman" panose="02020603050405020304" pitchFamily="18" charset="0"/>
-            </a:endParaRPr>
-          </a:p>
-        </p:txBody>
-      </p:sp>
       <p:pic>
         <p:nvPicPr>
-          <p:cNvPr id="12" name="Image 11">
-            <a:extLst>
-              <a:ext uri="{FF2B5EF4-FFF2-40B4-BE49-F238E27FC236}">
-                <a16:creationId xmlns:a16="http://schemas.microsoft.com/office/drawing/2014/main" id="{851FE18B-F741-5197-B99B-9C70F87CAF19}"/>
+          <p:cNvPr id="7" name="Image 6">
+            <a:extLst>
+              <a:ext uri="{FF2B5EF4-FFF2-40B4-BE49-F238E27FC236}">
+                <a16:creationId xmlns:a16="http://schemas.microsoft.com/office/drawing/2014/main" id="{BD497FDB-2164-8ACF-1CBD-9830461DE97E}"/>
               </a:ext>
             </a:extLst>
           </p:cNvPr>
@@ -10008,8 +10500,8 @@
         </p:blipFill>
         <p:spPr>
           <a:xfrm>
-            <a:off x="1338509" y="4047935"/>
-            <a:ext cx="4622800" cy="2098585"/>
+            <a:off x="500932" y="2172507"/>
+            <a:ext cx="6706985" cy="2197100"/>
           </a:xfrm>
           <a:prstGeom prst="rect">
             <a:avLst/>
@@ -10018,10 +10510,10 @@
       </p:pic>
       <p:pic>
         <p:nvPicPr>
-          <p:cNvPr id="13" name="Image 12">
-            <a:extLst>
-              <a:ext uri="{FF2B5EF4-FFF2-40B4-BE49-F238E27FC236}">
-                <a16:creationId xmlns:a16="http://schemas.microsoft.com/office/drawing/2014/main" id="{9467E91A-E522-AA04-7E0D-E5ECA246948E}"/>
+          <p:cNvPr id="9" name="Image 8">
+            <a:extLst>
+              <a:ext uri="{FF2B5EF4-FFF2-40B4-BE49-F238E27FC236}">
+                <a16:creationId xmlns:a16="http://schemas.microsoft.com/office/drawing/2014/main" id="{1A161601-CBEF-AE54-2C6C-8454D4268DB8}"/>
               </a:ext>
             </a:extLst>
           </p:cNvPr>
@@ -10038,8 +10530,8 @@
         </p:blipFill>
         <p:spPr>
           <a:xfrm>
-            <a:off x="8249240" y="4402646"/>
-            <a:ext cx="2413000" cy="1471444"/>
+            <a:off x="7385012" y="2558187"/>
+            <a:ext cx="4140906" cy="1223325"/>
           </a:xfrm>
           <a:prstGeom prst="rect">
             <a:avLst/>
@@ -10048,10 +10540,76 @@
       </p:pic>
       <p:sp>
         <p:nvSpPr>
+          <p:cNvPr id="10" name="ZoneTexte 9">
+            <a:extLst>
+              <a:ext uri="{FF2B5EF4-FFF2-40B4-BE49-F238E27FC236}">
+                <a16:creationId xmlns:a16="http://schemas.microsoft.com/office/drawing/2014/main" id="{43908BA5-9B3D-38FE-BD6B-72CD24920C8B}"/>
+              </a:ext>
+            </a:extLst>
+          </p:cNvPr>
+          <p:cNvSpPr txBox="1"/>
+          <p:nvPr/>
+        </p:nvSpPr>
+        <p:spPr>
+          <a:xfrm>
+            <a:off x="397564" y="4511490"/>
+            <a:ext cx="11236639" cy="400110"/>
+          </a:xfrm>
+          <a:prstGeom prst="rect">
+            <a:avLst/>
+          </a:prstGeom>
+          <a:noFill/>
+        </p:spPr>
+        <p:txBody>
+          <a:bodyPr wrap="square" rtlCol="0">
+            <a:spAutoFit/>
+          </a:bodyPr>
+          <a:lstStyle/>
+          <a:p>
+            <a:r>
+              <a:rPr lang="fr-FR" sz="2000" dirty="0">
+                <a:latin typeface="Times New Roman" panose="02020603050405020304" pitchFamily="18" charset="0"/>
+                <a:cs typeface="Times New Roman" panose="02020603050405020304" pitchFamily="18" charset="0"/>
+              </a:rPr>
+              <a:t>On pourrait par exemple utiliser </a:t>
+            </a:r>
+            <a:r>
+              <a:rPr lang="fr-FR" sz="2000" b="1" i="1" dirty="0" err="1">
+                <a:latin typeface="Times New Roman" panose="02020603050405020304" pitchFamily="18" charset="0"/>
+                <a:cs typeface="Times New Roman" panose="02020603050405020304" pitchFamily="18" charset="0"/>
+              </a:rPr>
+              <a:t>upper</a:t>
+            </a:r>
+            <a:r>
+              <a:rPr lang="fr-FR" sz="2000" b="1" dirty="0">
+                <a:latin typeface="Times New Roman" panose="02020603050405020304" pitchFamily="18" charset="0"/>
+                <a:cs typeface="Times New Roman" panose="02020603050405020304" pitchFamily="18" charset="0"/>
+              </a:rPr>
+              <a:t>/</a:t>
+            </a:r>
+            <a:r>
+              <a:rPr lang="fr-FR" sz="2000" b="1" i="1" dirty="0" err="1">
+                <a:latin typeface="Times New Roman" panose="02020603050405020304" pitchFamily="18" charset="0"/>
+                <a:cs typeface="Times New Roman" panose="02020603050405020304" pitchFamily="18" charset="0"/>
+              </a:rPr>
+              <a:t>lower</a:t>
+            </a:r>
+            <a:r>
+              <a:rPr lang="fr-FR" sz="2000" dirty="0">
+                <a:latin typeface="Times New Roman" panose="02020603050405020304" pitchFamily="18" charset="0"/>
+                <a:cs typeface="Times New Roman" panose="02020603050405020304" pitchFamily="18" charset="0"/>
+              </a:rPr>
+              <a:t> pour quitter quand l’utilisateur entre Q ou q.</a:t>
+            </a:r>
+          </a:p>
+        </p:txBody>
+      </p:sp>
+      <p:sp>
+        <p:nvSpPr>
           <p:cNvPr id="14" name="Flèche vers la droite 13">
             <a:extLst>
               <a:ext uri="{FF2B5EF4-FFF2-40B4-BE49-F238E27FC236}">
-                <a16:creationId xmlns:a16="http://schemas.microsoft.com/office/drawing/2014/main" id="{F9226937-A979-8493-6463-747BEDF13B44}"/>
+                <a16:creationId xmlns:a16="http://schemas.microsoft.com/office/drawing/2014/main" id="{A951B83B-7E24-CCE4-B7CF-D493E40D18D2}"/>
               </a:ext>
             </a:extLst>
           </p:cNvPr>
@@ -10060,7 +10618,7 @@
         </p:nvSpPr>
         <p:spPr>
           <a:xfrm>
-            <a:off x="6336779" y="4750995"/>
+            <a:off x="5269977" y="5217561"/>
             <a:ext cx="1536991" cy="756458"/>
           </a:xfrm>
           <a:prstGeom prst="rightArrow">
@@ -10093,15 +10651,75 @@
                 <a:latin typeface="Times New Roman" panose="02020603050405020304" pitchFamily="18" charset="0"/>
                 <a:cs typeface="Times New Roman" panose="02020603050405020304" pitchFamily="18" charset="0"/>
               </a:rPr>
-              <a:t>Exécution</a:t>
-            </a:r>
-          </a:p>
-        </p:txBody>
-      </p:sp>
+              <a:t>Equivalent</a:t>
+            </a:r>
+          </a:p>
+        </p:txBody>
+      </p:sp>
+      <p:pic>
+        <p:nvPicPr>
+          <p:cNvPr id="17" name="Image 16">
+            <a:extLst>
+              <a:ext uri="{FF2B5EF4-FFF2-40B4-BE49-F238E27FC236}">
+                <a16:creationId xmlns:a16="http://schemas.microsoft.com/office/drawing/2014/main" id="{0ECCB70D-D5F0-9C9B-C59C-37894BC04803}"/>
+              </a:ext>
+            </a:extLst>
+          </p:cNvPr>
+          <p:cNvPicPr>
+            <a:picLocks noChangeAspect="1"/>
+          </p:cNvPicPr>
+          <p:nvPr/>
+        </p:nvPicPr>
+        <p:blipFill>
+          <a:blip r:embed="rId6"/>
+          <a:stretch>
+            <a:fillRect/>
+          </a:stretch>
+        </p:blipFill>
+        <p:spPr>
+          <a:xfrm>
+            <a:off x="7024103" y="5047246"/>
+            <a:ext cx="4610100" cy="965200"/>
+          </a:xfrm>
+          <a:prstGeom prst="rect">
+            <a:avLst/>
+          </a:prstGeom>
+        </p:spPr>
+      </p:pic>
+      <p:pic>
+        <p:nvPicPr>
+          <p:cNvPr id="18" name="Image 17">
+            <a:extLst>
+              <a:ext uri="{FF2B5EF4-FFF2-40B4-BE49-F238E27FC236}">
+                <a16:creationId xmlns:a16="http://schemas.microsoft.com/office/drawing/2014/main" id="{EDBBFB37-7D1E-A61B-EBAF-30989A8A3C64}"/>
+              </a:ext>
+            </a:extLst>
+          </p:cNvPr>
+          <p:cNvPicPr>
+            <a:picLocks noChangeAspect="1"/>
+          </p:cNvPicPr>
+          <p:nvPr/>
+        </p:nvPicPr>
+        <p:blipFill>
+          <a:blip r:embed="rId7"/>
+          <a:stretch>
+            <a:fillRect/>
+          </a:stretch>
+        </p:blipFill>
+        <p:spPr>
+          <a:xfrm>
+            <a:off x="442743" y="5079640"/>
+            <a:ext cx="4610100" cy="965200"/>
+          </a:xfrm>
+          <a:prstGeom prst="rect">
+            <a:avLst/>
+          </a:prstGeom>
+        </p:spPr>
+      </p:pic>
     </p:spTree>
     <p:extLst>
       <p:ext uri="{BB962C8B-B14F-4D97-AF65-F5344CB8AC3E}">
-        <p14:creationId xmlns:p14="http://schemas.microsoft.com/office/powerpoint/2010/main" val="4214485337"/>
+        <p14:creationId xmlns:p14="http://schemas.microsoft.com/office/powerpoint/2010/main" val="2905913222"/>
       </p:ext>
     </p:extLst>
   </p:cSld>
@@ -10201,7 +10819,7 @@
         <p:spPr>
           <a:xfrm>
             <a:off x="397565" y="218526"/>
-            <a:ext cx="4191060" cy="461665"/>
+            <a:ext cx="4862498" cy="461665"/>
           </a:xfrm>
           <a:prstGeom prst="rect">
             <a:avLst/>
@@ -10215,7 +10833,7 @@
           <a:lstStyle/>
           <a:p>
             <a:r>
-              <a:rPr lang="fr-FR" sz="2400" dirty="0">
+              <a:rPr lang="fr-FR" sz="2400" b="1" dirty="0">
                 <a:latin typeface="Times New Roman" panose="02020603050405020304" pitchFamily="18" charset="0"/>
                 <a:cs typeface="Times New Roman" panose="02020603050405020304" pitchFamily="18" charset="0"/>
               </a:rPr>
@@ -10346,7 +10964,7 @@
                 <a:latin typeface="Times New Roman" panose="02020603050405020304" pitchFamily="18" charset="0"/>
                 <a:cs typeface="Times New Roman" panose="02020603050405020304" pitchFamily="18" charset="0"/>
               </a:rPr>
-              <a:t>L’avantage de ce type de concaténation est qu’on est pas obligé de convertir la variable et elle peut être réalisée de deux façons différentes:</a:t>
+              <a:t>L’avantage de ce type de concaténation est qu’on n'est pas obligé de convertir la variable et elle peut être réalisée de deux façons différentes:</a:t>
             </a:r>
           </a:p>
           <a:p>
@@ -10362,7 +10980,7 @@
               <a:t>Commencer la chaine par un </a:t>
             </a:r>
             <a:r>
-              <a:rPr lang="fr-FR" sz="2000" b="1" dirty="0">
+              <a:rPr lang="fr-FR" sz="2000" b="1" i="1" dirty="0">
                 <a:latin typeface="Times New Roman" panose="02020603050405020304" pitchFamily="18" charset="0"/>
                 <a:cs typeface="Times New Roman" panose="02020603050405020304" pitchFamily="18" charset="0"/>
               </a:rPr>
@@ -10376,7 +10994,7 @@
               <a:t> ou </a:t>
             </a:r>
             <a:r>
-              <a:rPr lang="fr-FR" sz="2000" b="1" dirty="0">
+              <a:rPr lang="fr-FR" sz="2000" b="1" i="1" dirty="0">
                 <a:latin typeface="Times New Roman" panose="02020603050405020304" pitchFamily="18" charset="0"/>
                 <a:cs typeface="Times New Roman" panose="02020603050405020304" pitchFamily="18" charset="0"/>
               </a:rPr>
@@ -10403,39 +11021,46 @@
               <a:t>Utiliser la méthode </a:t>
             </a:r>
             <a:r>
-              <a:rPr lang="fr-FR" sz="2000" b="1" dirty="0" err="1">
+              <a:rPr lang="fr-FR" sz="2000" b="1" i="1" dirty="0" err="1">
                 <a:latin typeface="Times New Roman" panose="02020603050405020304" pitchFamily="18" charset="0"/>
                 <a:cs typeface="Times New Roman" panose="02020603050405020304" pitchFamily="18" charset="0"/>
               </a:rPr>
               <a:t>string</a:t>
             </a:r>
             <a:r>
-              <a:rPr lang="fr-FR" sz="2000" dirty="0" err="1">
+              <a:rPr lang="fr-FR" sz="2000" i="1" dirty="0" err="1">
                 <a:latin typeface="Times New Roman" panose="02020603050405020304" pitchFamily="18" charset="0"/>
                 <a:cs typeface="Times New Roman" panose="02020603050405020304" pitchFamily="18" charset="0"/>
               </a:rPr>
               <a:t>.</a:t>
             </a:r>
             <a:r>
-              <a:rPr lang="fr-FR" sz="2000" b="1" dirty="0" err="1">
+              <a:rPr lang="fr-FR" sz="2000" b="1" i="1" dirty="0" err="1">
                 <a:latin typeface="Times New Roman" panose="02020603050405020304" pitchFamily="18" charset="0"/>
                 <a:cs typeface="Times New Roman" panose="02020603050405020304" pitchFamily="18" charset="0"/>
               </a:rPr>
               <a:t>format</a:t>
             </a:r>
             <a:r>
-              <a:rPr lang="fr-FR" sz="2000" b="1" dirty="0">
+              <a:rPr lang="fr-FR" sz="2000" b="1" i="1" dirty="0">
                 <a:latin typeface="Times New Roman" panose="02020603050405020304" pitchFamily="18" charset="0"/>
                 <a:cs typeface="Times New Roman" panose="02020603050405020304" pitchFamily="18" charset="0"/>
               </a:rPr>
               <a:t>()</a:t>
             </a:r>
             <a:r>
+              <a:rPr lang="fr-FR" sz="2000" i="1" dirty="0">
+                <a:latin typeface="Times New Roman" panose="02020603050405020304" pitchFamily="18" charset="0"/>
+                <a:cs typeface="Times New Roman" panose="02020603050405020304" pitchFamily="18" charset="0"/>
+              </a:rPr>
+              <a:t> </a:t>
+            </a:r>
+            <a:r>
               <a:rPr lang="fr-FR" sz="2000" dirty="0">
                 <a:latin typeface="Times New Roman" panose="02020603050405020304" pitchFamily="18" charset="0"/>
                 <a:cs typeface="Times New Roman" panose="02020603050405020304" pitchFamily="18" charset="0"/>
               </a:rPr>
-              <a:t> en mettant entre accolades {} à l’intérieur de la chaine l’ordre d’affichage des variables qui seront définies dans le format.</a:t>
+              <a:t>en mettant entre accolades {} à l’intérieur de la chaine l’ordre d’affichage des variables qui seront définies dans le format.</a:t>
             </a:r>
           </a:p>
         </p:txBody>
@@ -10719,7 +11344,7 @@
           <a:lstStyle/>
           <a:p>
             <a:r>
-              <a:rPr lang="fr-FR" sz="2400" dirty="0">
+              <a:rPr lang="fr-FR" sz="2400" b="1" dirty="0">
                 <a:latin typeface="Times New Roman" panose="02020603050405020304" pitchFamily="18" charset="0"/>
                 <a:cs typeface="Times New Roman" panose="02020603050405020304" pitchFamily="18" charset="0"/>
               </a:rPr>
@@ -10841,100 +11466,135 @@
               <a:t>Sachant que </a:t>
             </a:r>
             <a:r>
+              <a:rPr lang="fr-FR" sz="2000" b="1" i="1" dirty="0">
+                <a:latin typeface="Times New Roman" panose="02020603050405020304" pitchFamily="18" charset="0"/>
+                <a:cs typeface="Times New Roman" panose="02020603050405020304" pitchFamily="18" charset="0"/>
+              </a:rPr>
+              <a:t>chaine[n]</a:t>
+            </a:r>
+            <a:r>
+              <a:rPr lang="fr-FR" sz="2000" dirty="0">
+                <a:latin typeface="Times New Roman" panose="02020603050405020304" pitchFamily="18" charset="0"/>
+                <a:cs typeface="Times New Roman" panose="02020603050405020304" pitchFamily="18" charset="0"/>
+              </a:rPr>
+              <a:t> permet de renvoyer le </a:t>
+            </a:r>
+            <a:r>
+              <a:rPr lang="fr-FR" sz="2000" dirty="0" err="1">
+                <a:latin typeface="Times New Roman" panose="02020603050405020304" pitchFamily="18" charset="0"/>
+                <a:cs typeface="Times New Roman" panose="02020603050405020304" pitchFamily="18" charset="0"/>
+              </a:rPr>
+              <a:t>n-ième</a:t>
+            </a:r>
+            <a:r>
+              <a:rPr lang="fr-FR" sz="2000" dirty="0">
+                <a:latin typeface="Times New Roman" panose="02020603050405020304" pitchFamily="18" charset="0"/>
+                <a:cs typeface="Times New Roman" panose="02020603050405020304" pitchFamily="18" charset="0"/>
+              </a:rPr>
+              <a:t> caractère de la chaine par exemple </a:t>
+            </a:r>
+            <a:r>
+              <a:rPr lang="fr-FR" sz="2000" b="1" i="1" dirty="0">
+                <a:latin typeface="Times New Roman" panose="02020603050405020304" pitchFamily="18" charset="0"/>
+                <a:cs typeface="Times New Roman" panose="02020603050405020304" pitchFamily="18" charset="0"/>
+              </a:rPr>
+              <a:t>chaine[0]</a:t>
+            </a:r>
+            <a:r>
+              <a:rPr lang="fr-FR" sz="2000" dirty="0">
+                <a:latin typeface="Times New Roman" panose="02020603050405020304" pitchFamily="18" charset="0"/>
+                <a:cs typeface="Times New Roman" panose="02020603050405020304" pitchFamily="18" charset="0"/>
+              </a:rPr>
+              <a:t> renverra le premier caractère de chaine pour </a:t>
+            </a:r>
+            <a:r>
+              <a:rPr lang="fr-FR" sz="2000" i="1" dirty="0">
+                <a:latin typeface="Times New Roman" panose="02020603050405020304" pitchFamily="18" charset="0"/>
+                <a:cs typeface="Times New Roman" panose="02020603050405020304" pitchFamily="18" charset="0"/>
+              </a:rPr>
+              <a:t>nom="Toto", nom[0]</a:t>
+            </a:r>
+            <a:r>
+              <a:rPr lang="fr-FR" sz="2000" dirty="0">
+                <a:latin typeface="Times New Roman" panose="02020603050405020304" pitchFamily="18" charset="0"/>
+                <a:cs typeface="Times New Roman" panose="02020603050405020304" pitchFamily="18" charset="0"/>
+              </a:rPr>
+              <a:t> est </a:t>
+            </a:r>
+            <a:r>
+              <a:rPr lang="fr-FR" sz="2000" dirty="0" err="1">
+                <a:latin typeface="Times New Roman" panose="02020603050405020304" pitchFamily="18" charset="0"/>
+                <a:cs typeface="Times New Roman" panose="02020603050405020304" pitchFamily="18" charset="0"/>
+              </a:rPr>
+              <a:t>T</a:t>
+            </a:r>
+            <a:r>
+              <a:rPr lang="fr-FR" sz="2000" dirty="0">
+                <a:latin typeface="Times New Roman" panose="02020603050405020304" pitchFamily="18" charset="0"/>
+                <a:cs typeface="Times New Roman" panose="02020603050405020304" pitchFamily="18" charset="0"/>
+              </a:rPr>
+              <a:t> et </a:t>
+            </a:r>
+            <a:r>
+              <a:rPr lang="fr-FR" sz="2000" i="1" dirty="0">
+                <a:latin typeface="Times New Roman" panose="02020603050405020304" pitchFamily="18" charset="0"/>
+                <a:cs typeface="Times New Roman" panose="02020603050405020304" pitchFamily="18" charset="0"/>
+              </a:rPr>
+              <a:t>nom[3]</a:t>
+            </a:r>
+            <a:r>
+              <a:rPr lang="fr-FR" sz="2000" dirty="0">
+                <a:latin typeface="Times New Roman" panose="02020603050405020304" pitchFamily="18" charset="0"/>
+                <a:cs typeface="Times New Roman" panose="02020603050405020304" pitchFamily="18" charset="0"/>
+              </a:rPr>
+              <a:t> le dernier « o ».</a:t>
+            </a:r>
+          </a:p>
+          <a:p>
+            <a:r>
+              <a:rPr lang="fr-FR" sz="2000" dirty="0">
+                <a:latin typeface="Times New Roman" panose="02020603050405020304" pitchFamily="18" charset="0"/>
+                <a:cs typeface="Times New Roman" panose="02020603050405020304" pitchFamily="18" charset="0"/>
+              </a:rPr>
+              <a:t>Sachant aussi que </a:t>
+            </a:r>
+            <a:r>
+              <a:rPr lang="fr-FR" sz="2000" b="1" i="1" dirty="0" err="1">
+                <a:latin typeface="Times New Roman" panose="02020603050405020304" pitchFamily="18" charset="0"/>
+                <a:cs typeface="Times New Roman" panose="02020603050405020304" pitchFamily="18" charset="0"/>
+              </a:rPr>
+              <a:t>len</a:t>
+            </a:r>
+            <a:r>
+              <a:rPr lang="fr-FR" sz="2000" b="1" i="1" dirty="0">
+                <a:latin typeface="Times New Roman" panose="02020603050405020304" pitchFamily="18" charset="0"/>
+                <a:cs typeface="Times New Roman" panose="02020603050405020304" pitchFamily="18" charset="0"/>
+              </a:rPr>
+              <a:t>(chaine)</a:t>
+            </a:r>
+            <a:r>
               <a:rPr lang="fr-FR" sz="2000" b="1" dirty="0">
                 <a:latin typeface="Times New Roman" panose="02020603050405020304" pitchFamily="18" charset="0"/>
                 <a:cs typeface="Times New Roman" panose="02020603050405020304" pitchFamily="18" charset="0"/>
               </a:rPr>
-              <a:t>chaine[n]</a:t>
+              <a:t> </a:t>
             </a:r>
             <a:r>
               <a:rPr lang="fr-FR" sz="2000" dirty="0">
                 <a:latin typeface="Times New Roman" panose="02020603050405020304" pitchFamily="18" charset="0"/>
                 <a:cs typeface="Times New Roman" panose="02020603050405020304" pitchFamily="18" charset="0"/>
               </a:rPr>
-              <a:t> permet de renvoyer le </a:t>
-            </a:r>
-            <a:r>
-              <a:rPr lang="fr-FR" sz="2000" dirty="0" err="1">
-                <a:latin typeface="Times New Roman" panose="02020603050405020304" pitchFamily="18" charset="0"/>
-                <a:cs typeface="Times New Roman" panose="02020603050405020304" pitchFamily="18" charset="0"/>
-              </a:rPr>
-              <a:t>n-ième</a:t>
-            </a:r>
-            <a:r>
-              <a:rPr lang="fr-FR" sz="2000" dirty="0">
-                <a:latin typeface="Times New Roman" panose="02020603050405020304" pitchFamily="18" charset="0"/>
-                <a:cs typeface="Times New Roman" panose="02020603050405020304" pitchFamily="18" charset="0"/>
-              </a:rPr>
-              <a:t> caractère de la chaine par exemple </a:t>
-            </a:r>
-            <a:r>
-              <a:rPr lang="fr-FR" sz="2000" b="1" dirty="0">
-                <a:latin typeface="Times New Roman" panose="02020603050405020304" pitchFamily="18" charset="0"/>
-                <a:cs typeface="Times New Roman" panose="02020603050405020304" pitchFamily="18" charset="0"/>
-              </a:rPr>
-              <a:t>chaine[0]</a:t>
-            </a:r>
-            <a:r>
-              <a:rPr lang="fr-FR" sz="2000" dirty="0">
-                <a:latin typeface="Times New Roman" panose="02020603050405020304" pitchFamily="18" charset="0"/>
-                <a:cs typeface="Times New Roman" panose="02020603050405020304" pitchFamily="18" charset="0"/>
-              </a:rPr>
-              <a:t> renverra le premier caractère de chaine pour nom="Toto", nom[0] est </a:t>
-            </a:r>
-            <a:r>
-              <a:rPr lang="fr-FR" sz="2000" dirty="0" err="1">
-                <a:latin typeface="Times New Roman" panose="02020603050405020304" pitchFamily="18" charset="0"/>
-                <a:cs typeface="Times New Roman" panose="02020603050405020304" pitchFamily="18" charset="0"/>
-              </a:rPr>
-              <a:t>T</a:t>
-            </a:r>
-            <a:r>
-              <a:rPr lang="fr-FR" sz="2000" dirty="0">
-                <a:latin typeface="Times New Roman" panose="02020603050405020304" pitchFamily="18" charset="0"/>
-                <a:cs typeface="Times New Roman" panose="02020603050405020304" pitchFamily="18" charset="0"/>
-              </a:rPr>
-              <a:t> et nom[3] le dernier « o ».</a:t>
-            </a:r>
-          </a:p>
-          <a:p>
-            <a:r>
-              <a:rPr lang="fr-FR" sz="2000" dirty="0">
-                <a:latin typeface="Times New Roman" panose="02020603050405020304" pitchFamily="18" charset="0"/>
-                <a:cs typeface="Times New Roman" panose="02020603050405020304" pitchFamily="18" charset="0"/>
-              </a:rPr>
-              <a:t>Sachant aussi que </a:t>
-            </a:r>
-            <a:r>
-              <a:rPr lang="fr-FR" sz="2000" b="1" dirty="0" err="1">
+              <a:t>renvoie la taille d’une chaine exemple </a:t>
+            </a:r>
+            <a:r>
+              <a:rPr lang="fr-FR" sz="2000" b="1" i="1" dirty="0" err="1">
                 <a:latin typeface="Times New Roman" panose="02020603050405020304" pitchFamily="18" charset="0"/>
                 <a:cs typeface="Times New Roman" panose="02020603050405020304" pitchFamily="18" charset="0"/>
               </a:rPr>
               <a:t>len</a:t>
             </a:r>
             <a:r>
-              <a:rPr lang="fr-FR" sz="2000" b="1" dirty="0">
-                <a:latin typeface="Times New Roman" panose="02020603050405020304" pitchFamily="18" charset="0"/>
-                <a:cs typeface="Times New Roman" panose="02020603050405020304" pitchFamily="18" charset="0"/>
-              </a:rPr>
-              <a:t>(chaine) </a:t>
-            </a:r>
-            <a:r>
-              <a:rPr lang="fr-FR" sz="2000" dirty="0">
-                <a:latin typeface="Times New Roman" panose="02020603050405020304" pitchFamily="18" charset="0"/>
-                <a:cs typeface="Times New Roman" panose="02020603050405020304" pitchFamily="18" charset="0"/>
-              </a:rPr>
-              <a:t>renvoie la taille d’une chaine exemple </a:t>
-            </a:r>
-            <a:r>
-              <a:rPr lang="fr-FR" sz="2000" b="1" dirty="0" err="1">
-                <a:latin typeface="Times New Roman" panose="02020603050405020304" pitchFamily="18" charset="0"/>
-                <a:cs typeface="Times New Roman" panose="02020603050405020304" pitchFamily="18" charset="0"/>
-              </a:rPr>
-              <a:t>len</a:t>
-            </a:r>
-            <a:r>
-              <a:rPr lang="fr-FR" sz="2000" b="1" dirty="0">
+              <a:rPr lang="fr-FR" sz="2000" b="1" i="1" dirty="0">
                 <a:latin typeface="Times New Roman" panose="02020603050405020304" pitchFamily="18" charset="0"/>
                 <a:cs typeface="Times New Roman" panose="02020603050405020304" pitchFamily="18" charset="0"/>
               </a:rPr>
@@ -10986,7 +11646,7 @@
               <a:t>Ecrire un programme python équivalent à  celui-ci en utilisant cette fois-ci la boucle </a:t>
             </a:r>
             <a:r>
-              <a:rPr lang="fr-FR" sz="2000" b="1" dirty="0" err="1">
+              <a:rPr lang="fr-FR" sz="2000" b="1" i="1" dirty="0" err="1">
                 <a:latin typeface="Times New Roman" panose="02020603050405020304" pitchFamily="18" charset="0"/>
                 <a:cs typeface="Times New Roman" panose="02020603050405020304" pitchFamily="18" charset="0"/>
               </a:rPr>
@@ -11273,7 +11933,7 @@
           <a:lstStyle/>
           <a:p>
             <a:r>
-              <a:rPr lang="fr-FR" sz="2400" dirty="0">
+              <a:rPr lang="fr-FR" sz="2400" b="1" dirty="0">
                 <a:latin typeface="Times New Roman" panose="02020603050405020304" pitchFamily="18" charset="0"/>
                 <a:cs typeface="Times New Roman" panose="02020603050405020304" pitchFamily="18" charset="0"/>
               </a:rPr>
@@ -11395,7 +12055,7 @@
               <a:t>Sachant que </a:t>
             </a:r>
             <a:r>
-              <a:rPr lang="fr-FR" sz="2000" b="1" dirty="0">
+              <a:rPr lang="fr-FR" sz="2000" b="1" i="1" dirty="0">
                 <a:latin typeface="Times New Roman" panose="02020603050405020304" pitchFamily="18" charset="0"/>
                 <a:cs typeface="Times New Roman" panose="02020603050405020304" pitchFamily="18" charset="0"/>
               </a:rPr>
@@ -11423,7 +12083,7 @@
               <a:t> caractère de la chaine par exemple </a:t>
             </a:r>
             <a:r>
-              <a:rPr lang="fr-FR" sz="2000" b="1" dirty="0">
+              <a:rPr lang="fr-FR" sz="2000" b="1" i="1" dirty="0">
                 <a:latin typeface="Times New Roman" panose="02020603050405020304" pitchFamily="18" charset="0"/>
                 <a:cs typeface="Times New Roman" panose="02020603050405020304" pitchFamily="18" charset="0"/>
               </a:rPr>
@@ -11434,40 +12094,54 @@
                 <a:latin typeface="Times New Roman" panose="02020603050405020304" pitchFamily="18" charset="0"/>
                 <a:cs typeface="Times New Roman" panose="02020603050405020304" pitchFamily="18" charset="0"/>
               </a:rPr>
-              <a:t> renverra le premier caractère de chaine pour nom="Toto", nom[0] est </a:t>
-            </a:r>
-            <a:r>
-              <a:rPr lang="fr-FR" sz="2000" dirty="0" err="1">
-                <a:latin typeface="Times New Roman" panose="02020603050405020304" pitchFamily="18" charset="0"/>
-                <a:cs typeface="Times New Roman" panose="02020603050405020304" pitchFamily="18" charset="0"/>
-              </a:rPr>
-              <a:t>T</a:t>
+              <a:t> renverra le premier caractère de chaine pour </a:t>
+            </a:r>
+            <a:r>
+              <a:rPr lang="fr-FR" sz="2000" i="1" dirty="0">
+                <a:latin typeface="Times New Roman" panose="02020603050405020304" pitchFamily="18" charset="0"/>
+                <a:cs typeface="Times New Roman" panose="02020603050405020304" pitchFamily="18" charset="0"/>
+              </a:rPr>
+              <a:t>nom="Toto", nom[0]</a:t>
             </a:r>
             <a:r>
               <a:rPr lang="fr-FR" sz="2000" dirty="0">
                 <a:latin typeface="Times New Roman" panose="02020603050405020304" pitchFamily="18" charset="0"/>
                 <a:cs typeface="Times New Roman" panose="02020603050405020304" pitchFamily="18" charset="0"/>
               </a:rPr>
-              <a:t> et nom[3] le dernier « o ».</a:t>
-            </a:r>
-          </a:p>
-          <a:p>
+              <a:t> est T et </a:t>
+            </a:r>
+            <a:r>
+              <a:rPr lang="fr-FR" sz="2000" i="1" dirty="0">
+                <a:latin typeface="Times New Roman" panose="02020603050405020304" pitchFamily="18" charset="0"/>
+                <a:cs typeface="Times New Roman" panose="02020603050405020304" pitchFamily="18" charset="0"/>
+              </a:rPr>
+              <a:t>nom[3]</a:t>
+            </a:r>
             <a:r>
               <a:rPr lang="fr-FR" sz="2000" dirty="0">
                 <a:latin typeface="Times New Roman" panose="02020603050405020304" pitchFamily="18" charset="0"/>
                 <a:cs typeface="Times New Roman" panose="02020603050405020304" pitchFamily="18" charset="0"/>
               </a:rPr>
+              <a:t> le dernier « o ».</a:t>
+            </a:r>
+          </a:p>
+          <a:p>
+            <a:r>
+              <a:rPr lang="fr-FR" sz="2000" dirty="0">
+                <a:latin typeface="Times New Roman" panose="02020603050405020304" pitchFamily="18" charset="0"/>
+                <a:cs typeface="Times New Roman" panose="02020603050405020304" pitchFamily="18" charset="0"/>
+              </a:rPr>
               <a:t>Sachant aussi que </a:t>
             </a:r>
             <a:r>
-              <a:rPr lang="fr-FR" sz="2000" b="1" dirty="0" err="1">
+              <a:rPr lang="fr-FR" sz="2000" b="1" i="1" dirty="0" err="1">
                 <a:latin typeface="Times New Roman" panose="02020603050405020304" pitchFamily="18" charset="0"/>
                 <a:cs typeface="Times New Roman" panose="02020603050405020304" pitchFamily="18" charset="0"/>
               </a:rPr>
               <a:t>len</a:t>
             </a:r>
             <a:r>
-              <a:rPr lang="fr-FR" sz="2000" b="1" dirty="0">
+              <a:rPr lang="fr-FR" sz="2000" b="1" i="1" dirty="0">
                 <a:latin typeface="Times New Roman" panose="02020603050405020304" pitchFamily="18" charset="0"/>
                 <a:cs typeface="Times New Roman" panose="02020603050405020304" pitchFamily="18" charset="0"/>
               </a:rPr>
@@ -11481,14 +12155,14 @@
               <a:t>renvoie la taille d’une chaine exemple </a:t>
             </a:r>
             <a:r>
-              <a:rPr lang="fr-FR" sz="2000" b="1" dirty="0" err="1">
+              <a:rPr lang="fr-FR" sz="2000" b="1" i="1" dirty="0" err="1">
                 <a:latin typeface="Times New Roman" panose="02020603050405020304" pitchFamily="18" charset="0"/>
                 <a:cs typeface="Times New Roman" panose="02020603050405020304" pitchFamily="18" charset="0"/>
               </a:rPr>
               <a:t>len</a:t>
             </a:r>
             <a:r>
-              <a:rPr lang="fr-FR" sz="2000" b="1" dirty="0">
+              <a:rPr lang="fr-FR" sz="2000" b="1" i="1" dirty="0">
                 <a:latin typeface="Times New Roman" panose="02020603050405020304" pitchFamily="18" charset="0"/>
                 <a:cs typeface="Times New Roman" panose="02020603050405020304" pitchFamily="18" charset="0"/>
               </a:rPr>
@@ -11499,7 +12173,14 @@
                 <a:latin typeface="Times New Roman" panose="02020603050405020304" pitchFamily="18" charset="0"/>
                 <a:cs typeface="Times New Roman" panose="02020603050405020304" pitchFamily="18" charset="0"/>
               </a:rPr>
-              <a:t>renverra 4 si nom="Toto".</a:t>
+              <a:t>renverra 4 si </a:t>
+            </a:r>
+            <a:r>
+              <a:rPr lang="fr-FR" sz="2000" i="1" dirty="0">
+                <a:latin typeface="Times New Roman" panose="02020603050405020304" pitchFamily="18" charset="0"/>
+                <a:cs typeface="Times New Roman" panose="02020603050405020304" pitchFamily="18" charset="0"/>
+              </a:rPr>
+              <a:t>nom="Toto".</a:t>
             </a:r>
           </a:p>
         </p:txBody>
@@ -11570,7 +12251,7 @@
               <a:t>Ecrire un programme python équivalent à  celui-ci en utilisant cette fois-ci la boucle </a:t>
             </a:r>
             <a:r>
-              <a:rPr lang="fr-FR" sz="2000" b="1" dirty="0" err="1">
+              <a:rPr lang="fr-FR" sz="2000" b="1" i="1" dirty="0" err="1">
                 <a:latin typeface="Times New Roman" panose="02020603050405020304" pitchFamily="18" charset="0"/>
                 <a:cs typeface="Times New Roman" panose="02020603050405020304" pitchFamily="18" charset="0"/>
               </a:rPr>
@@ -11827,7 +12508,7 @@
           <a:lstStyle/>
           <a:p>
             <a:r>
-              <a:rPr lang="fr-FR" sz="2400" dirty="0">
+              <a:rPr lang="fr-FR" sz="2400" b="1" dirty="0">
                 <a:latin typeface="Times New Roman" panose="02020603050405020304" pitchFamily="18" charset="0"/>
                 <a:cs typeface="Times New Roman" panose="02020603050405020304" pitchFamily="18" charset="0"/>
               </a:rPr>
@@ -12296,7 +12977,7 @@
           <a:lstStyle/>
           <a:p>
             <a:r>
-              <a:rPr lang="fr-FR" sz="2400" dirty="0">
+              <a:rPr lang="fr-FR" sz="2400" b="1" dirty="0">
                 <a:latin typeface="Times New Roman" panose="02020603050405020304" pitchFamily="18" charset="0"/>
                 <a:cs typeface="Times New Roman" panose="02020603050405020304" pitchFamily="18" charset="0"/>
               </a:rPr>
@@ -12567,21 +13248,7 @@
                 <a:latin typeface="Times New Roman" panose="02020603050405020304" pitchFamily="18" charset="0"/>
                 <a:cs typeface="Times New Roman" panose="02020603050405020304" pitchFamily="18" charset="0"/>
               </a:rPr>
-              <a:t>Soit un utilisateur de nom d’utilisateur </a:t>
-            </a:r>
-            <a:r>
-              <a:rPr lang="fr-FR" sz="2000" dirty="0" err="1">
-                <a:latin typeface="Times New Roman" panose="02020603050405020304" pitchFamily="18" charset="0"/>
-                <a:cs typeface="Times New Roman" panose="02020603050405020304" pitchFamily="18" charset="0"/>
-              </a:rPr>
-              <a:t>christophe</a:t>
-            </a:r>
-            <a:r>
-              <a:rPr lang="fr-FR" sz="2000" dirty="0">
-                <a:latin typeface="Times New Roman" panose="02020603050405020304" pitchFamily="18" charset="0"/>
-                <a:cs typeface="Times New Roman" panose="02020603050405020304" pitchFamily="18" charset="0"/>
-              </a:rPr>
-              <a:t> et mot de passe chris1234. Ecrire un programme qui va demander le nom d’utilisateur et le mot de passe tant que le nom d’utilisateur et mot de passe sont incorrects. Sinon Afficher « Bienvenue Christophe ». </a:t>
+              <a:t>Soit un utilisateur de nom d’utilisateur Christophe et mot de passe chris1234. Ecrire un programme qui va demander le nom d’utilisateur et le mot de passe tant que le nom d’utilisateur et mot de passe sont incorrects. Sinon Afficher « Bienvenue Christophe ». </a:t>
             </a:r>
           </a:p>
         </p:txBody>
@@ -12780,7 +13447,7 @@
           <a:lstStyle/>
           <a:p>
             <a:r>
-              <a:rPr lang="fr-FR" sz="2800" dirty="0">
+              <a:rPr lang="fr-FR" sz="2800" b="1" dirty="0">
                 <a:latin typeface="Times New Roman" panose="02020603050405020304" pitchFamily="18" charset="0"/>
                 <a:cs typeface="Times New Roman" panose="02020603050405020304" pitchFamily="18" charset="0"/>
               </a:rPr>
@@ -12803,8 +13470,8 @@
         </p:nvSpPr>
         <p:spPr>
           <a:xfrm>
-            <a:off x="397565" y="741747"/>
-            <a:ext cx="9192515" cy="5632311"/>
+            <a:off x="316083" y="618636"/>
+            <a:ext cx="9192515" cy="5693866"/>
           </a:xfrm>
           <a:prstGeom prst="rect">
             <a:avLst/>
@@ -12822,14 +13489,14 @@
               <a:buAutoNum type="arabicPeriod"/>
             </a:pPr>
             <a:r>
-              <a:rPr lang="fr-FR" sz="2400" dirty="0">
+              <a:rPr lang="fr-FR" sz="2800" dirty="0">
                 <a:latin typeface="Times New Roman" panose="02020603050405020304" pitchFamily="18" charset="0"/>
                 <a:cs typeface="Times New Roman" panose="02020603050405020304" pitchFamily="18" charset="0"/>
                 <a:hlinkClick r:id="rId2" action="ppaction://hlinksldjump"/>
               </a:rPr>
               <a:t>Introduction</a:t>
             </a:r>
-            <a:endParaRPr lang="fr-FR" sz="2400" dirty="0">
+            <a:endParaRPr lang="fr-FR" sz="2800" dirty="0">
               <a:latin typeface="Times New Roman" panose="02020603050405020304" pitchFamily="18" charset="0"/>
               <a:cs typeface="Times New Roman" panose="02020603050405020304" pitchFamily="18" charset="0"/>
             </a:endParaRPr>
@@ -12840,14 +13507,14 @@
               <a:buAutoNum type="arabicPeriod"/>
             </a:pPr>
             <a:r>
-              <a:rPr lang="fr-FR" sz="2400" dirty="0">
+              <a:rPr lang="fr-FR" sz="2800" dirty="0">
                 <a:latin typeface="Times New Roman" panose="02020603050405020304" pitchFamily="18" charset="0"/>
                 <a:cs typeface="Times New Roman" panose="02020603050405020304" pitchFamily="18" charset="0"/>
                 <a:hlinkClick r:id="rId3" action="ppaction://hlinksldjump"/>
               </a:rPr>
               <a:t>Les types de boucles</a:t>
             </a:r>
-            <a:endParaRPr lang="fr-FR" sz="2400" dirty="0">
+            <a:endParaRPr lang="fr-FR" sz="2800" dirty="0">
               <a:latin typeface="Times New Roman" panose="02020603050405020304" pitchFamily="18" charset="0"/>
               <a:cs typeface="Times New Roman" panose="02020603050405020304" pitchFamily="18" charset="0"/>
             </a:endParaRPr>
@@ -12858,14 +13525,22 @@
               <a:buAutoNum type="arabicPeriod"/>
             </a:pPr>
             <a:r>
-              <a:rPr lang="fr-FR" sz="2400" dirty="0">
+              <a:rPr lang="fr-FR" sz="2800" dirty="0">
                 <a:latin typeface="Times New Roman" panose="02020603050405020304" pitchFamily="18" charset="0"/>
                 <a:cs typeface="Times New Roman" panose="02020603050405020304" pitchFamily="18" charset="0"/>
                 <a:hlinkClick r:id="rId4" action="ppaction://hlinksldjump"/>
               </a:rPr>
-              <a:t>La boucle while</a:t>
-            </a:r>
-            <a:endParaRPr lang="fr-FR" sz="2400" dirty="0">
+              <a:t>La boucle </a:t>
+            </a:r>
+            <a:r>
+              <a:rPr lang="fr-FR" sz="2800" i="1" dirty="0">
+                <a:latin typeface="Times New Roman" panose="02020603050405020304" pitchFamily="18" charset="0"/>
+                <a:cs typeface="Times New Roman" panose="02020603050405020304" pitchFamily="18" charset="0"/>
+                <a:hlinkClick r:id="rId4" action="ppaction://hlinksldjump"/>
+              </a:rPr>
+              <a:t>while</a:t>
+            </a:r>
+            <a:endParaRPr lang="fr-FR" sz="2800" i="1" dirty="0">
               <a:latin typeface="Times New Roman" panose="02020603050405020304" pitchFamily="18" charset="0"/>
               <a:cs typeface="Times New Roman" panose="02020603050405020304" pitchFamily="18" charset="0"/>
             </a:endParaRPr>
@@ -12876,22 +13551,22 @@
               <a:buAutoNum type="arabicPeriod"/>
             </a:pPr>
             <a:r>
-              <a:rPr lang="fr-FR" sz="2400" dirty="0">
+              <a:rPr lang="fr-FR" sz="2800" dirty="0">
                 <a:latin typeface="Times New Roman" panose="02020603050405020304" pitchFamily="18" charset="0"/>
                 <a:cs typeface="Times New Roman" panose="02020603050405020304" pitchFamily="18" charset="0"/>
                 <a:hlinkClick r:id="rId5" action="ppaction://hlinksldjump"/>
               </a:rPr>
-              <a:t>Abus de l</a:t>
-            </a:r>
-            <a:r>
-              <a:rPr lang="fr-FR" sz="2400" dirty="0">
+              <a:t>Abus de la boucle </a:t>
+            </a:r>
+            <a:r>
+              <a:rPr lang="fr-FR" sz="2800" i="1" dirty="0">
                 <a:latin typeface="Times New Roman" panose="02020603050405020304" pitchFamily="18" charset="0"/>
                 <a:cs typeface="Times New Roman" panose="02020603050405020304" pitchFamily="18" charset="0"/>
                 <a:hlinkClick r:id="rId5" action="ppaction://hlinksldjump"/>
               </a:rPr>
-              <a:t>a boucle while</a:t>
-            </a:r>
-            <a:endParaRPr lang="fr-FR" sz="2400" dirty="0">
+              <a:t>while</a:t>
+            </a:r>
+            <a:endParaRPr lang="fr-FR" sz="2800" i="1" dirty="0">
               <a:latin typeface="Times New Roman" panose="02020603050405020304" pitchFamily="18" charset="0"/>
               <a:cs typeface="Times New Roman" panose="02020603050405020304" pitchFamily="18" charset="0"/>
             </a:endParaRPr>
@@ -12902,14 +13577,22 @@
               <a:buAutoNum type="arabicPeriod"/>
             </a:pPr>
             <a:r>
-              <a:rPr lang="fr-FR" sz="2400" dirty="0">
+              <a:rPr lang="fr-FR" sz="2800" dirty="0">
                 <a:latin typeface="Times New Roman" panose="02020603050405020304" pitchFamily="18" charset="0"/>
                 <a:cs typeface="Times New Roman" panose="02020603050405020304" pitchFamily="18" charset="0"/>
                 <a:hlinkClick r:id="rId6" action="ppaction://hlinksldjump"/>
               </a:rPr>
-              <a:t>La boucle for</a:t>
-            </a:r>
-            <a:endParaRPr lang="fr-FR" sz="2400" dirty="0">
+              <a:t>La boucle </a:t>
+            </a:r>
+            <a:r>
+              <a:rPr lang="fr-FR" sz="2800" i="1" dirty="0">
+                <a:latin typeface="Times New Roman" panose="02020603050405020304" pitchFamily="18" charset="0"/>
+                <a:cs typeface="Times New Roman" panose="02020603050405020304" pitchFamily="18" charset="0"/>
+                <a:hlinkClick r:id="rId6" action="ppaction://hlinksldjump"/>
+              </a:rPr>
+              <a:t>for</a:t>
+            </a:r>
+            <a:endParaRPr lang="fr-FR" sz="2800" i="1" dirty="0">
               <a:latin typeface="Times New Roman" panose="02020603050405020304" pitchFamily="18" charset="0"/>
               <a:cs typeface="Times New Roman" panose="02020603050405020304" pitchFamily="18" charset="0"/>
             </a:endParaRPr>
@@ -12920,14 +13603,22 @@
               <a:buAutoNum type="arabicPeriod"/>
             </a:pPr>
             <a:r>
-              <a:rPr lang="fr-FR" sz="2400" dirty="0">
+              <a:rPr lang="fr-FR" sz="2800" dirty="0">
                 <a:latin typeface="Times New Roman" panose="02020603050405020304" pitchFamily="18" charset="0"/>
                 <a:cs typeface="Times New Roman" panose="02020603050405020304" pitchFamily="18" charset="0"/>
                 <a:hlinkClick r:id="rId7" action="ppaction://hlinksldjump"/>
               </a:rPr>
-              <a:t>L’instruction range</a:t>
-            </a:r>
-            <a:endParaRPr lang="fr-FR" sz="2400" dirty="0">
+              <a:t>L’instruction </a:t>
+            </a:r>
+            <a:r>
+              <a:rPr lang="fr-FR" sz="2800" i="1" dirty="0">
+                <a:latin typeface="Times New Roman" panose="02020603050405020304" pitchFamily="18" charset="0"/>
+                <a:cs typeface="Times New Roman" panose="02020603050405020304" pitchFamily="18" charset="0"/>
+                <a:hlinkClick r:id="rId7" action="ppaction://hlinksldjump"/>
+              </a:rPr>
+              <a:t>range</a:t>
+            </a:r>
+            <a:endParaRPr lang="fr-FR" sz="2800" i="1" dirty="0">
               <a:latin typeface="Times New Roman" panose="02020603050405020304" pitchFamily="18" charset="0"/>
               <a:cs typeface="Times New Roman" panose="02020603050405020304" pitchFamily="18" charset="0"/>
             </a:endParaRPr>
@@ -12938,14 +13629,38 @@
               <a:buAutoNum type="arabicPeriod"/>
             </a:pPr>
             <a:r>
-              <a:rPr lang="fr-FR" sz="2400" dirty="0">
+              <a:rPr lang="fr-FR" sz="2800" dirty="0">
                 <a:latin typeface="Times New Roman" panose="02020603050405020304" pitchFamily="18" charset="0"/>
                 <a:cs typeface="Times New Roman" panose="02020603050405020304" pitchFamily="18" charset="0"/>
                 <a:hlinkClick r:id="rId8" action="ppaction://hlinksldjump"/>
               </a:rPr>
-              <a:t>Boucle for avec range</a:t>
-            </a:r>
-            <a:endParaRPr lang="fr-FR" sz="2400" dirty="0">
+              <a:t>Boucle </a:t>
+            </a:r>
+            <a:r>
+              <a:rPr lang="fr-FR" sz="2800" i="1" dirty="0">
+                <a:latin typeface="Times New Roman" panose="02020603050405020304" pitchFamily="18" charset="0"/>
+                <a:cs typeface="Times New Roman" panose="02020603050405020304" pitchFamily="18" charset="0"/>
+                <a:hlinkClick r:id="rId8" action="ppaction://hlinksldjump"/>
+              </a:rPr>
+              <a:t>for</a:t>
+            </a:r>
+            <a:r>
+              <a:rPr lang="fr-FR" sz="2800" dirty="0">
+                <a:latin typeface="Times New Roman" panose="02020603050405020304" pitchFamily="18" charset="0"/>
+                <a:cs typeface="Times New Roman" panose="02020603050405020304" pitchFamily="18" charset="0"/>
+                <a:hlinkClick r:id="rId8" action="ppaction://hlinksldjump"/>
+              </a:rPr>
+              <a:t> avec </a:t>
+            </a:r>
+            <a:r>
+              <a:rPr lang="fr-FR" sz="2800" i="1" dirty="0">
+                <a:latin typeface="Times New Roman" panose="02020603050405020304" pitchFamily="18" charset="0"/>
+                <a:cs typeface="Times New Roman" panose="02020603050405020304" pitchFamily="18" charset="0"/>
+                <a:hlinkClick r:id="rId8" action="ppaction://hlinksldjump"/>
+              </a:rPr>
+              <a:t>range</a:t>
+            </a:r>
+            <a:endParaRPr lang="fr-FR" sz="2800" i="1" dirty="0">
               <a:latin typeface="Times New Roman" panose="02020603050405020304" pitchFamily="18" charset="0"/>
               <a:cs typeface="Times New Roman" panose="02020603050405020304" pitchFamily="18" charset="0"/>
             </a:endParaRPr>
@@ -12956,14 +13671,22 @@
               <a:buAutoNum type="arabicPeriod"/>
             </a:pPr>
             <a:r>
-              <a:rPr lang="fr-FR" sz="2400" dirty="0">
+              <a:rPr lang="fr-FR" sz="2800" dirty="0">
                 <a:latin typeface="Times New Roman" panose="02020603050405020304" pitchFamily="18" charset="0"/>
                 <a:cs typeface="Times New Roman" panose="02020603050405020304" pitchFamily="18" charset="0"/>
                 <a:hlinkClick r:id="rId9" action="ppaction://hlinksldjump"/>
               </a:rPr>
-              <a:t>L’instruction continue</a:t>
-            </a:r>
-            <a:endParaRPr lang="fr-FR" sz="2400" dirty="0">
+              <a:t>L’instruction </a:t>
+            </a:r>
+            <a:r>
+              <a:rPr lang="fr-FR" sz="2800" i="1" dirty="0">
+                <a:latin typeface="Times New Roman" panose="02020603050405020304" pitchFamily="18" charset="0"/>
+                <a:cs typeface="Times New Roman" panose="02020603050405020304" pitchFamily="18" charset="0"/>
+                <a:hlinkClick r:id="rId9" action="ppaction://hlinksldjump"/>
+              </a:rPr>
+              <a:t>continue</a:t>
+            </a:r>
+            <a:endParaRPr lang="fr-FR" sz="2800" i="1" dirty="0">
               <a:latin typeface="Times New Roman" panose="02020603050405020304" pitchFamily="18" charset="0"/>
               <a:cs typeface="Times New Roman" panose="02020603050405020304" pitchFamily="18" charset="0"/>
             </a:endParaRPr>
@@ -12974,14 +13697,22 @@
               <a:buAutoNum type="arabicPeriod"/>
             </a:pPr>
             <a:r>
-              <a:rPr lang="fr-FR" sz="2400" dirty="0">
+              <a:rPr lang="fr-FR" sz="2800" dirty="0">
                 <a:latin typeface="Times New Roman" panose="02020603050405020304" pitchFamily="18" charset="0"/>
                 <a:cs typeface="Times New Roman" panose="02020603050405020304" pitchFamily="18" charset="0"/>
                 <a:hlinkClick r:id="rId10" action="ppaction://hlinksldjump"/>
               </a:rPr>
-              <a:t>L’instruction break</a:t>
-            </a:r>
-            <a:endParaRPr lang="fr-FR" sz="2400" dirty="0">
+              <a:t>L’instruction </a:t>
+            </a:r>
+            <a:r>
+              <a:rPr lang="fr-FR" sz="2800" i="1" dirty="0">
+                <a:latin typeface="Times New Roman" panose="02020603050405020304" pitchFamily="18" charset="0"/>
+                <a:cs typeface="Times New Roman" panose="02020603050405020304" pitchFamily="18" charset="0"/>
+                <a:hlinkClick r:id="rId10" action="ppaction://hlinksldjump"/>
+              </a:rPr>
+              <a:t>break</a:t>
+            </a:r>
+            <a:endParaRPr lang="fr-FR" sz="2800" i="1" dirty="0">
               <a:latin typeface="Times New Roman" panose="02020603050405020304" pitchFamily="18" charset="0"/>
               <a:cs typeface="Times New Roman" panose="02020603050405020304" pitchFamily="18" charset="0"/>
             </a:endParaRPr>
@@ -12992,14 +13723,22 @@
               <a:buAutoNum type="arabicPeriod"/>
             </a:pPr>
             <a:r>
-              <a:rPr lang="fr-FR" sz="2400" dirty="0">
+              <a:rPr lang="fr-FR" sz="2800" dirty="0">
                 <a:latin typeface="Times New Roman" panose="02020603050405020304" pitchFamily="18" charset="0"/>
                 <a:cs typeface="Times New Roman" panose="02020603050405020304" pitchFamily="18" charset="0"/>
                 <a:hlinkClick r:id="rId11" action="ppaction://hlinksldjump"/>
               </a:rPr>
-              <a:t>Instructions upper/lower</a:t>
-            </a:r>
-            <a:endParaRPr lang="fr-FR" sz="2400" dirty="0">
+              <a:t>Instructions </a:t>
+            </a:r>
+            <a:r>
+              <a:rPr lang="fr-FR" sz="2800" i="1" dirty="0">
+                <a:latin typeface="Times New Roman" panose="02020603050405020304" pitchFamily="18" charset="0"/>
+                <a:cs typeface="Times New Roman" panose="02020603050405020304" pitchFamily="18" charset="0"/>
+                <a:hlinkClick r:id="rId11" action="ppaction://hlinksldjump"/>
+              </a:rPr>
+              <a:t>upper/lower</a:t>
+            </a:r>
+            <a:endParaRPr lang="fr-FR" sz="2800" i="1" dirty="0">
               <a:latin typeface="Times New Roman" panose="02020603050405020304" pitchFamily="18" charset="0"/>
               <a:cs typeface="Times New Roman" panose="02020603050405020304" pitchFamily="18" charset="0"/>
             </a:endParaRPr>
@@ -13010,14 +13749,14 @@
               <a:buAutoNum type="arabicPeriod"/>
             </a:pPr>
             <a:r>
-              <a:rPr lang="fr-FR" sz="2400" dirty="0">
+              <a:rPr lang="fr-FR" sz="2800" dirty="0">
                 <a:latin typeface="Times New Roman" panose="02020603050405020304" pitchFamily="18" charset="0"/>
                 <a:cs typeface="Times New Roman" panose="02020603050405020304" pitchFamily="18" charset="0"/>
                 <a:hlinkClick r:id="rId12" action="ppaction://hlinksldjump"/>
               </a:rPr>
               <a:t>Concaténation en Python</a:t>
             </a:r>
-            <a:endParaRPr lang="fr-FR" sz="2400" dirty="0">
+            <a:endParaRPr lang="fr-FR" sz="2800" dirty="0">
               <a:latin typeface="Times New Roman" panose="02020603050405020304" pitchFamily="18" charset="0"/>
               <a:cs typeface="Times New Roman" panose="02020603050405020304" pitchFamily="18" charset="0"/>
             </a:endParaRPr>
@@ -13028,14 +13767,14 @@
               <a:buAutoNum type="arabicPeriod"/>
             </a:pPr>
             <a:r>
-              <a:rPr lang="fr-FR" sz="2400" dirty="0">
+              <a:rPr lang="fr-FR" sz="2800" dirty="0">
                 <a:latin typeface="Times New Roman" panose="02020603050405020304" pitchFamily="18" charset="0"/>
                 <a:cs typeface="Times New Roman" panose="02020603050405020304" pitchFamily="18" charset="0"/>
                 <a:hlinkClick r:id="rId13" action="ppaction://hlinksldjump"/>
               </a:rPr>
               <a:t>Concaténation avec le formatage </a:t>
             </a:r>
-            <a:endParaRPr lang="fr-FR" sz="2400" dirty="0">
+            <a:endParaRPr lang="fr-FR" sz="2800" dirty="0">
               <a:latin typeface="Times New Roman" panose="02020603050405020304" pitchFamily="18" charset="0"/>
               <a:cs typeface="Times New Roman" panose="02020603050405020304" pitchFamily="18" charset="0"/>
             </a:endParaRPr>
@@ -13046,30 +13785,14 @@
               <a:buAutoNum type="arabicPeriod"/>
             </a:pPr>
             <a:r>
-              <a:rPr lang="fr-FR" sz="2400" dirty="0">
+              <a:rPr lang="fr-FR" sz="2800" dirty="0">
                 <a:latin typeface="Times New Roman" panose="02020603050405020304" pitchFamily="18" charset="0"/>
                 <a:cs typeface="Times New Roman" panose="02020603050405020304" pitchFamily="18" charset="0"/>
                 <a:hlinkClick r:id="rId14" action="ppaction://hlinksldjump"/>
               </a:rPr>
               <a:t>Exercices</a:t>
             </a:r>
-            <a:endParaRPr lang="fr-FR" sz="2400" dirty="0">
-              <a:latin typeface="Times New Roman" panose="02020603050405020304" pitchFamily="18" charset="0"/>
-              <a:cs typeface="Times New Roman" panose="02020603050405020304" pitchFamily="18" charset="0"/>
-            </a:endParaRPr>
-          </a:p>
-          <a:p>
-            <a:endParaRPr lang="fr-FR" sz="2400" dirty="0">
-              <a:latin typeface="Times New Roman" panose="02020603050405020304" pitchFamily="18" charset="0"/>
-              <a:cs typeface="Times New Roman" panose="02020603050405020304" pitchFamily="18" charset="0"/>
-            </a:endParaRPr>
-          </a:p>
-          <a:p>
-            <a:pPr marL="342900" indent="-342900">
-              <a:buFont typeface="+mj-lt"/>
-              <a:buAutoNum type="arabicPeriod"/>
-            </a:pPr>
-            <a:endParaRPr lang="fr-FR" sz="2400" dirty="0">
+            <a:endParaRPr lang="fr-FR" sz="2800" dirty="0">
               <a:latin typeface="Times New Roman" panose="02020603050405020304" pitchFamily="18" charset="0"/>
               <a:cs typeface="Times New Roman" panose="02020603050405020304" pitchFamily="18" charset="0"/>
             </a:endParaRPr>
@@ -13232,7 +13955,7 @@
           <a:lstStyle/>
           <a:p>
             <a:r>
-              <a:rPr lang="fr-FR" sz="2400" dirty="0">
+              <a:rPr lang="fr-FR" sz="2400" b="1" dirty="0">
                 <a:latin typeface="Times New Roman" panose="02020603050405020304" pitchFamily="18" charset="0"/>
                 <a:cs typeface="Times New Roman" panose="02020603050405020304" pitchFamily="18" charset="0"/>
               </a:rPr>
@@ -13684,7 +14407,7 @@
           <a:lstStyle/>
           <a:p>
             <a:r>
-              <a:rPr lang="fr-FR" sz="2400" dirty="0">
+              <a:rPr lang="fr-FR" sz="2400" b="1" dirty="0">
                 <a:latin typeface="Times New Roman" panose="02020603050405020304" pitchFamily="18" charset="0"/>
                 <a:cs typeface="Times New Roman" panose="02020603050405020304" pitchFamily="18" charset="0"/>
               </a:rPr>
@@ -13888,19 +14611,8 @@
                 <a:latin typeface="Times New Roman" panose="02020603050405020304" pitchFamily="18" charset="0"/>
                 <a:cs typeface="Times New Roman" panose="02020603050405020304" pitchFamily="18" charset="0"/>
               </a:rPr>
-              <a:t>Reprendre l’exercice 15 mais cette fois-ci demander à l’utilisateur la quantité de nombres qu’il veut saisir et ensuite exécuter le programme en fonction de la quantité de nombres que l’utilisateur veut saisir. Attention au fausse saisie sur la quantité par exemple s’il saisit un nombre négatif ou 0 afficher une erreur et redemander combien de nombres il </a:t>
-            </a:r>
-            <a:r>
-              <a:rPr lang="fr-FR" sz="2000">
-                <a:latin typeface="Times New Roman" panose="02020603050405020304" pitchFamily="18" charset="0"/>
-                <a:cs typeface="Times New Roman" panose="02020603050405020304" pitchFamily="18" charset="0"/>
-              </a:rPr>
-              <a:t>veut saisir.</a:t>
-            </a:r>
-            <a:endParaRPr lang="fr-FR" sz="2000" dirty="0">
-              <a:latin typeface="Times New Roman" panose="02020603050405020304" pitchFamily="18" charset="0"/>
-              <a:cs typeface="Times New Roman" panose="02020603050405020304" pitchFamily="18" charset="0"/>
-            </a:endParaRPr>
+              <a:t>Reprendre l’exercice 15 mais cette fois-ci demander à l’utilisateur la quantité de nombres qu’il veut saisir et ensuite exécuter le programme en fonction de la quantité de nombres que l’utilisateur veut saisir. Attention aux fausses saisies sur la quantité par exemple s’il saisit un nombre négatif ou 0 afficher une erreur et redemander combien de nombres il veut saisir.</a:t>
+            </a:r>
           </a:p>
         </p:txBody>
       </p:sp>
@@ -14124,7 +14836,7 @@
           <a:lstStyle/>
           <a:p>
             <a:r>
-              <a:rPr lang="fr-FR"/>
+              <a:rPr lang="fr-FR" dirty="0"/>
               <a:t>Cours: Python | Auteur: TUO N. Ismaël Maurice 
 </a:t>
             </a:r>
@@ -14189,7 +14901,7 @@
           <a:lstStyle/>
           <a:p>
             <a:r>
-              <a:rPr lang="fr-FR" sz="2400" dirty="0">
+              <a:rPr lang="fr-FR" sz="2400" b="1" dirty="0">
                 <a:latin typeface="Times New Roman" panose="02020603050405020304" pitchFamily="18" charset="0"/>
                 <a:cs typeface="Times New Roman" panose="02020603050405020304" pitchFamily="18" charset="0"/>
               </a:rPr>
@@ -14496,7 +15208,7 @@
                 <a:latin typeface="Times New Roman" panose="02020603050405020304" pitchFamily="18" charset="0"/>
                 <a:cs typeface="Times New Roman" panose="02020603050405020304" pitchFamily="18" charset="0"/>
               </a:rPr>
-              <a:t> les répétition inconditionnelles.</a:t>
+              <a:t> les répétitions inconditionnelles.</a:t>
             </a:r>
             <a:endParaRPr lang="fr-FR" dirty="0">
               <a:latin typeface="Times New Roman" panose="02020603050405020304" pitchFamily="18" charset="0"/>
@@ -14622,7 +15334,7 @@
           <a:lstStyle/>
           <a:p>
             <a:r>
-              <a:rPr lang="fr-FR" sz="2400" dirty="0">
+              <a:rPr lang="fr-FR" sz="2400" b="1" dirty="0">
                 <a:latin typeface="Times New Roman" panose="02020603050405020304" pitchFamily="18" charset="0"/>
                 <a:cs typeface="Times New Roman" panose="02020603050405020304" pitchFamily="18" charset="0"/>
               </a:rPr>
@@ -14926,20 +15638,20 @@
           <a:lstStyle/>
           <a:p>
             <a:r>
-              <a:rPr lang="fr-FR" sz="2400" dirty="0">
+              <a:rPr lang="fr-FR" sz="2400" b="1" dirty="0">
                 <a:latin typeface="Times New Roman" panose="02020603050405020304" pitchFamily="18" charset="0"/>
                 <a:cs typeface="Times New Roman" panose="02020603050405020304" pitchFamily="18" charset="0"/>
               </a:rPr>
               <a:t>La boucle </a:t>
             </a:r>
             <a:r>
-              <a:rPr lang="fr-FR" sz="2400" dirty="0" err="1">
+              <a:rPr lang="fr-FR" sz="2400" b="1" i="1" dirty="0" err="1">
                 <a:latin typeface="Times New Roman" panose="02020603050405020304" pitchFamily="18" charset="0"/>
                 <a:cs typeface="Times New Roman" panose="02020603050405020304" pitchFamily="18" charset="0"/>
               </a:rPr>
               <a:t>while</a:t>
             </a:r>
-            <a:endParaRPr lang="fr-FR" sz="2400" dirty="0">
+            <a:endParaRPr lang="fr-FR" sz="2400" b="1" i="1" dirty="0">
               <a:latin typeface="Times New Roman" panose="02020603050405020304" pitchFamily="18" charset="0"/>
               <a:cs typeface="Times New Roman" panose="02020603050405020304" pitchFamily="18" charset="0"/>
             </a:endParaRPr>
@@ -14982,7 +15694,7 @@
               <a:t>La boucle </a:t>
             </a:r>
             <a:r>
-              <a:rPr lang="fr-FR" sz="2000" b="1" dirty="0" err="1">
+              <a:rPr lang="fr-FR" sz="2000" b="1" i="1" dirty="0" err="1">
                 <a:latin typeface="Times New Roman" panose="02020603050405020304" pitchFamily="18" charset="0"/>
                 <a:cs typeface="Times New Roman" panose="02020603050405020304" pitchFamily="18" charset="0"/>
               </a:rPr>
@@ -15080,7 +15792,7 @@
               <a:t>Pour utiliser la boucle </a:t>
             </a:r>
             <a:r>
-              <a:rPr lang="fr-FR" sz="2000" b="1" dirty="0" err="1">
+              <a:rPr lang="fr-FR" sz="2000" b="1" i="1" dirty="0" err="1">
                 <a:latin typeface="Times New Roman" panose="02020603050405020304" pitchFamily="18" charset="0"/>
                 <a:cs typeface="Times New Roman" panose="02020603050405020304" pitchFamily="18" charset="0"/>
               </a:rPr>
@@ -15414,20 +16126,20 @@
           <a:lstStyle/>
           <a:p>
             <a:r>
-              <a:rPr lang="fr-FR" sz="2400" dirty="0">
+              <a:rPr lang="fr-FR" sz="2400" b="1" dirty="0">
                 <a:latin typeface="Times New Roman" panose="02020603050405020304" pitchFamily="18" charset="0"/>
                 <a:cs typeface="Times New Roman" panose="02020603050405020304" pitchFamily="18" charset="0"/>
               </a:rPr>
               <a:t>Abus de la boucle </a:t>
             </a:r>
             <a:r>
-              <a:rPr lang="fr-FR" sz="2400" dirty="0" err="1">
+              <a:rPr lang="fr-FR" sz="2400" b="1" i="1" dirty="0" err="1">
                 <a:latin typeface="Times New Roman" panose="02020603050405020304" pitchFamily="18" charset="0"/>
                 <a:cs typeface="Times New Roman" panose="02020603050405020304" pitchFamily="18" charset="0"/>
               </a:rPr>
               <a:t>while</a:t>
             </a:r>
-            <a:endParaRPr lang="fr-FR" sz="2400" dirty="0">
+            <a:endParaRPr lang="fr-FR" sz="2400" b="1" i="1" dirty="0">
               <a:latin typeface="Times New Roman" panose="02020603050405020304" pitchFamily="18" charset="0"/>
               <a:cs typeface="Times New Roman" panose="02020603050405020304" pitchFamily="18" charset="0"/>
             </a:endParaRPr>
@@ -15470,7 +16182,7 @@
               <a:t>Quand on utilise la boucle </a:t>
             </a:r>
             <a:r>
-              <a:rPr lang="fr-FR" sz="2000" b="1" dirty="0" err="1">
+              <a:rPr lang="fr-FR" sz="2000" b="1" i="1" dirty="0" err="1">
                 <a:latin typeface="Times New Roman" panose="02020603050405020304" pitchFamily="18" charset="0"/>
                 <a:cs typeface="Times New Roman" panose="02020603050405020304" pitchFamily="18" charset="0"/>
               </a:rPr>
@@ -15680,7 +16392,7 @@
               <a:t>Ce programme va afficher de manière indéfini « nom d’utilisateur incorrect » dès la première erreur de l’utilisateur. Ce type de boucle est appelé boucle infinie et est à éviter car ici le nom d’utilisateur n’a aucune chance de changer dès qu’on rentre dans la boucle. Pour stopper une boucle infinie il faut taper sur </a:t>
             </a:r>
             <a:r>
-              <a:rPr lang="fr-FR" sz="2000" b="1" dirty="0">
+              <a:rPr lang="fr-FR" sz="2000" b="1" i="1" dirty="0">
                 <a:latin typeface="Times New Roman" panose="02020603050405020304" pitchFamily="18" charset="0"/>
                 <a:cs typeface="Times New Roman" panose="02020603050405020304" pitchFamily="18" charset="0"/>
               </a:rPr>
@@ -15813,11 +16525,18 @@
           <a:lstStyle/>
           <a:p>
             <a:r>
-              <a:rPr lang="fr-FR" sz="2400" dirty="0">
-                <a:latin typeface="Times New Roman" panose="02020603050405020304" pitchFamily="18" charset="0"/>
-                <a:cs typeface="Times New Roman" panose="02020603050405020304" pitchFamily="18" charset="0"/>
-              </a:rPr>
-              <a:t>La boucle for</a:t>
+              <a:rPr lang="fr-FR" sz="2400" b="1" dirty="0">
+                <a:latin typeface="Times New Roman" panose="02020603050405020304" pitchFamily="18" charset="0"/>
+                <a:cs typeface="Times New Roman" panose="02020603050405020304" pitchFamily="18" charset="0"/>
+              </a:rPr>
+              <a:t>La boucle </a:t>
+            </a:r>
+            <a:r>
+              <a:rPr lang="fr-FR" sz="2400" b="1" i="1" dirty="0">
+                <a:latin typeface="Times New Roman" panose="02020603050405020304" pitchFamily="18" charset="0"/>
+                <a:cs typeface="Times New Roman" panose="02020603050405020304" pitchFamily="18" charset="0"/>
+              </a:rPr>
+              <a:t>for</a:t>
             </a:r>
           </a:p>
         </p:txBody>
@@ -15858,11 +16577,18 @@
               <a:t>La boucle </a:t>
             </a:r>
             <a:r>
+              <a:rPr lang="fr-FR" sz="2000" b="1" i="1" dirty="0">
+                <a:latin typeface="Times New Roman" panose="02020603050405020304" pitchFamily="18" charset="0"/>
+                <a:cs typeface="Times New Roman" panose="02020603050405020304" pitchFamily="18" charset="0"/>
+              </a:rPr>
+              <a:t>for</a:t>
+            </a:r>
+            <a:r>
               <a:rPr lang="fr-FR" sz="2000" b="1" dirty="0">
                 <a:latin typeface="Times New Roman" panose="02020603050405020304" pitchFamily="18" charset="0"/>
                 <a:cs typeface="Times New Roman" panose="02020603050405020304" pitchFamily="18" charset="0"/>
               </a:rPr>
-              <a:t>for </a:t>
+              <a:t> </a:t>
             </a:r>
             <a:r>
               <a:rPr lang="fr-FR" sz="2000" dirty="0">
@@ -15872,11 +16598,18 @@
               <a:t>est une boucle inconditionnelle qu’on retrouve dans la plupart des autres langages mais qui n’a pas toujours le même sens que celui de Python. En Python, on utilisera l’instruction </a:t>
             </a:r>
             <a:r>
+              <a:rPr lang="fr-FR" sz="2000" b="1" i="1" dirty="0">
+                <a:latin typeface="Times New Roman" panose="02020603050405020304" pitchFamily="18" charset="0"/>
+                <a:cs typeface="Times New Roman" panose="02020603050405020304" pitchFamily="18" charset="0"/>
+              </a:rPr>
+              <a:t>for</a:t>
+            </a:r>
+            <a:r>
               <a:rPr lang="fr-FR" sz="2000" b="1" dirty="0">
                 <a:latin typeface="Times New Roman" panose="02020603050405020304" pitchFamily="18" charset="0"/>
                 <a:cs typeface="Times New Roman" panose="02020603050405020304" pitchFamily="18" charset="0"/>
               </a:rPr>
-              <a:t>for </a:t>
+              <a:t> </a:t>
             </a:r>
             <a:r>
               <a:rPr lang="fr-FR" sz="2000" dirty="0">
@@ -16001,11 +16734,18 @@
               <a:t>Pour utiliser la boucle </a:t>
             </a:r>
             <a:r>
+              <a:rPr lang="fr-FR" sz="2000" b="1" i="1" dirty="0">
+                <a:latin typeface="Times New Roman" panose="02020603050405020304" pitchFamily="18" charset="0"/>
+                <a:cs typeface="Times New Roman" panose="02020603050405020304" pitchFamily="18" charset="0"/>
+              </a:rPr>
+              <a:t>for</a:t>
+            </a:r>
+            <a:r>
               <a:rPr lang="fr-FR" sz="2000" b="1" dirty="0">
                 <a:latin typeface="Times New Roman" panose="02020603050405020304" pitchFamily="18" charset="0"/>
                 <a:cs typeface="Times New Roman" panose="02020603050405020304" pitchFamily="18" charset="0"/>
               </a:rPr>
-              <a:t>for </a:t>
+              <a:t> </a:t>
             </a:r>
             <a:r>
               <a:rPr lang="fr-FR" sz="2000" dirty="0">
@@ -16290,11 +17030,18 @@
           <a:lstStyle/>
           <a:p>
             <a:r>
-              <a:rPr lang="fr-FR" sz="2400" dirty="0">
-                <a:latin typeface="Times New Roman" panose="02020603050405020304" pitchFamily="18" charset="0"/>
-                <a:cs typeface="Times New Roman" panose="02020603050405020304" pitchFamily="18" charset="0"/>
-              </a:rPr>
-              <a:t>La boucle for</a:t>
+              <a:rPr lang="fr-FR" sz="2400" b="1" dirty="0">
+                <a:latin typeface="Times New Roman" panose="02020603050405020304" pitchFamily="18" charset="0"/>
+                <a:cs typeface="Times New Roman" panose="02020603050405020304" pitchFamily="18" charset="0"/>
+              </a:rPr>
+              <a:t>La boucle </a:t>
+            </a:r>
+            <a:r>
+              <a:rPr lang="fr-FR" sz="2400" b="1" i="1" dirty="0">
+                <a:latin typeface="Times New Roman" panose="02020603050405020304" pitchFamily="18" charset="0"/>
+                <a:cs typeface="Times New Roman" panose="02020603050405020304" pitchFamily="18" charset="0"/>
+              </a:rPr>
+              <a:t>for</a:t>
             </a:r>
           </a:p>
         </p:txBody>
@@ -16335,11 +17082,18 @@
               <a:t>Dans le programme précédent, la variable </a:t>
             </a:r>
             <a:r>
+              <a:rPr lang="fr-FR" sz="2000" b="1" i="1" dirty="0">
+                <a:latin typeface="Times New Roman" panose="02020603050405020304" pitchFamily="18" charset="0"/>
+                <a:cs typeface="Times New Roman" panose="02020603050405020304" pitchFamily="18" charset="0"/>
+              </a:rPr>
+              <a:t>lettre</a:t>
+            </a:r>
+            <a:r>
               <a:rPr lang="fr-FR" sz="2000" b="1" dirty="0">
                 <a:latin typeface="Times New Roman" panose="02020603050405020304" pitchFamily="18" charset="0"/>
                 <a:cs typeface="Times New Roman" panose="02020603050405020304" pitchFamily="18" charset="0"/>
               </a:rPr>
-              <a:t>lettre </a:t>
+              <a:t> </a:t>
             </a:r>
             <a:r>
               <a:rPr lang="fr-FR" sz="2000" dirty="0">
@@ -16538,7 +17292,7 @@
               <a:t>Dans programme précédent, en fonction du contenu de la variable </a:t>
             </a:r>
             <a:r>
-              <a:rPr lang="fr-FR" sz="2000" b="1" dirty="0" err="1">
+              <a:rPr lang="fr-FR" sz="2000" b="1" i="1" dirty="0" err="1">
                 <a:latin typeface="Times New Roman" panose="02020603050405020304" pitchFamily="18" charset="0"/>
                 <a:cs typeface="Times New Roman" panose="02020603050405020304" pitchFamily="18" charset="0"/>
               </a:rPr>
@@ -16633,10 +17387,24 @@
                 <a:latin typeface="Times New Roman" panose="02020603050405020304" pitchFamily="18" charset="0"/>
                 <a:cs typeface="Times New Roman" panose="02020603050405020304" pitchFamily="18" charset="0"/>
               </a:rPr>
-              <a:t>L’instruction « a in b » renverra </a:t>
-            </a:r>
-            <a:r>
-              <a:rPr lang="fr-FR" sz="2000" b="1" dirty="0" err="1">
+              <a:t>L’instruction « </a:t>
+            </a:r>
+            <a:r>
+              <a:rPr lang="fr-FR" sz="2000" b="1" i="1" dirty="0">
+                <a:latin typeface="Times New Roman" panose="02020603050405020304" pitchFamily="18" charset="0"/>
+                <a:cs typeface="Times New Roman" panose="02020603050405020304" pitchFamily="18" charset="0"/>
+              </a:rPr>
+              <a:t>a in b </a:t>
+            </a:r>
+            <a:r>
+              <a:rPr lang="fr-FR" sz="2000" b="1" dirty="0">
+                <a:latin typeface="Times New Roman" panose="02020603050405020304" pitchFamily="18" charset="0"/>
+                <a:cs typeface="Times New Roman" panose="02020603050405020304" pitchFamily="18" charset="0"/>
+              </a:rPr>
+              <a:t>» renverra </a:t>
+            </a:r>
+            <a:r>
+              <a:rPr lang="fr-FR" sz="2000" b="1" i="1" dirty="0" err="1">
                 <a:latin typeface="Times New Roman" panose="02020603050405020304" pitchFamily="18" charset="0"/>
                 <a:cs typeface="Times New Roman" panose="02020603050405020304" pitchFamily="18" charset="0"/>
               </a:rPr>
@@ -16647,7 +17415,49 @@
                 <a:latin typeface="Times New Roman" panose="02020603050405020304" pitchFamily="18" charset="0"/>
                 <a:cs typeface="Times New Roman" panose="02020603050405020304" pitchFamily="18" charset="0"/>
               </a:rPr>
-              <a:t> si la variable « b » contient la variable « a » sinon renverra False.</a:t>
+              <a:t> si la variable « </a:t>
+            </a:r>
+            <a:r>
+              <a:rPr lang="fr-FR" sz="2000" b="1" i="1" dirty="0">
+                <a:latin typeface="Times New Roman" panose="02020603050405020304" pitchFamily="18" charset="0"/>
+                <a:cs typeface="Times New Roman" panose="02020603050405020304" pitchFamily="18" charset="0"/>
+              </a:rPr>
+              <a:t>b</a:t>
+            </a:r>
+            <a:r>
+              <a:rPr lang="fr-FR" sz="2000" b="1" dirty="0">
+                <a:latin typeface="Times New Roman" panose="02020603050405020304" pitchFamily="18" charset="0"/>
+                <a:cs typeface="Times New Roman" panose="02020603050405020304" pitchFamily="18" charset="0"/>
+              </a:rPr>
+              <a:t> » contient la variable « </a:t>
+            </a:r>
+            <a:r>
+              <a:rPr lang="fr-FR" sz="2000" b="1" i="1" dirty="0">
+                <a:latin typeface="Times New Roman" panose="02020603050405020304" pitchFamily="18" charset="0"/>
+                <a:cs typeface="Times New Roman" panose="02020603050405020304" pitchFamily="18" charset="0"/>
+              </a:rPr>
+              <a:t>a</a:t>
+            </a:r>
+            <a:r>
+              <a:rPr lang="fr-FR" sz="2000" b="1" dirty="0">
+                <a:latin typeface="Times New Roman" panose="02020603050405020304" pitchFamily="18" charset="0"/>
+                <a:cs typeface="Times New Roman" panose="02020603050405020304" pitchFamily="18" charset="0"/>
+              </a:rPr>
+              <a:t> » sinon renverra </a:t>
+            </a:r>
+            <a:r>
+              <a:rPr lang="fr-FR" sz="2000" b="1" i="1" dirty="0">
+                <a:latin typeface="Times New Roman" panose="02020603050405020304" pitchFamily="18" charset="0"/>
+                <a:cs typeface="Times New Roman" panose="02020603050405020304" pitchFamily="18" charset="0"/>
+              </a:rPr>
+              <a:t>False</a:t>
+            </a:r>
+            <a:r>
+              <a:rPr lang="fr-FR" sz="2000" b="1" dirty="0">
+                <a:latin typeface="Times New Roman" panose="02020603050405020304" pitchFamily="18" charset="0"/>
+                <a:cs typeface="Times New Roman" panose="02020603050405020304" pitchFamily="18" charset="0"/>
+              </a:rPr>
+              <a:t>.</a:t>
             </a:r>
           </a:p>
         </p:txBody>
@@ -16769,11 +17579,18 @@
           <a:lstStyle/>
           <a:p>
             <a:r>
-              <a:rPr lang="fr-FR" sz="2400" dirty="0">
-                <a:latin typeface="Times New Roman" panose="02020603050405020304" pitchFamily="18" charset="0"/>
-                <a:cs typeface="Times New Roman" panose="02020603050405020304" pitchFamily="18" charset="0"/>
-              </a:rPr>
-              <a:t>L’instruction range</a:t>
+              <a:rPr lang="fr-FR" sz="2400" b="1" dirty="0">
+                <a:latin typeface="Times New Roman" panose="02020603050405020304" pitchFamily="18" charset="0"/>
+                <a:cs typeface="Times New Roman" panose="02020603050405020304" pitchFamily="18" charset="0"/>
+              </a:rPr>
+              <a:t>L’instruction </a:t>
+            </a:r>
+            <a:r>
+              <a:rPr lang="fr-FR" sz="2400" b="1" i="1" dirty="0">
+                <a:latin typeface="Times New Roman" panose="02020603050405020304" pitchFamily="18" charset="0"/>
+                <a:cs typeface="Times New Roman" panose="02020603050405020304" pitchFamily="18" charset="0"/>
+              </a:rPr>
+              <a:t>range</a:t>
             </a:r>
           </a:p>
         </p:txBody>
@@ -16814,7 +17631,7 @@
               <a:t>Python dispose d’une fonction native (fait partie à la base de Python après installation) </a:t>
             </a:r>
             <a:r>
-              <a:rPr lang="fr-FR" sz="2000" b="1" dirty="0">
+              <a:rPr lang="fr-FR" sz="2000" b="1" i="1" dirty="0">
                 <a:latin typeface="Times New Roman" panose="02020603050405020304" pitchFamily="18" charset="0"/>
                 <a:cs typeface="Times New Roman" panose="02020603050405020304" pitchFamily="18" charset="0"/>
               </a:rPr>
@@ -16905,11 +17722,18 @@
               <a:t>L’instruction </a:t>
             </a:r>
             <a:r>
+              <a:rPr lang="fr-FR" sz="2000" b="1" i="1" dirty="0">
+                <a:latin typeface="Times New Roman" panose="02020603050405020304" pitchFamily="18" charset="0"/>
+                <a:cs typeface="Times New Roman" panose="02020603050405020304" pitchFamily="18" charset="0"/>
+              </a:rPr>
+              <a:t>range</a:t>
+            </a:r>
+            <a:r>
               <a:rPr lang="fr-FR" sz="2000" b="1" dirty="0">
                 <a:latin typeface="Times New Roman" panose="02020603050405020304" pitchFamily="18" charset="0"/>
                 <a:cs typeface="Times New Roman" panose="02020603050405020304" pitchFamily="18" charset="0"/>
               </a:rPr>
-              <a:t>range </a:t>
+              <a:t> </a:t>
             </a:r>
             <a:r>
               <a:rPr lang="fr-FR" sz="2000" dirty="0">
@@ -16984,11 +17808,18 @@
               <a:buChar char="•"/>
             </a:pPr>
             <a:r>
+              <a:rPr lang="fr-FR" sz="2000" b="1" i="1" dirty="0">
+                <a:latin typeface="Times New Roman" panose="02020603050405020304" pitchFamily="18" charset="0"/>
+                <a:cs typeface="Times New Roman" panose="02020603050405020304" pitchFamily="18" charset="0"/>
+              </a:rPr>
+              <a:t>start</a:t>
+            </a:r>
+            <a:r>
               <a:rPr lang="fr-FR" sz="2000" b="1" dirty="0">
                 <a:latin typeface="Times New Roman" panose="02020603050405020304" pitchFamily="18" charset="0"/>
                 <a:cs typeface="Times New Roman" panose="02020603050405020304" pitchFamily="18" charset="0"/>
               </a:rPr>
-              <a:t>start: </a:t>
+              <a:t>: </a:t>
             </a:r>
             <a:r>
               <a:rPr lang="fr-FR" sz="2000" dirty="0">
@@ -17004,11 +17835,18 @@
               <a:buChar char="•"/>
             </a:pPr>
             <a:r>
+              <a:rPr lang="fr-FR" sz="2000" b="1" i="1" dirty="0">
+                <a:latin typeface="Times New Roman" panose="02020603050405020304" pitchFamily="18" charset="0"/>
+                <a:cs typeface="Times New Roman" panose="02020603050405020304" pitchFamily="18" charset="0"/>
+              </a:rPr>
+              <a:t>stop</a:t>
+            </a:r>
+            <a:r>
               <a:rPr lang="fr-FR" sz="2000" b="1" dirty="0">
                 <a:latin typeface="Times New Roman" panose="02020603050405020304" pitchFamily="18" charset="0"/>
                 <a:cs typeface="Times New Roman" panose="02020603050405020304" pitchFamily="18" charset="0"/>
               </a:rPr>
-              <a:t>stop: </a:t>
+              <a:t>: </a:t>
             </a:r>
             <a:r>
               <a:rPr lang="fr-FR" sz="2000" dirty="0">
@@ -17024,7 +17862,7 @@
               <a:buChar char="•"/>
             </a:pPr>
             <a:r>
-              <a:rPr lang="fr-FR" sz="2000" b="1" dirty="0" err="1">
+              <a:rPr lang="fr-FR" sz="2000" b="1" i="1" dirty="0" err="1">
                 <a:latin typeface="Times New Roman" panose="02020603050405020304" pitchFamily="18" charset="0"/>
                 <a:cs typeface="Times New Roman" panose="02020603050405020304" pitchFamily="18" charset="0"/>
               </a:rPr>
@@ -17117,11 +17955,60 @@
           <a:lstStyle/>
           <a:p>
             <a:r>
+              <a:rPr lang="fr-FR" sz="2000" b="1" i="1" dirty="0">
+                <a:latin typeface="Times New Roman" panose="02020603050405020304" pitchFamily="18" charset="0"/>
+                <a:cs typeface="Times New Roman" panose="02020603050405020304" pitchFamily="18" charset="0"/>
+              </a:rPr>
+              <a:t>range</a:t>
+            </a:r>
+            <a:r>
               <a:rPr lang="fr-FR" sz="2000" b="1" dirty="0">
                 <a:latin typeface="Times New Roman" panose="02020603050405020304" pitchFamily="18" charset="0"/>
                 <a:cs typeface="Times New Roman" panose="02020603050405020304" pitchFamily="18" charset="0"/>
               </a:rPr>
-              <a:t>range va généralement être associé à la boucle for pour traiter la séquence qu’il génèrera. Par exemple si on veut afficher la liste des nombres de 0 à 100 on utilisera range + for. </a:t>
+              <a:t> va généralement être associé à la boucle </a:t>
+            </a:r>
+            <a:r>
+              <a:rPr lang="fr-FR" sz="2000" b="1" i="1" dirty="0">
+                <a:latin typeface="Times New Roman" panose="02020603050405020304" pitchFamily="18" charset="0"/>
+                <a:cs typeface="Times New Roman" panose="02020603050405020304" pitchFamily="18" charset="0"/>
+              </a:rPr>
+              <a:t>for</a:t>
+            </a:r>
+            <a:r>
+              <a:rPr lang="fr-FR" sz="2000" b="1" dirty="0">
+                <a:latin typeface="Times New Roman" panose="02020603050405020304" pitchFamily="18" charset="0"/>
+                <a:cs typeface="Times New Roman" panose="02020603050405020304" pitchFamily="18" charset="0"/>
+              </a:rPr>
+              <a:t> pour traiter la séquence qu’il génèrera. Par exemple si on veut afficher la liste des nombres de 0 à 100 on utilisera </a:t>
+            </a:r>
+            <a:r>
+              <a:rPr lang="fr-FR" sz="2000" b="1" i="1" dirty="0">
+                <a:latin typeface="Times New Roman" panose="02020603050405020304" pitchFamily="18" charset="0"/>
+                <a:cs typeface="Times New Roman" panose="02020603050405020304" pitchFamily="18" charset="0"/>
+              </a:rPr>
+              <a:t>range</a:t>
+            </a:r>
+            <a:r>
+              <a:rPr lang="fr-FR" sz="2000" b="1" dirty="0">
+                <a:latin typeface="Times New Roman" panose="02020603050405020304" pitchFamily="18" charset="0"/>
+                <a:cs typeface="Times New Roman" panose="02020603050405020304" pitchFamily="18" charset="0"/>
+              </a:rPr>
+              <a:t> + </a:t>
+            </a:r>
+            <a:r>
+              <a:rPr lang="fr-FR" sz="2000" b="1" i="1" dirty="0">
+                <a:latin typeface="Times New Roman" panose="02020603050405020304" pitchFamily="18" charset="0"/>
+                <a:cs typeface="Times New Roman" panose="02020603050405020304" pitchFamily="18" charset="0"/>
+              </a:rPr>
+              <a:t>for</a:t>
+            </a:r>
+            <a:r>
+              <a:rPr lang="fr-FR" sz="2000" b="1" dirty="0">
+                <a:latin typeface="Times New Roman" panose="02020603050405020304" pitchFamily="18" charset="0"/>
+                <a:cs typeface="Times New Roman" panose="02020603050405020304" pitchFamily="18" charset="0"/>
+              </a:rPr>
+              <a:t>. </a:t>
             </a:r>
           </a:p>
         </p:txBody>

--- a/source/Chapitre 4 - Structures répétitives.pptx
+++ b/source/Chapitre 4 - Structures répétitives.pptx
@@ -2198,7 +2198,7 @@
   <pc:docChgLst>
     <pc:chgData name="Ismaël Tuo" userId="fca7baf0e513a1e6" providerId="LiveId" clId="{8BCE4665-6EDB-41F8-9F11-1CAE811C4A26}"/>
     <pc:docChg chg="undo custSel modSld sldOrd">
-      <pc:chgData name="Ismaël Tuo" userId="fca7baf0e513a1e6" providerId="LiveId" clId="{8BCE4665-6EDB-41F8-9F11-1CAE811C4A26}" dt="2023-11-12T17:47:47.834" v="120" actId="33524"/>
+      <pc:chgData name="Ismaël Tuo" userId="fca7baf0e513a1e6" providerId="LiveId" clId="{8BCE4665-6EDB-41F8-9F11-1CAE811C4A26}" dt="2023-11-12T18:36:13.579" v="134" actId="20577"/>
       <pc:docMkLst>
         <pc:docMk/>
       </pc:docMkLst>
@@ -2705,12 +2705,20 @@
         </pc:spChg>
       </pc:sldChg>
       <pc:sldChg chg="modSp mod">
-        <pc:chgData name="Ismaël Tuo" userId="fca7baf0e513a1e6" providerId="LiveId" clId="{8BCE4665-6EDB-41F8-9F11-1CAE811C4A26}" dt="2023-11-12T17:47:32.827" v="118" actId="113"/>
+        <pc:chgData name="Ismaël Tuo" userId="fca7baf0e513a1e6" providerId="LiveId" clId="{8BCE4665-6EDB-41F8-9F11-1CAE811C4A26}" dt="2023-11-12T18:36:00.078" v="126" actId="20577"/>
         <pc:sldMkLst>
           <pc:docMk/>
           <pc:sldMk cId="2798052591" sldId="303"/>
         </pc:sldMkLst>
         <pc:spChg chg="mod">
+          <ac:chgData name="Ismaël Tuo" userId="fca7baf0e513a1e6" providerId="LiveId" clId="{8BCE4665-6EDB-41F8-9F11-1CAE811C4A26}" dt="2023-11-12T18:35:51.601" v="122" actId="20577"/>
+          <ac:spMkLst>
+            <pc:docMk/>
+            <pc:sldMk cId="2798052591" sldId="303"/>
+            <ac:spMk id="2" creationId="{A5ED8B08-0158-CE92-326A-ED80FC9E1F84}"/>
+          </ac:spMkLst>
+        </pc:spChg>
+        <pc:spChg chg="mod">
           <ac:chgData name="Ismaël Tuo" userId="fca7baf0e513a1e6" providerId="LiveId" clId="{8BCE4665-6EDB-41F8-9F11-1CAE811C4A26}" dt="2023-11-12T17:47:32.827" v="118" actId="113"/>
           <ac:spMkLst>
             <pc:docMk/>
@@ -2718,14 +2726,38 @@
             <ac:spMk id="6" creationId="{84F10693-2FE8-EFC8-8DB6-84BFD181D260}"/>
           </ac:spMkLst>
         </pc:spChg>
+        <pc:spChg chg="mod">
+          <ac:chgData name="Ismaël Tuo" userId="fca7baf0e513a1e6" providerId="LiveId" clId="{8BCE4665-6EDB-41F8-9F11-1CAE811C4A26}" dt="2023-11-12T18:35:55.267" v="124" actId="20577"/>
+          <ac:spMkLst>
+            <pc:docMk/>
+            <pc:sldMk cId="2798052591" sldId="303"/>
+            <ac:spMk id="10" creationId="{44D53B11-7BBF-0CA3-686D-74B2A88EB8A2}"/>
+          </ac:spMkLst>
+        </pc:spChg>
+        <pc:spChg chg="mod">
+          <ac:chgData name="Ismaël Tuo" userId="fca7baf0e513a1e6" providerId="LiveId" clId="{8BCE4665-6EDB-41F8-9F11-1CAE811C4A26}" dt="2023-11-12T18:36:00.078" v="126" actId="20577"/>
+          <ac:spMkLst>
+            <pc:docMk/>
+            <pc:sldMk cId="2798052591" sldId="303"/>
+            <ac:spMk id="14" creationId="{67F49EA9-5E59-4F7E-8BF8-95BDBB8DDC4D}"/>
+          </ac:spMkLst>
+        </pc:spChg>
       </pc:sldChg>
       <pc:sldChg chg="modSp mod">
-        <pc:chgData name="Ismaël Tuo" userId="fca7baf0e513a1e6" providerId="LiveId" clId="{8BCE4665-6EDB-41F8-9F11-1CAE811C4A26}" dt="2023-11-12T17:47:47.834" v="120" actId="33524"/>
+        <pc:chgData name="Ismaël Tuo" userId="fca7baf0e513a1e6" providerId="LiveId" clId="{8BCE4665-6EDB-41F8-9F11-1CAE811C4A26}" dt="2023-11-12T18:36:13.579" v="134" actId="20577"/>
         <pc:sldMkLst>
           <pc:docMk/>
           <pc:sldMk cId="4140448874" sldId="304"/>
         </pc:sldMkLst>
         <pc:spChg chg="mod">
+          <ac:chgData name="Ismaël Tuo" userId="fca7baf0e513a1e6" providerId="LiveId" clId="{8BCE4665-6EDB-41F8-9F11-1CAE811C4A26}" dt="2023-11-12T18:36:04.753" v="128" actId="20577"/>
+          <ac:spMkLst>
+            <pc:docMk/>
+            <pc:sldMk cId="4140448874" sldId="304"/>
+            <ac:spMk id="2" creationId="{A5ED8B08-0158-CE92-326A-ED80FC9E1F84}"/>
+          </ac:spMkLst>
+        </pc:spChg>
+        <pc:spChg chg="mod">
           <ac:chgData name="Ismaël Tuo" userId="fca7baf0e513a1e6" providerId="LiveId" clId="{8BCE4665-6EDB-41F8-9F11-1CAE811C4A26}" dt="2023-11-12T17:47:36.737" v="119" actId="113"/>
           <ac:spMkLst>
             <pc:docMk/>
@@ -2734,7 +2766,23 @@
           </ac:spMkLst>
         </pc:spChg>
         <pc:spChg chg="mod">
-          <ac:chgData name="Ismaël Tuo" userId="fca7baf0e513a1e6" providerId="LiveId" clId="{8BCE4665-6EDB-41F8-9F11-1CAE811C4A26}" dt="2023-11-12T17:47:47.834" v="120" actId="33524"/>
+          <ac:chgData name="Ismaël Tuo" userId="fca7baf0e513a1e6" providerId="LiveId" clId="{8BCE4665-6EDB-41F8-9F11-1CAE811C4A26}" dt="2023-11-12T18:36:11.060" v="132" actId="20577"/>
+          <ac:spMkLst>
+            <pc:docMk/>
+            <pc:sldMk cId="4140448874" sldId="304"/>
+            <ac:spMk id="7" creationId="{CE662353-0CA7-5AE4-20BF-22E436CAE893}"/>
+          </ac:spMkLst>
+        </pc:spChg>
+        <pc:spChg chg="mod">
+          <ac:chgData name="Ismaël Tuo" userId="fca7baf0e513a1e6" providerId="LiveId" clId="{8BCE4665-6EDB-41F8-9F11-1CAE811C4A26}" dt="2023-11-12T18:36:07.687" v="130" actId="20577"/>
+          <ac:spMkLst>
+            <pc:docMk/>
+            <pc:sldMk cId="4140448874" sldId="304"/>
+            <ac:spMk id="8" creationId="{5930879C-2935-9D97-5A73-FE0B01C5DD1A}"/>
+          </ac:spMkLst>
+        </pc:spChg>
+        <pc:spChg chg="mod">
+          <ac:chgData name="Ismaël Tuo" userId="fca7baf0e513a1e6" providerId="LiveId" clId="{8BCE4665-6EDB-41F8-9F11-1CAE811C4A26}" dt="2023-11-12T18:36:13.579" v="134" actId="20577"/>
           <ac:spMkLst>
             <pc:docMk/>
             <pc:sldMk cId="4140448874" sldId="304"/>
@@ -14036,7 +14084,7 @@
                 <a:latin typeface="Times New Roman" panose="02020603050405020304" pitchFamily="18" charset="0"/>
                 <a:cs typeface="Times New Roman" panose="02020603050405020304" pitchFamily="18" charset="0"/>
               </a:rPr>
-              <a:t>Exercice 12</a:t>
+              <a:t>Exercice 11</a:t>
             </a:r>
           </a:p>
         </p:txBody>
@@ -14112,7 +14160,7 @@
                 <a:latin typeface="Times New Roman" panose="02020603050405020304" pitchFamily="18" charset="0"/>
                 <a:cs typeface="Times New Roman" panose="02020603050405020304" pitchFamily="18" charset="0"/>
               </a:rPr>
-              <a:t>Exercice 13</a:t>
+              <a:t>Exercice 12</a:t>
             </a:r>
           </a:p>
         </p:txBody>
@@ -14285,7 +14333,7 @@
                 <a:latin typeface="Times New Roman" panose="02020603050405020304" pitchFamily="18" charset="0"/>
                 <a:cs typeface="Times New Roman" panose="02020603050405020304" pitchFamily="18" charset="0"/>
               </a:rPr>
-              <a:t>Exercice 14</a:t>
+              <a:t>Exercice 13</a:t>
             </a:r>
           </a:p>
         </p:txBody>
@@ -14488,7 +14536,7 @@
                 <a:latin typeface="Times New Roman" panose="02020603050405020304" pitchFamily="18" charset="0"/>
                 <a:cs typeface="Times New Roman" panose="02020603050405020304" pitchFamily="18" charset="0"/>
               </a:rPr>
-              <a:t>Exercice 15</a:t>
+              <a:t>Exercice 14</a:t>
             </a:r>
           </a:p>
         </p:txBody>
@@ -14526,7 +14574,7 @@
                 <a:latin typeface="Times New Roman" panose="02020603050405020304" pitchFamily="18" charset="0"/>
                 <a:cs typeface="Times New Roman" panose="02020603050405020304" pitchFamily="18" charset="0"/>
               </a:rPr>
-              <a:t>Reprendre l’algorithme de l’exercice 14 mais cette fois-ci il faut afficher la position à laquelle le nombre a été saisi. </a:t>
+              <a:t>Reprendre l’algorithme de l’exercice 13 mais cette fois-ci il faut afficher la position à laquelle le nombre a été saisi. </a:t>
             </a:r>
           </a:p>
           <a:p>
@@ -14573,7 +14621,7 @@
                 <a:latin typeface="Times New Roman" panose="02020603050405020304" pitchFamily="18" charset="0"/>
                 <a:cs typeface="Times New Roman" panose="02020603050405020304" pitchFamily="18" charset="0"/>
               </a:rPr>
-              <a:t>Exercice 16</a:t>
+              <a:t>Exercice 15</a:t>
             </a:r>
           </a:p>
         </p:txBody>
@@ -14611,7 +14659,21 @@
                 <a:latin typeface="Times New Roman" panose="02020603050405020304" pitchFamily="18" charset="0"/>
                 <a:cs typeface="Times New Roman" panose="02020603050405020304" pitchFamily="18" charset="0"/>
               </a:rPr>
-              <a:t>Reprendre l’exercice 15 mais cette fois-ci demander à l’utilisateur la quantité de nombres qu’il veut saisir et ensuite exécuter le programme en fonction de la quantité de nombres que l’utilisateur veut saisir. Attention aux fausses saisies sur la quantité par exemple s’il saisit un nombre négatif ou 0 afficher une erreur et redemander combien de nombres il veut saisir.</a:t>
+              <a:t>Reprendre </a:t>
+            </a:r>
+            <a:r>
+              <a:rPr lang="fr-FR" sz="2000">
+                <a:latin typeface="Times New Roman" panose="02020603050405020304" pitchFamily="18" charset="0"/>
+                <a:cs typeface="Times New Roman" panose="02020603050405020304" pitchFamily="18" charset="0"/>
+              </a:rPr>
+              <a:t>l’exercice 14 </a:t>
+            </a:r>
+            <a:r>
+              <a:rPr lang="fr-FR" sz="2000" dirty="0">
+                <a:latin typeface="Times New Roman" panose="02020603050405020304" pitchFamily="18" charset="0"/>
+                <a:cs typeface="Times New Roman" panose="02020603050405020304" pitchFamily="18" charset="0"/>
+              </a:rPr>
+              <a:t>mais cette fois-ci demander à l’utilisateur la quantité de nombres qu’il veut saisir et ensuite exécuter le programme en fonction de la quantité de nombres que l’utilisateur veut saisir. Attention aux fausses saisies sur la quantité par exemple s’il saisit un nombre négatif ou 0 afficher une erreur et redemander combien de nombres il veut saisir.</a:t>
             </a:r>
           </a:p>
         </p:txBody>

--- a/source/Chapitre 4 - Structures répétitives.pptx
+++ b/source/Chapitre 4 - Structures répétitives.pptx
@@ -18,8 +18,8 @@
     <p:sldId id="292" r:id="rId9"/>
     <p:sldId id="290" r:id="rId10"/>
     <p:sldId id="297" r:id="rId11"/>
-    <p:sldId id="294" r:id="rId12"/>
-    <p:sldId id="293" r:id="rId13"/>
+    <p:sldId id="293" r:id="rId12"/>
+    <p:sldId id="294" r:id="rId13"/>
     <p:sldId id="296" r:id="rId14"/>
     <p:sldId id="295" r:id="rId15"/>
     <p:sldId id="298" r:id="rId16"/>
@@ -139,7 +139,7 @@
 <file path=ppt/revisionInfo.xml><?xml version="1.0" encoding="utf-8"?>
 <p1510:revInfo xmlns:a="http://schemas.openxmlformats.org/drawingml/2006/main" xmlns:r="http://schemas.openxmlformats.org/officeDocument/2006/relationships" xmlns:p1510="http://schemas.microsoft.com/office/powerpoint/2015/10/main">
   <p1510:revLst>
-    <p1510:client id="{8BCE4665-6EDB-41F8-9F11-1CAE811C4A26}" v="2" dt="2023-11-12T17:46:28.905"/>
+    <p1510:client id="{8BCE4665-6EDB-41F8-9F11-1CAE811C4A26}" v="3" dt="2024-03-24T14:08:08.012"/>
   </p1510:revLst>
 </p1510:revInfo>
 </file>
@@ -2198,7 +2198,7 @@
   <pc:docChgLst>
     <pc:chgData name="Ismaël Tuo" userId="fca7baf0e513a1e6" providerId="LiveId" clId="{8BCE4665-6EDB-41F8-9F11-1CAE811C4A26}"/>
     <pc:docChg chg="undo custSel modSld sldOrd">
-      <pc:chgData name="Ismaël Tuo" userId="fca7baf0e513a1e6" providerId="LiveId" clId="{8BCE4665-6EDB-41F8-9F11-1CAE811C4A26}" dt="2023-11-12T18:36:13.579" v="134" actId="20577"/>
+      <pc:chgData name="Ismaël Tuo" userId="fca7baf0e513a1e6" providerId="LiveId" clId="{8BCE4665-6EDB-41F8-9F11-1CAE811C4A26}" dt="2024-03-24T14:08:09.870" v="161" actId="1076"/>
       <pc:docMkLst>
         <pc:docMk/>
       </pc:docMkLst>
@@ -2403,8 +2403,8 @@
           </ac:spMkLst>
         </pc:spChg>
       </pc:sldChg>
-      <pc:sldChg chg="modSp mod">
-        <pc:chgData name="Ismaël Tuo" userId="fca7baf0e513a1e6" providerId="LiveId" clId="{8BCE4665-6EDB-41F8-9F11-1CAE811C4A26}" dt="2023-11-12T17:41:35.880" v="41" actId="114"/>
+      <pc:sldChg chg="addSp delSp modSp mod">
+        <pc:chgData name="Ismaël Tuo" userId="fca7baf0e513a1e6" providerId="LiveId" clId="{8BCE4665-6EDB-41F8-9F11-1CAE811C4A26}" dt="2024-03-24T14:07:58.331" v="158" actId="108"/>
         <pc:sldMkLst>
           <pc:docMk/>
           <pc:sldMk cId="499511550" sldId="292"/>
@@ -2441,9 +2441,33 @@
             <ac:spMk id="18" creationId="{0795CEBB-648D-F425-0C83-AB1360366109}"/>
           </ac:spMkLst>
         </pc:spChg>
+        <pc:picChg chg="add del mod">
+          <ac:chgData name="Ismaël Tuo" userId="fca7baf0e513a1e6" providerId="LiveId" clId="{8BCE4665-6EDB-41F8-9F11-1CAE811C4A26}" dt="2024-03-24T14:07:21.712" v="150" actId="478"/>
+          <ac:picMkLst>
+            <pc:docMk/>
+            <pc:sldMk cId="499511550" sldId="292"/>
+            <ac:picMk id="7" creationId="{74B2F023-C1F0-20AC-06B1-D31FB708D8E7}"/>
+          </ac:picMkLst>
+        </pc:picChg>
+        <pc:picChg chg="del">
+          <ac:chgData name="Ismaël Tuo" userId="fca7baf0e513a1e6" providerId="LiveId" clId="{8BCE4665-6EDB-41F8-9F11-1CAE811C4A26}" dt="2024-03-24T13:34:53.168" v="135" actId="478"/>
+          <ac:picMkLst>
+            <pc:docMk/>
+            <pc:sldMk cId="499511550" sldId="292"/>
+            <ac:picMk id="8" creationId="{1B85DD06-5A84-94C1-EBD3-88A7C8D8DCDE}"/>
+          </ac:picMkLst>
+        </pc:picChg>
+        <pc:picChg chg="add mod">
+          <ac:chgData name="Ismaël Tuo" userId="fca7baf0e513a1e6" providerId="LiveId" clId="{8BCE4665-6EDB-41F8-9F11-1CAE811C4A26}" dt="2024-03-24T14:07:58.331" v="158" actId="108"/>
+          <ac:picMkLst>
+            <pc:docMk/>
+            <pc:sldMk cId="499511550" sldId="292"/>
+            <ac:picMk id="12" creationId="{E26747B2-CD2B-118B-8860-7E80C8B4F7C2}"/>
+          </ac:picMkLst>
+        </pc:picChg>
       </pc:sldChg>
       <pc:sldChg chg="modSp mod ord">
-        <pc:chgData name="Ismaël Tuo" userId="fca7baf0e513a1e6" providerId="LiveId" clId="{8BCE4665-6EDB-41F8-9F11-1CAE811C4A26}" dt="2023-11-12T17:44:31.118" v="84"/>
+        <pc:chgData name="Ismaël Tuo" userId="fca7baf0e513a1e6" providerId="LiveId" clId="{8BCE4665-6EDB-41F8-9F11-1CAE811C4A26}" dt="2024-03-24T13:48:41.204" v="149" actId="20577"/>
         <pc:sldMkLst>
           <pc:docMk/>
           <pc:sldMk cId="2297585284" sldId="293"/>
@@ -2457,7 +2481,7 @@
           </ac:spMkLst>
         </pc:spChg>
         <pc:spChg chg="mod">
-          <ac:chgData name="Ismaël Tuo" userId="fca7baf0e513a1e6" providerId="LiveId" clId="{8BCE4665-6EDB-41F8-9F11-1CAE811C4A26}" dt="2023-11-12T17:43:04.912" v="64" actId="114"/>
+          <ac:chgData name="Ismaël Tuo" userId="fca7baf0e513a1e6" providerId="LiveId" clId="{8BCE4665-6EDB-41F8-9F11-1CAE811C4A26}" dt="2024-03-24T13:48:41.204" v="149" actId="20577"/>
           <ac:spMkLst>
             <pc:docMk/>
             <pc:sldMk cId="2297585284" sldId="293"/>
@@ -2473,8 +2497,8 @@
           </ac:spMkLst>
         </pc:spChg>
       </pc:sldChg>
-      <pc:sldChg chg="modSp mod">
-        <pc:chgData name="Ismaël Tuo" userId="fca7baf0e513a1e6" providerId="LiveId" clId="{8BCE4665-6EDB-41F8-9F11-1CAE811C4A26}" dt="2023-11-12T17:43:32.377" v="71" actId="114"/>
+      <pc:sldChg chg="modSp mod ord">
+        <pc:chgData name="Ismaël Tuo" userId="fca7baf0e513a1e6" providerId="LiveId" clId="{8BCE4665-6EDB-41F8-9F11-1CAE811C4A26}" dt="2024-03-24T13:43:22.681" v="147"/>
         <pc:sldMkLst>
           <pc:docMk/>
           <pc:sldMk cId="367398369" sldId="294"/>
@@ -2635,8 +2659,8 @@
           </ac:spMkLst>
         </pc:spChg>
       </pc:sldChg>
-      <pc:sldChg chg="modSp mod">
-        <pc:chgData name="Ismaël Tuo" userId="fca7baf0e513a1e6" providerId="LiveId" clId="{8BCE4665-6EDB-41F8-9F11-1CAE811C4A26}" dt="2023-11-12T17:46:54.568" v="114" actId="114"/>
+      <pc:sldChg chg="addSp delSp modSp mod">
+        <pc:chgData name="Ismaël Tuo" userId="fca7baf0e513a1e6" providerId="LiveId" clId="{8BCE4665-6EDB-41F8-9F11-1CAE811C4A26}" dt="2024-03-24T14:08:09.870" v="161" actId="1076"/>
         <pc:sldMkLst>
           <pc:docMk/>
           <pc:sldMk cId="2187541620" sldId="300"/>
@@ -2665,6 +2689,22 @@
             <ac:spMk id="15" creationId="{26E08B24-44DE-D315-B26E-4234A03805D2}"/>
           </ac:spMkLst>
         </pc:spChg>
+        <pc:picChg chg="add mod">
+          <ac:chgData name="Ismaël Tuo" userId="fca7baf0e513a1e6" providerId="LiveId" clId="{8BCE4665-6EDB-41F8-9F11-1CAE811C4A26}" dt="2024-03-24T14:08:09.870" v="161" actId="1076"/>
+          <ac:picMkLst>
+            <pc:docMk/>
+            <pc:sldMk cId="2187541620" sldId="300"/>
+            <ac:picMk id="2" creationId="{3F398971-BAAE-2597-B788-0656F15A2C93}"/>
+          </ac:picMkLst>
+        </pc:picChg>
+        <pc:picChg chg="del">
+          <ac:chgData name="Ismaël Tuo" userId="fca7baf0e513a1e6" providerId="LiveId" clId="{8BCE4665-6EDB-41F8-9F11-1CAE811C4A26}" dt="2024-03-24T14:08:07.655" v="159" actId="478"/>
+          <ac:picMkLst>
+            <pc:docMk/>
+            <pc:sldMk cId="2187541620" sldId="300"/>
+            <ac:picMk id="9" creationId="{8A0DBBBE-4927-37C5-E79B-47731D9A0D3A}"/>
+          </ac:picMkLst>
+        </pc:picChg>
       </pc:sldChg>
       <pc:sldChg chg="modSp mod">
         <pc:chgData name="Ismaël Tuo" userId="fca7baf0e513a1e6" providerId="LiveId" clId="{8BCE4665-6EDB-41F8-9F11-1CAE811C4A26}" dt="2023-11-12T17:47:01.005" v="115" actId="113"/>
@@ -2947,7 +2987,7 @@
           <a:p>
             <a:fld id="{5D1B8971-FAD5-A544-A565-5C81831E2E08}" type="datetimeFigureOut">
               <a:rPr lang="fr-FR" smtClean="0"/>
-              <a:t>12/11/2023</a:t>
+              <a:t>24/03/2024</a:t>
             </a:fld>
             <a:endParaRPr lang="fr-FR"/>
           </a:p>
@@ -3375,7 +3415,7 @@
     </p:spTree>
     <p:extLst>
       <p:ext uri="{BB962C8B-B14F-4D97-AF65-F5344CB8AC3E}">
-        <p14:creationId xmlns:p14="http://schemas.microsoft.com/office/powerpoint/2010/main" val="967267600"/>
+        <p14:creationId xmlns:p14="http://schemas.microsoft.com/office/powerpoint/2010/main" val="3726014628"/>
       </p:ext>
     </p:extLst>
   </p:cSld>
@@ -4803,7 +4843,7 @@
     </p:spTree>
     <p:extLst>
       <p:ext uri="{BB962C8B-B14F-4D97-AF65-F5344CB8AC3E}">
-        <p14:creationId xmlns:p14="http://schemas.microsoft.com/office/powerpoint/2010/main" val="3726014628"/>
+        <p14:creationId xmlns:p14="http://schemas.microsoft.com/office/powerpoint/2010/main" val="967267600"/>
       </p:ext>
     </p:extLst>
   </p:cSld>
@@ -4976,7 +5016,7 @@
           <a:p>
             <a:fld id="{446AF453-C717-E044-9B61-C449088DBB9F}" type="datetime1">
               <a:rPr lang="fr-FR" smtClean="0"/>
-              <a:t>12/11/2023</a:t>
+              <a:t>24/03/2024</a:t>
             </a:fld>
             <a:endParaRPr lang="fr-FR"/>
           </a:p>
@@ -5150,7 +5190,7 @@
           <a:p>
             <a:fld id="{0AD74B8B-4B66-A54B-A7E1-EB9F6C09CE67}" type="datetime1">
               <a:rPr lang="fr-FR" smtClean="0"/>
-              <a:t>12/11/2023</a:t>
+              <a:t>24/03/2024</a:t>
             </a:fld>
             <a:endParaRPr lang="fr-FR"/>
           </a:p>
@@ -5334,7 +5374,7 @@
           <a:p>
             <a:fld id="{9584F9F2-42A0-CD42-8013-986AEAF97421}" type="datetime1">
               <a:rPr lang="fr-FR" smtClean="0"/>
-              <a:t>12/11/2023</a:t>
+              <a:t>24/03/2024</a:t>
             </a:fld>
             <a:endParaRPr lang="fr-FR"/>
           </a:p>
@@ -5508,7 +5548,7 @@
           <a:p>
             <a:fld id="{DAB9BD9F-3179-BB4C-96AB-C40862581685}" type="datetime1">
               <a:rPr lang="fr-FR" smtClean="0"/>
-              <a:t>12/11/2023</a:t>
+              <a:t>24/03/2024</a:t>
             </a:fld>
             <a:endParaRPr lang="fr-FR"/>
           </a:p>
@@ -5780,7 +5820,7 @@
           <a:p>
             <a:fld id="{A664DE96-64FF-BC43-8A9C-18ED43A528D6}" type="datetime1">
               <a:rPr lang="fr-FR" smtClean="0"/>
-              <a:t>12/11/2023</a:t>
+              <a:t>24/03/2024</a:t>
             </a:fld>
             <a:endParaRPr lang="fr-FR"/>
           </a:p>
@@ -6016,7 +6056,7 @@
           <a:p>
             <a:fld id="{2C8FE800-9F9B-1C4F-A1CD-9EF46842C4CA}" type="datetime1">
               <a:rPr lang="fr-FR" smtClean="0"/>
-              <a:t>12/11/2023</a:t>
+              <a:t>24/03/2024</a:t>
             </a:fld>
             <a:endParaRPr lang="fr-FR"/>
           </a:p>
@@ -6379,7 +6419,7 @@
           <a:p>
             <a:fld id="{0F7DED4E-8CB4-EF40-A349-EFC02EC7784E}" type="datetime1">
               <a:rPr lang="fr-FR" smtClean="0"/>
-              <a:t>12/11/2023</a:t>
+              <a:t>24/03/2024</a:t>
             </a:fld>
             <a:endParaRPr lang="fr-FR"/>
           </a:p>
@@ -6524,7 +6564,7 @@
           <a:p>
             <a:fld id="{5BB88D77-E8A2-E24F-81D2-817E60779F3E}" type="datetime1">
               <a:rPr lang="fr-FR" smtClean="0"/>
-              <a:t>12/11/2023</a:t>
+              <a:t>24/03/2024</a:t>
             </a:fld>
             <a:endParaRPr lang="fr-FR"/>
           </a:p>
@@ -6623,7 +6663,7 @@
           <a:p>
             <a:fld id="{817F964E-5B57-884A-A1B8-925BFA5276AF}" type="datetime1">
               <a:rPr lang="fr-FR" smtClean="0"/>
-              <a:t>12/11/2023</a:t>
+              <a:t>24/03/2024</a:t>
             </a:fld>
             <a:endParaRPr lang="fr-FR"/>
           </a:p>
@@ -6984,7 +7024,7 @@
           <a:p>
             <a:fld id="{D5636CD0-A2E6-1543-A0E5-C829C16FEE55}" type="datetime1">
               <a:rPr lang="fr-FR" smtClean="0"/>
-              <a:t>12/11/2023</a:t>
+              <a:t>24/03/2024</a:t>
             </a:fld>
             <a:endParaRPr lang="fr-FR"/>
           </a:p>
@@ -7345,7 +7385,7 @@
           <a:p>
             <a:fld id="{CEE5CE4A-5B1A-1846-BA66-722BDB7A9525}" type="datetime1">
               <a:rPr lang="fr-FR" smtClean="0"/>
-              <a:t>12/11/2023</a:t>
+              <a:t>24/03/2024</a:t>
             </a:fld>
             <a:endParaRPr lang="fr-FR"/>
           </a:p>
@@ -7592,7 +7632,7 @@
           <a:p>
             <a:fld id="{55A13D9C-CA6E-9C45-8634-4423EBFFD553}" type="datetime1">
               <a:rPr lang="fr-FR" smtClean="0"/>
-              <a:t>12/11/2023</a:t>
+              <a:t>24/03/2024</a:t>
             </a:fld>
             <a:endParaRPr lang="fr-FR"/>
           </a:p>
@@ -8827,7 +8867,7 @@
                 <a:latin typeface="Times New Roman" panose="02020603050405020304" pitchFamily="18" charset="0"/>
                 <a:cs typeface="Times New Roman" panose="02020603050405020304" pitchFamily="18" charset="0"/>
               </a:rPr>
-              <a:t>break</a:t>
+              <a:t>continue</a:t>
             </a:r>
           </a:p>
         </p:txBody>
@@ -8846,8 +8886,8 @@
         </p:nvSpPr>
         <p:spPr>
           <a:xfrm>
-            <a:off x="442743" y="754534"/>
-            <a:ext cx="11236639" cy="707886"/>
+            <a:off x="442743" y="767486"/>
+            <a:ext cx="11344704" cy="707886"/>
           </a:xfrm>
           <a:prstGeom prst="rect">
             <a:avLst/>
@@ -8865,57 +8905,68 @@
                 <a:latin typeface="Times New Roman" panose="02020603050405020304" pitchFamily="18" charset="0"/>
                 <a:cs typeface="Times New Roman" panose="02020603050405020304" pitchFamily="18" charset="0"/>
               </a:rPr>
-              <a:t>Contrairement à </a:t>
+              <a:t>Le mot-clé </a:t>
+            </a:r>
+            <a:r>
+              <a:rPr lang="fr-FR" sz="2000" b="1" i="1" dirty="0">
+                <a:latin typeface="Times New Roman" panose="02020603050405020304" pitchFamily="18" charset="0"/>
+                <a:cs typeface="Times New Roman" panose="02020603050405020304" pitchFamily="18" charset="0"/>
+              </a:rPr>
+              <a:t>continue</a:t>
             </a:r>
             <a:r>
               <a:rPr lang="fr-FR" sz="2000" b="1" dirty="0">
                 <a:latin typeface="Times New Roman" panose="02020603050405020304" pitchFamily="18" charset="0"/>
                 <a:cs typeface="Times New Roman" panose="02020603050405020304" pitchFamily="18" charset="0"/>
               </a:rPr>
-              <a:t>l’instruction </a:t>
+              <a:t> </a:t>
+            </a:r>
+            <a:r>
+              <a:rPr lang="fr-FR" sz="2000" dirty="0">
+                <a:latin typeface="Times New Roman" panose="02020603050405020304" pitchFamily="18" charset="0"/>
+                <a:cs typeface="Times New Roman" panose="02020603050405020304" pitchFamily="18" charset="0"/>
+              </a:rPr>
+              <a:t>en Python est utilisé dans les boucles pour continuer la boucle en repartant directement à la ligne de la condition du </a:t>
+            </a:r>
+            <a:r>
+              <a:rPr lang="fr-FR" sz="2000" b="1" i="1" dirty="0" err="1">
+                <a:latin typeface="Times New Roman" panose="02020603050405020304" pitchFamily="18" charset="0"/>
+                <a:cs typeface="Times New Roman" panose="02020603050405020304" pitchFamily="18" charset="0"/>
+              </a:rPr>
+              <a:t>while</a:t>
+            </a:r>
+            <a:r>
+              <a:rPr lang="fr-FR" sz="2000" b="1" dirty="0">
+                <a:latin typeface="Times New Roman" panose="02020603050405020304" pitchFamily="18" charset="0"/>
+                <a:cs typeface="Times New Roman" panose="02020603050405020304" pitchFamily="18" charset="0"/>
+              </a:rPr>
+              <a:t> </a:t>
+            </a:r>
+            <a:r>
+              <a:rPr lang="fr-FR" sz="2000" dirty="0">
+                <a:latin typeface="Times New Roman" panose="02020603050405020304" pitchFamily="18" charset="0"/>
+                <a:cs typeface="Times New Roman" panose="02020603050405020304" pitchFamily="18" charset="0"/>
+              </a:rPr>
+              <a:t>ou du </a:t>
             </a:r>
             <a:r>
               <a:rPr lang="fr-FR" sz="2000" b="1" i="1" dirty="0">
                 <a:latin typeface="Times New Roman" panose="02020603050405020304" pitchFamily="18" charset="0"/>
                 <a:cs typeface="Times New Roman" panose="02020603050405020304" pitchFamily="18" charset="0"/>
               </a:rPr>
-              <a:t>continue</a:t>
+              <a:t>for</a:t>
             </a:r>
             <a:r>
               <a:rPr lang="fr-FR" sz="2000" b="1" dirty="0">
                 <a:latin typeface="Times New Roman" panose="02020603050405020304" pitchFamily="18" charset="0"/>
                 <a:cs typeface="Times New Roman" panose="02020603050405020304" pitchFamily="18" charset="0"/>
               </a:rPr>
-              <a:t>, </a:t>
-            </a:r>
-            <a:r>
-              <a:rPr lang="fr-FR" sz="2000" dirty="0">
-                <a:latin typeface="Times New Roman" panose="02020603050405020304" pitchFamily="18" charset="0"/>
-                <a:cs typeface="Times New Roman" panose="02020603050405020304" pitchFamily="18" charset="0"/>
-              </a:rPr>
-              <a:t>ici le mot-clé </a:t>
-            </a:r>
-            <a:r>
-              <a:rPr lang="fr-FR" sz="2000" b="1" i="1" dirty="0">
-                <a:latin typeface="Times New Roman" panose="02020603050405020304" pitchFamily="18" charset="0"/>
-                <a:cs typeface="Times New Roman" panose="02020603050405020304" pitchFamily="18" charset="0"/>
-              </a:rPr>
-              <a:t>break</a:t>
-            </a:r>
-            <a:r>
-              <a:rPr lang="fr-FR" sz="2000" b="1" dirty="0">
-                <a:latin typeface="Times New Roman" panose="02020603050405020304" pitchFamily="18" charset="0"/>
-                <a:cs typeface="Times New Roman" panose="02020603050405020304" pitchFamily="18" charset="0"/>
-              </a:rPr>
-              <a:t> </a:t>
-            </a:r>
-            <a:r>
-              <a:rPr lang="fr-FR" sz="2000" dirty="0">
-                <a:latin typeface="Times New Roman" panose="02020603050405020304" pitchFamily="18" charset="0"/>
-                <a:cs typeface="Times New Roman" panose="02020603050405020304" pitchFamily="18" charset="0"/>
-              </a:rPr>
-              <a:t>dans une boucle permet de la stopper complètement. Elle permettra par exemple de sortir des boucles infinies dans un programme.</a:t>
-            </a:r>
+              <a:t>.</a:t>
+            </a:r>
+            <a:endParaRPr lang="fr-FR" sz="2000" dirty="0">
+              <a:latin typeface="Times New Roman" panose="02020603050405020304" pitchFamily="18" charset="0"/>
+              <a:cs typeface="Times New Roman" panose="02020603050405020304" pitchFamily="18" charset="0"/>
+            </a:endParaRPr>
           </a:p>
         </p:txBody>
       </p:sp>
@@ -8958,12 +9009,50 @@
           </a:fontRef>
         </p:style>
       </p:cxnSp>
+      <p:sp>
+        <p:nvSpPr>
+          <p:cNvPr id="2" name="ZoneTexte 1">
+            <a:extLst>
+              <a:ext uri="{FF2B5EF4-FFF2-40B4-BE49-F238E27FC236}">
+                <a16:creationId xmlns:a16="http://schemas.microsoft.com/office/drawing/2014/main" id="{DC9E53F9-4B63-72E9-FEF0-8F1A4E56D9B7}"/>
+              </a:ext>
+            </a:extLst>
+          </p:cNvPr>
+          <p:cNvSpPr txBox="1"/>
+          <p:nvPr/>
+        </p:nvSpPr>
+        <p:spPr>
+          <a:xfrm>
+            <a:off x="442743" y="1481347"/>
+            <a:ext cx="11344704" cy="400110"/>
+          </a:xfrm>
+          <a:prstGeom prst="rect">
+            <a:avLst/>
+          </a:prstGeom>
+          <a:noFill/>
+        </p:spPr>
+        <p:txBody>
+          <a:bodyPr wrap="square" rtlCol="0">
+            <a:spAutoFit/>
+          </a:bodyPr>
+          <a:lstStyle/>
+          <a:p>
+            <a:r>
+              <a:rPr lang="fr-FR" sz="2000" dirty="0">
+                <a:latin typeface="Times New Roman" panose="02020603050405020304" pitchFamily="18" charset="0"/>
+                <a:cs typeface="Times New Roman" panose="02020603050405020304" pitchFamily="18" charset="0"/>
+              </a:rPr>
+              <a:t>Par exemple si on veut afficher la liste des nombres de 0 à 10 sauf le nombre 2 on aura:</a:t>
+            </a:r>
+          </a:p>
+        </p:txBody>
+      </p:sp>
       <p:pic>
         <p:nvPicPr>
-          <p:cNvPr id="2" name="Image 1">
-            <a:extLst>
-              <a:ext uri="{FF2B5EF4-FFF2-40B4-BE49-F238E27FC236}">
-                <a16:creationId xmlns:a16="http://schemas.microsoft.com/office/drawing/2014/main" id="{C4D1BCE3-F59E-D195-11EB-4525B95A92EC}"/>
+          <p:cNvPr id="8" name="Image 7">
+            <a:extLst>
+              <a:ext uri="{FF2B5EF4-FFF2-40B4-BE49-F238E27FC236}">
+                <a16:creationId xmlns:a16="http://schemas.microsoft.com/office/drawing/2014/main" id="{FE3553F1-79C8-8C5A-5356-1B0F2B7DAC60}"/>
               </a:ext>
             </a:extLst>
           </p:cNvPr>
@@ -8980,50 +9069,20 @@
         </p:blipFill>
         <p:spPr>
           <a:xfrm>
-            <a:off x="500932" y="1543446"/>
-            <a:ext cx="6158747" cy="2804035"/>
+            <a:off x="7958282" y="1987004"/>
+            <a:ext cx="3721100" cy="3237304"/>
           </a:xfrm>
           <a:prstGeom prst="rect">
             <a:avLst/>
           </a:prstGeom>
         </p:spPr>
       </p:pic>
-      <p:pic>
-        <p:nvPicPr>
-          <p:cNvPr id="7" name="Image 6">
-            <a:extLst>
-              <a:ext uri="{FF2B5EF4-FFF2-40B4-BE49-F238E27FC236}">
-                <a16:creationId xmlns:a16="http://schemas.microsoft.com/office/drawing/2014/main" id="{C7DF9E86-DE33-0136-F412-BE640BC767B5}"/>
-              </a:ext>
-            </a:extLst>
-          </p:cNvPr>
-          <p:cNvPicPr>
-            <a:picLocks noChangeAspect="1"/>
-          </p:cNvPicPr>
-          <p:nvPr/>
-        </p:nvPicPr>
-        <p:blipFill>
-          <a:blip r:embed="rId4"/>
-          <a:stretch>
-            <a:fillRect/>
-          </a:stretch>
-        </p:blipFill>
-        <p:spPr>
-          <a:xfrm>
-            <a:off x="8504380" y="1668212"/>
-            <a:ext cx="3175000" cy="1485900"/>
-          </a:xfrm>
-          <a:prstGeom prst="rect">
-            <a:avLst/>
-          </a:prstGeom>
-        </p:spPr>
-      </p:pic>
-      <p:sp>
-        <p:nvSpPr>
-          <p:cNvPr id="8" name="Flèche vers la droite 7">
-            <a:extLst>
-              <a:ext uri="{FF2B5EF4-FFF2-40B4-BE49-F238E27FC236}">
-                <a16:creationId xmlns:a16="http://schemas.microsoft.com/office/drawing/2014/main" id="{49FE3878-3BA4-C878-4C31-D5D7872BBC38}"/>
+      <p:sp>
+        <p:nvSpPr>
+          <p:cNvPr id="9" name="Flèche vers la droite 8">
+            <a:extLst>
+              <a:ext uri="{FF2B5EF4-FFF2-40B4-BE49-F238E27FC236}">
+                <a16:creationId xmlns:a16="http://schemas.microsoft.com/office/drawing/2014/main" id="{E4EAF5A7-3AFE-58A6-8244-D1A2FFCB5565}"/>
               </a:ext>
             </a:extLst>
           </p:cNvPr>
@@ -9032,8 +9091,8 @@
         </p:nvSpPr>
         <p:spPr>
           <a:xfrm>
-            <a:off x="6813534" y="2113200"/>
-            <a:ext cx="1536991" cy="756458"/>
+            <a:off x="5769608" y="3128140"/>
+            <a:ext cx="2018089" cy="756458"/>
           </a:xfrm>
           <a:prstGeom prst="rightArrow">
             <a:avLst/>
@@ -9072,10 +9131,10 @@
       </p:sp>
       <p:sp>
         <p:nvSpPr>
-          <p:cNvPr id="9" name="ZoneTexte 8">
-            <a:extLst>
-              <a:ext uri="{FF2B5EF4-FFF2-40B4-BE49-F238E27FC236}">
-                <a16:creationId xmlns:a16="http://schemas.microsoft.com/office/drawing/2014/main" id="{710455E1-DE52-36CF-EC8B-5E276D308D2A}"/>
+          <p:cNvPr id="10" name="ZoneTexte 9">
+            <a:extLst>
+              <a:ext uri="{FF2B5EF4-FFF2-40B4-BE49-F238E27FC236}">
+                <a16:creationId xmlns:a16="http://schemas.microsoft.com/office/drawing/2014/main" id="{135F641B-C1B3-18D8-A2DB-FA0721ABD48A}"/>
               </a:ext>
             </a:extLst>
           </p:cNvPr>
@@ -9084,8 +9143,8 @@
         </p:nvSpPr>
         <p:spPr>
           <a:xfrm>
-            <a:off x="8451587" y="3294179"/>
-            <a:ext cx="3280585" cy="1323439"/>
+            <a:off x="500932" y="5329855"/>
+            <a:ext cx="11519272" cy="707886"/>
           </a:xfrm>
           <a:prstGeom prst="rect">
             <a:avLst/>
@@ -9099,74 +9158,53 @@
           <a:lstStyle/>
           <a:p>
             <a:r>
-              <a:rPr lang="fr-FR" sz="2000" dirty="0"/>
-              <a:t>Ici les nombres de 2 à 10 ne seront jamais afficher car la boucle est stoppée dès qu’on atteint 2.</a:t>
-            </a:r>
-          </a:p>
-        </p:txBody>
-      </p:sp>
-      <p:sp>
-        <p:nvSpPr>
-          <p:cNvPr id="10" name="ZoneTexte 9">
-            <a:extLst>
-              <a:ext uri="{FF2B5EF4-FFF2-40B4-BE49-F238E27FC236}">
-                <a16:creationId xmlns:a16="http://schemas.microsoft.com/office/drawing/2014/main" id="{DF5DFA90-88B5-623C-03FA-9D414B84551E}"/>
-              </a:ext>
-            </a:extLst>
-          </p:cNvPr>
-          <p:cNvSpPr txBox="1"/>
-          <p:nvPr/>
-        </p:nvSpPr>
-        <p:spPr>
-          <a:xfrm>
-            <a:off x="442743" y="4555314"/>
-            <a:ext cx="11236639" cy="400110"/>
-          </a:xfrm>
-          <a:prstGeom prst="rect">
-            <a:avLst/>
-          </a:prstGeom>
-          <a:noFill/>
-        </p:spPr>
-        <p:txBody>
-          <a:bodyPr wrap="square" rtlCol="0">
-            <a:spAutoFit/>
-          </a:bodyPr>
-          <a:lstStyle/>
-          <a:p>
+              <a:rPr lang="fr-FR" sz="2000" dirty="0">
+                <a:latin typeface="Times New Roman" panose="02020603050405020304" pitchFamily="18" charset="0"/>
+                <a:cs typeface="Times New Roman" panose="02020603050405020304" pitchFamily="18" charset="0"/>
+              </a:rPr>
+              <a:t>Lorsqu’on tombe dans la condition où les variables </a:t>
+            </a:r>
+            <a:r>
+              <a:rPr lang="fr-FR" sz="2000" b="1" i="1" dirty="0">
+                <a:latin typeface="Times New Roman" panose="02020603050405020304" pitchFamily="18" charset="0"/>
+                <a:cs typeface="Times New Roman" panose="02020603050405020304" pitchFamily="18" charset="0"/>
+              </a:rPr>
+              <a:t>n/nb </a:t>
+            </a:r>
+            <a:r>
+              <a:rPr lang="fr-FR" sz="2000" dirty="0">
+                <a:latin typeface="Times New Roman" panose="02020603050405020304" pitchFamily="18" charset="0"/>
+                <a:cs typeface="Times New Roman" panose="02020603050405020304" pitchFamily="18" charset="0"/>
+              </a:rPr>
+              <a:t>sont égales à 2, le programme n’exécute pas le </a:t>
+            </a:r>
             <a:r>
               <a:rPr lang="fr-FR" sz="2000" b="1" dirty="0">
                 <a:latin typeface="Times New Roman" panose="02020603050405020304" pitchFamily="18" charset="0"/>
                 <a:cs typeface="Times New Roman" panose="02020603050405020304" pitchFamily="18" charset="0"/>
               </a:rPr>
-              <a:t>Les boucles infinies peuvent être générées avec </a:t>
+              <a:t>« </a:t>
             </a:r>
             <a:r>
               <a:rPr lang="fr-FR" sz="2000" b="1" i="1" dirty="0" err="1">
                 <a:latin typeface="Times New Roman" panose="02020603050405020304" pitchFamily="18" charset="0"/>
                 <a:cs typeface="Times New Roman" panose="02020603050405020304" pitchFamily="18" charset="0"/>
               </a:rPr>
-              <a:t>True</a:t>
+              <a:t>print</a:t>
             </a:r>
             <a:r>
               <a:rPr lang="fr-FR" sz="2000" b="1" dirty="0">
                 <a:latin typeface="Times New Roman" panose="02020603050405020304" pitchFamily="18" charset="0"/>
                 <a:cs typeface="Times New Roman" panose="02020603050405020304" pitchFamily="18" charset="0"/>
               </a:rPr>
-              <a:t> ou 1 associé à </a:t>
-            </a:r>
-            <a:r>
-              <a:rPr lang="fr-FR" sz="2000" b="1" i="1" dirty="0" err="1">
-                <a:latin typeface="Times New Roman" panose="02020603050405020304" pitchFamily="18" charset="0"/>
-                <a:cs typeface="Times New Roman" panose="02020603050405020304" pitchFamily="18" charset="0"/>
-              </a:rPr>
-              <a:t>while</a:t>
-            </a:r>
-            <a:r>
-              <a:rPr lang="fr-FR" sz="2000" b="1" dirty="0">
-                <a:latin typeface="Times New Roman" panose="02020603050405020304" pitchFamily="18" charset="0"/>
-                <a:cs typeface="Times New Roman" panose="02020603050405020304" pitchFamily="18" charset="0"/>
-              </a:rPr>
-              <a:t>.</a:t>
+              <a:t> » </a:t>
+            </a:r>
+            <a:r>
+              <a:rPr lang="fr-FR" sz="2000" dirty="0">
+                <a:latin typeface="Times New Roman" panose="02020603050405020304" pitchFamily="18" charset="0"/>
+                <a:cs typeface="Times New Roman" panose="02020603050405020304" pitchFamily="18" charset="0"/>
+              </a:rPr>
+              <a:t>suivant et passe à la valeur suivante de la séquence.</a:t>
             </a:r>
           </a:p>
         </p:txBody>
@@ -9176,7 +9214,7 @@
           <p:cNvPr id="12" name="Image 11">
             <a:extLst>
               <a:ext uri="{FF2B5EF4-FFF2-40B4-BE49-F238E27FC236}">
-                <a16:creationId xmlns:a16="http://schemas.microsoft.com/office/drawing/2014/main" id="{D774CEF5-CD17-4DBC-46FC-480C1E29F2BF}"/>
+                <a16:creationId xmlns:a16="http://schemas.microsoft.com/office/drawing/2014/main" id="{01C8E68F-A252-7B3F-7CAD-15D274F17598}"/>
               </a:ext>
             </a:extLst>
           </p:cNvPr>
@@ -9186,15 +9224,15 @@
           <p:nvPr/>
         </p:nvPicPr>
         <p:blipFill>
-          <a:blip r:embed="rId5"/>
+          <a:blip r:embed="rId4"/>
           <a:stretch>
             <a:fillRect/>
           </a:stretch>
         </p:blipFill>
         <p:spPr>
           <a:xfrm>
-            <a:off x="1476121" y="5004437"/>
-            <a:ext cx="7505700" cy="1028700"/>
+            <a:off x="506324" y="1928255"/>
+            <a:ext cx="5092700" cy="3296053"/>
           </a:xfrm>
           <a:prstGeom prst="rect">
             <a:avLst/>
@@ -9204,7 +9242,7 @@
     </p:spTree>
     <p:extLst>
       <p:ext uri="{BB962C8B-B14F-4D97-AF65-F5344CB8AC3E}">
-        <p14:creationId xmlns:p14="http://schemas.microsoft.com/office/powerpoint/2010/main" val="367398369"/>
+        <p14:creationId xmlns:p14="http://schemas.microsoft.com/office/powerpoint/2010/main" val="2297585284"/>
       </p:ext>
     </p:extLst>
   </p:cSld>
@@ -9329,7 +9367,7 @@
                 <a:latin typeface="Times New Roman" panose="02020603050405020304" pitchFamily="18" charset="0"/>
                 <a:cs typeface="Times New Roman" panose="02020603050405020304" pitchFamily="18" charset="0"/>
               </a:rPr>
-              <a:t>continue</a:t>
+              <a:t>break</a:t>
             </a:r>
           </a:p>
         </p:txBody>
@@ -9348,8 +9386,8 @@
         </p:nvSpPr>
         <p:spPr>
           <a:xfrm>
-            <a:off x="442743" y="767486"/>
-            <a:ext cx="11344704" cy="707886"/>
+            <a:off x="442743" y="754534"/>
+            <a:ext cx="11236639" cy="707886"/>
           </a:xfrm>
           <a:prstGeom prst="rect">
             <a:avLst/>
@@ -9367,7 +9405,14 @@
                 <a:latin typeface="Times New Roman" panose="02020603050405020304" pitchFamily="18" charset="0"/>
                 <a:cs typeface="Times New Roman" panose="02020603050405020304" pitchFamily="18" charset="0"/>
               </a:rPr>
-              <a:t>Le mot-clé </a:t>
+              <a:t>Contrairement à </a:t>
+            </a:r>
+            <a:r>
+              <a:rPr lang="fr-FR" sz="2000" b="1" dirty="0">
+                <a:latin typeface="Times New Roman" panose="02020603050405020304" pitchFamily="18" charset="0"/>
+                <a:cs typeface="Times New Roman" panose="02020603050405020304" pitchFamily="18" charset="0"/>
+              </a:rPr>
+              <a:t>l’instruction </a:t>
             </a:r>
             <a:r>
               <a:rPr lang="fr-FR" sz="2000" b="1" i="1" dirty="0">
@@ -9381,6 +9426,27 @@
                 <a:latin typeface="Times New Roman" panose="02020603050405020304" pitchFamily="18" charset="0"/>
                 <a:cs typeface="Times New Roman" panose="02020603050405020304" pitchFamily="18" charset="0"/>
               </a:rPr>
+              <a:t>, </a:t>
+            </a:r>
+            <a:r>
+              <a:rPr lang="fr-FR" sz="2000" dirty="0">
+                <a:latin typeface="Times New Roman" panose="02020603050405020304" pitchFamily="18" charset="0"/>
+                <a:cs typeface="Times New Roman" panose="02020603050405020304" pitchFamily="18" charset="0"/>
+              </a:rPr>
+              <a:t>ici le mot-clé </a:t>
+            </a:r>
+            <a:r>
+              <a:rPr lang="fr-FR" sz="2000" b="1" i="1" dirty="0">
+                <a:latin typeface="Times New Roman" panose="02020603050405020304" pitchFamily="18" charset="0"/>
+                <a:cs typeface="Times New Roman" panose="02020603050405020304" pitchFamily="18" charset="0"/>
+              </a:rPr>
+              <a:t>break</a:t>
+            </a:r>
+            <a:r>
+              <a:rPr lang="fr-FR" sz="2000" b="1" dirty="0">
+                <a:latin typeface="Times New Roman" panose="02020603050405020304" pitchFamily="18" charset="0"/>
+                <a:cs typeface="Times New Roman" panose="02020603050405020304" pitchFamily="18" charset="0"/>
+              </a:rPr>
               <a:t> </a:t>
             </a:r>
             <a:r>
@@ -9388,47 +9454,8 @@
                 <a:latin typeface="Times New Roman" panose="02020603050405020304" pitchFamily="18" charset="0"/>
                 <a:cs typeface="Times New Roman" panose="02020603050405020304" pitchFamily="18" charset="0"/>
               </a:rPr>
-              <a:t>en Python est utilisé dans les boucles pour continuer la boucle en repartant directement à la ligne de la condition du </a:t>
-            </a:r>
-            <a:r>
-              <a:rPr lang="fr-FR" sz="2000" b="1" i="1" dirty="0" err="1">
-                <a:latin typeface="Times New Roman" panose="02020603050405020304" pitchFamily="18" charset="0"/>
-                <a:cs typeface="Times New Roman" panose="02020603050405020304" pitchFamily="18" charset="0"/>
-              </a:rPr>
-              <a:t>while</a:t>
-            </a:r>
-            <a:r>
-              <a:rPr lang="fr-FR" sz="2000" b="1" dirty="0">
-                <a:latin typeface="Times New Roman" panose="02020603050405020304" pitchFamily="18" charset="0"/>
-                <a:cs typeface="Times New Roman" panose="02020603050405020304" pitchFamily="18" charset="0"/>
-              </a:rPr>
-              <a:t> </a:t>
-            </a:r>
-            <a:r>
-              <a:rPr lang="fr-FR" sz="2000" dirty="0">
-                <a:latin typeface="Times New Roman" panose="02020603050405020304" pitchFamily="18" charset="0"/>
-                <a:cs typeface="Times New Roman" panose="02020603050405020304" pitchFamily="18" charset="0"/>
-              </a:rPr>
-              <a:t>ou du </a:t>
-            </a:r>
-            <a:r>
-              <a:rPr lang="fr-FR" sz="2000" b="1" i="1" dirty="0">
-                <a:latin typeface="Times New Roman" panose="02020603050405020304" pitchFamily="18" charset="0"/>
-                <a:cs typeface="Times New Roman" panose="02020603050405020304" pitchFamily="18" charset="0"/>
-              </a:rPr>
-              <a:t>for</a:t>
-            </a:r>
-            <a:r>
-              <a:rPr lang="fr-FR" sz="2000" b="1" dirty="0">
-                <a:latin typeface="Times New Roman" panose="02020603050405020304" pitchFamily="18" charset="0"/>
-                <a:cs typeface="Times New Roman" panose="02020603050405020304" pitchFamily="18" charset="0"/>
-              </a:rPr>
-              <a:t>.</a:t>
-            </a:r>
-            <a:endParaRPr lang="fr-FR" sz="2000" dirty="0">
-              <a:latin typeface="Times New Roman" panose="02020603050405020304" pitchFamily="18" charset="0"/>
-              <a:cs typeface="Times New Roman" panose="02020603050405020304" pitchFamily="18" charset="0"/>
-            </a:endParaRPr>
+              <a:t>dans une boucle permet de la stopper complètement. Elle permettra par exemple de sortir des boucles infinies dans un programme.</a:t>
+            </a:r>
           </a:p>
         </p:txBody>
       </p:sp>
@@ -9471,50 +9498,12 @@
           </a:fontRef>
         </p:style>
       </p:cxnSp>
-      <p:sp>
-        <p:nvSpPr>
-          <p:cNvPr id="2" name="ZoneTexte 1">
-            <a:extLst>
-              <a:ext uri="{FF2B5EF4-FFF2-40B4-BE49-F238E27FC236}">
-                <a16:creationId xmlns:a16="http://schemas.microsoft.com/office/drawing/2014/main" id="{DC9E53F9-4B63-72E9-FEF0-8F1A4E56D9B7}"/>
-              </a:ext>
-            </a:extLst>
-          </p:cNvPr>
-          <p:cNvSpPr txBox="1"/>
-          <p:nvPr/>
-        </p:nvSpPr>
-        <p:spPr>
-          <a:xfrm>
-            <a:off x="442743" y="1481347"/>
-            <a:ext cx="11344704" cy="400110"/>
-          </a:xfrm>
-          <a:prstGeom prst="rect">
-            <a:avLst/>
-          </a:prstGeom>
-          <a:noFill/>
-        </p:spPr>
-        <p:txBody>
-          <a:bodyPr wrap="square" rtlCol="0">
-            <a:spAutoFit/>
-          </a:bodyPr>
-          <a:lstStyle/>
-          <a:p>
-            <a:r>
-              <a:rPr lang="fr-FR" sz="2000" dirty="0">
-                <a:latin typeface="Times New Roman" panose="02020603050405020304" pitchFamily="18" charset="0"/>
-                <a:cs typeface="Times New Roman" panose="02020603050405020304" pitchFamily="18" charset="0"/>
-              </a:rPr>
-              <a:t>Par exemple si on veut afficher la liste des nombres de 0 à 10 sauf le nombre 2 on aura:</a:t>
-            </a:r>
-          </a:p>
-        </p:txBody>
-      </p:sp>
       <p:pic>
         <p:nvPicPr>
-          <p:cNvPr id="8" name="Image 7">
-            <a:extLst>
-              <a:ext uri="{FF2B5EF4-FFF2-40B4-BE49-F238E27FC236}">
-                <a16:creationId xmlns:a16="http://schemas.microsoft.com/office/drawing/2014/main" id="{FE3553F1-79C8-8C5A-5356-1B0F2B7DAC60}"/>
+          <p:cNvPr id="2" name="Image 1">
+            <a:extLst>
+              <a:ext uri="{FF2B5EF4-FFF2-40B4-BE49-F238E27FC236}">
+                <a16:creationId xmlns:a16="http://schemas.microsoft.com/office/drawing/2014/main" id="{C4D1BCE3-F59E-D195-11EB-4525B95A92EC}"/>
               </a:ext>
             </a:extLst>
           </p:cNvPr>
@@ -9531,20 +9520,50 @@
         </p:blipFill>
         <p:spPr>
           <a:xfrm>
-            <a:off x="7958282" y="1987004"/>
-            <a:ext cx="3721100" cy="3237304"/>
+            <a:off x="500932" y="1543446"/>
+            <a:ext cx="6158747" cy="2804035"/>
           </a:xfrm>
           <a:prstGeom prst="rect">
             <a:avLst/>
           </a:prstGeom>
         </p:spPr>
       </p:pic>
-      <p:sp>
-        <p:nvSpPr>
-          <p:cNvPr id="9" name="Flèche vers la droite 8">
-            <a:extLst>
-              <a:ext uri="{FF2B5EF4-FFF2-40B4-BE49-F238E27FC236}">
-                <a16:creationId xmlns:a16="http://schemas.microsoft.com/office/drawing/2014/main" id="{E4EAF5A7-3AFE-58A6-8244-D1A2FFCB5565}"/>
+      <p:pic>
+        <p:nvPicPr>
+          <p:cNvPr id="7" name="Image 6">
+            <a:extLst>
+              <a:ext uri="{FF2B5EF4-FFF2-40B4-BE49-F238E27FC236}">
+                <a16:creationId xmlns:a16="http://schemas.microsoft.com/office/drawing/2014/main" id="{C7DF9E86-DE33-0136-F412-BE640BC767B5}"/>
+              </a:ext>
+            </a:extLst>
+          </p:cNvPr>
+          <p:cNvPicPr>
+            <a:picLocks noChangeAspect="1"/>
+          </p:cNvPicPr>
+          <p:nvPr/>
+        </p:nvPicPr>
+        <p:blipFill>
+          <a:blip r:embed="rId4"/>
+          <a:stretch>
+            <a:fillRect/>
+          </a:stretch>
+        </p:blipFill>
+        <p:spPr>
+          <a:xfrm>
+            <a:off x="8504380" y="1668212"/>
+            <a:ext cx="3175000" cy="1485900"/>
+          </a:xfrm>
+          <a:prstGeom prst="rect">
+            <a:avLst/>
+          </a:prstGeom>
+        </p:spPr>
+      </p:pic>
+      <p:sp>
+        <p:nvSpPr>
+          <p:cNvPr id="8" name="Flèche vers la droite 7">
+            <a:extLst>
+              <a:ext uri="{FF2B5EF4-FFF2-40B4-BE49-F238E27FC236}">
+                <a16:creationId xmlns:a16="http://schemas.microsoft.com/office/drawing/2014/main" id="{49FE3878-3BA4-C878-4C31-D5D7872BBC38}"/>
               </a:ext>
             </a:extLst>
           </p:cNvPr>
@@ -9553,8 +9572,8 @@
         </p:nvSpPr>
         <p:spPr>
           <a:xfrm>
-            <a:off x="5769608" y="3128140"/>
-            <a:ext cx="2018089" cy="756458"/>
+            <a:off x="6813534" y="2113200"/>
+            <a:ext cx="1536991" cy="756458"/>
           </a:xfrm>
           <a:prstGeom prst="rightArrow">
             <a:avLst/>
@@ -9593,10 +9612,10 @@
       </p:sp>
       <p:sp>
         <p:nvSpPr>
-          <p:cNvPr id="10" name="ZoneTexte 9">
-            <a:extLst>
-              <a:ext uri="{FF2B5EF4-FFF2-40B4-BE49-F238E27FC236}">
-                <a16:creationId xmlns:a16="http://schemas.microsoft.com/office/drawing/2014/main" id="{135F641B-C1B3-18D8-A2DB-FA0721ABD48A}"/>
+          <p:cNvPr id="9" name="ZoneTexte 8">
+            <a:extLst>
+              <a:ext uri="{FF2B5EF4-FFF2-40B4-BE49-F238E27FC236}">
+                <a16:creationId xmlns:a16="http://schemas.microsoft.com/office/drawing/2014/main" id="{710455E1-DE52-36CF-EC8B-5E276D308D2A}"/>
               </a:ext>
             </a:extLst>
           </p:cNvPr>
@@ -9605,8 +9624,8 @@
         </p:nvSpPr>
         <p:spPr>
           <a:xfrm>
-            <a:off x="500932" y="5329855"/>
-            <a:ext cx="11519272" cy="707886"/>
+            <a:off x="8451587" y="3294179"/>
+            <a:ext cx="3280585" cy="1323439"/>
           </a:xfrm>
           <a:prstGeom prst="rect">
             <a:avLst/>
@@ -9620,53 +9639,74 @@
           <a:lstStyle/>
           <a:p>
             <a:r>
-              <a:rPr lang="fr-FR" sz="2000" dirty="0">
-                <a:latin typeface="Times New Roman" panose="02020603050405020304" pitchFamily="18" charset="0"/>
-                <a:cs typeface="Times New Roman" panose="02020603050405020304" pitchFamily="18" charset="0"/>
-              </a:rPr>
-              <a:t>Lorsqu’on tombe dans la condition où les variables </a:t>
-            </a:r>
-            <a:r>
-              <a:rPr lang="fr-FR" sz="2000" b="1" i="1" dirty="0">
-                <a:latin typeface="Times New Roman" panose="02020603050405020304" pitchFamily="18" charset="0"/>
-                <a:cs typeface="Times New Roman" panose="02020603050405020304" pitchFamily="18" charset="0"/>
-              </a:rPr>
-              <a:t>n/nb </a:t>
-            </a:r>
-            <a:r>
-              <a:rPr lang="fr-FR" sz="2000" dirty="0">
-                <a:latin typeface="Times New Roman" panose="02020603050405020304" pitchFamily="18" charset="0"/>
-                <a:cs typeface="Times New Roman" panose="02020603050405020304" pitchFamily="18" charset="0"/>
-              </a:rPr>
-              <a:t>sont égales 2, le programme n’exécute pas le </a:t>
-            </a:r>
+              <a:rPr lang="fr-FR" sz="2000" dirty="0"/>
+              <a:t>Ici les nombres de 2 à 10 ne seront jamais afficher car la boucle est stoppée dès qu’on atteint 2.</a:t>
+            </a:r>
+          </a:p>
+        </p:txBody>
+      </p:sp>
+      <p:sp>
+        <p:nvSpPr>
+          <p:cNvPr id="10" name="ZoneTexte 9">
+            <a:extLst>
+              <a:ext uri="{FF2B5EF4-FFF2-40B4-BE49-F238E27FC236}">
+                <a16:creationId xmlns:a16="http://schemas.microsoft.com/office/drawing/2014/main" id="{DF5DFA90-88B5-623C-03FA-9D414B84551E}"/>
+              </a:ext>
+            </a:extLst>
+          </p:cNvPr>
+          <p:cNvSpPr txBox="1"/>
+          <p:nvPr/>
+        </p:nvSpPr>
+        <p:spPr>
+          <a:xfrm>
+            <a:off x="442743" y="4555314"/>
+            <a:ext cx="11236639" cy="400110"/>
+          </a:xfrm>
+          <a:prstGeom prst="rect">
+            <a:avLst/>
+          </a:prstGeom>
+          <a:noFill/>
+        </p:spPr>
+        <p:txBody>
+          <a:bodyPr wrap="square" rtlCol="0">
+            <a:spAutoFit/>
+          </a:bodyPr>
+          <a:lstStyle/>
+          <a:p>
             <a:r>
               <a:rPr lang="fr-FR" sz="2000" b="1" dirty="0">
                 <a:latin typeface="Times New Roman" panose="02020603050405020304" pitchFamily="18" charset="0"/>
                 <a:cs typeface="Times New Roman" panose="02020603050405020304" pitchFamily="18" charset="0"/>
               </a:rPr>
-              <a:t>« </a:t>
+              <a:t>Les boucles infinies peuvent être générées avec </a:t>
             </a:r>
             <a:r>
               <a:rPr lang="fr-FR" sz="2000" b="1" i="1" dirty="0" err="1">
                 <a:latin typeface="Times New Roman" panose="02020603050405020304" pitchFamily="18" charset="0"/>
                 <a:cs typeface="Times New Roman" panose="02020603050405020304" pitchFamily="18" charset="0"/>
               </a:rPr>
-              <a:t>print</a:t>
+              <a:t>True</a:t>
             </a:r>
             <a:r>
               <a:rPr lang="fr-FR" sz="2000" b="1" dirty="0">
                 <a:latin typeface="Times New Roman" panose="02020603050405020304" pitchFamily="18" charset="0"/>
                 <a:cs typeface="Times New Roman" panose="02020603050405020304" pitchFamily="18" charset="0"/>
               </a:rPr>
-              <a:t> » </a:t>
-            </a:r>
-            <a:r>
-              <a:rPr lang="fr-FR" sz="2000" dirty="0">
-                <a:latin typeface="Times New Roman" panose="02020603050405020304" pitchFamily="18" charset="0"/>
-                <a:cs typeface="Times New Roman" panose="02020603050405020304" pitchFamily="18" charset="0"/>
-              </a:rPr>
-              <a:t>suivant et passe à la valeur suivante de la séquence.</a:t>
+              <a:t> ou 1 associé à </a:t>
+            </a:r>
+            <a:r>
+              <a:rPr lang="fr-FR" sz="2000" b="1" i="1" dirty="0" err="1">
+                <a:latin typeface="Times New Roman" panose="02020603050405020304" pitchFamily="18" charset="0"/>
+                <a:cs typeface="Times New Roman" panose="02020603050405020304" pitchFamily="18" charset="0"/>
+              </a:rPr>
+              <a:t>while</a:t>
+            </a:r>
+            <a:r>
+              <a:rPr lang="fr-FR" sz="2000" b="1" dirty="0">
+                <a:latin typeface="Times New Roman" panose="02020603050405020304" pitchFamily="18" charset="0"/>
+                <a:cs typeface="Times New Roman" panose="02020603050405020304" pitchFamily="18" charset="0"/>
+              </a:rPr>
+              <a:t>.</a:t>
             </a:r>
           </a:p>
         </p:txBody>
@@ -9676,7 +9716,7 @@
           <p:cNvPr id="12" name="Image 11">
             <a:extLst>
               <a:ext uri="{FF2B5EF4-FFF2-40B4-BE49-F238E27FC236}">
-                <a16:creationId xmlns:a16="http://schemas.microsoft.com/office/drawing/2014/main" id="{01C8E68F-A252-7B3F-7CAD-15D274F17598}"/>
+                <a16:creationId xmlns:a16="http://schemas.microsoft.com/office/drawing/2014/main" id="{D774CEF5-CD17-4DBC-46FC-480C1E29F2BF}"/>
               </a:ext>
             </a:extLst>
           </p:cNvPr>
@@ -9686,15 +9726,15 @@
           <p:nvPr/>
         </p:nvPicPr>
         <p:blipFill>
-          <a:blip r:embed="rId4"/>
+          <a:blip r:embed="rId5"/>
           <a:stretch>
             <a:fillRect/>
           </a:stretch>
         </p:blipFill>
         <p:spPr>
           <a:xfrm>
-            <a:off x="506324" y="1928255"/>
-            <a:ext cx="5092700" cy="3296053"/>
+            <a:off x="1476121" y="5004437"/>
+            <a:ext cx="7505700" cy="1028700"/>
           </a:xfrm>
           <a:prstGeom prst="rect">
             <a:avLst/>
@@ -9704,7 +9744,7 @@
     </p:spTree>
     <p:extLst>
       <p:ext uri="{BB962C8B-B14F-4D97-AF65-F5344CB8AC3E}">
-        <p14:creationId xmlns:p14="http://schemas.microsoft.com/office/powerpoint/2010/main" val="2297585284"/>
+        <p14:creationId xmlns:p14="http://schemas.microsoft.com/office/powerpoint/2010/main" val="367398369"/>
       </p:ext>
     </p:extLst>
   </p:cSld>
@@ -12233,12 +12273,68 @@
           </a:p>
         </p:txBody>
       </p:sp>
+      <p:sp>
+        <p:nvSpPr>
+          <p:cNvPr id="15" name="ZoneTexte 14">
+            <a:extLst>
+              <a:ext uri="{FF2B5EF4-FFF2-40B4-BE49-F238E27FC236}">
+                <a16:creationId xmlns:a16="http://schemas.microsoft.com/office/drawing/2014/main" id="{26E08B24-44DE-D315-B26E-4234A03805D2}"/>
+              </a:ext>
+            </a:extLst>
+          </p:cNvPr>
+          <p:cNvSpPr txBox="1"/>
+          <p:nvPr/>
+        </p:nvSpPr>
+        <p:spPr>
+          <a:xfrm>
+            <a:off x="353471" y="2312164"/>
+            <a:ext cx="11569148" cy="400110"/>
+          </a:xfrm>
+          <a:prstGeom prst="rect">
+            <a:avLst/>
+          </a:prstGeom>
+          <a:noFill/>
+        </p:spPr>
+        <p:txBody>
+          <a:bodyPr wrap="square" rtlCol="0">
+            <a:spAutoFit/>
+          </a:bodyPr>
+          <a:lstStyle/>
+          <a:p>
+            <a:r>
+              <a:rPr lang="fr-FR" sz="2000" dirty="0">
+                <a:latin typeface="Times New Roman" panose="02020603050405020304" pitchFamily="18" charset="0"/>
+                <a:cs typeface="Times New Roman" panose="02020603050405020304" pitchFamily="18" charset="0"/>
+              </a:rPr>
+              <a:t>Ecrire un programme python équivalent à  celui-ci en utilisant cette fois-ci la boucle </a:t>
+            </a:r>
+            <a:r>
+              <a:rPr lang="fr-FR" sz="2000" b="1" i="1" dirty="0" err="1">
+                <a:latin typeface="Times New Roman" panose="02020603050405020304" pitchFamily="18" charset="0"/>
+                <a:cs typeface="Times New Roman" panose="02020603050405020304" pitchFamily="18" charset="0"/>
+              </a:rPr>
+              <a:t>while</a:t>
+            </a:r>
+            <a:r>
+              <a:rPr lang="fr-FR" sz="2000" b="1" dirty="0">
+                <a:latin typeface="Times New Roman" panose="02020603050405020304" pitchFamily="18" charset="0"/>
+                <a:cs typeface="Times New Roman" panose="02020603050405020304" pitchFamily="18" charset="0"/>
+              </a:rPr>
+              <a:t>.</a:t>
+            </a:r>
+            <a:endParaRPr lang="fr-FR" sz="2000" dirty="0">
+              <a:latin typeface="Times New Roman" panose="02020603050405020304" pitchFamily="18" charset="0"/>
+              <a:cs typeface="Times New Roman" panose="02020603050405020304" pitchFamily="18" charset="0"/>
+            </a:endParaRPr>
+          </a:p>
+        </p:txBody>
+      </p:sp>
       <p:pic>
         <p:nvPicPr>
-          <p:cNvPr id="9" name="Image 8">
-            <a:extLst>
-              <a:ext uri="{FF2B5EF4-FFF2-40B4-BE49-F238E27FC236}">
-                <a16:creationId xmlns:a16="http://schemas.microsoft.com/office/drawing/2014/main" id="{8A0DBBBE-4927-37C5-E79B-47731D9A0D3A}"/>
+          <p:cNvPr id="16" name="Image 15">
+            <a:extLst>
+              <a:ext uri="{FF2B5EF4-FFF2-40B4-BE49-F238E27FC236}">
+                <a16:creationId xmlns:a16="http://schemas.microsoft.com/office/drawing/2014/main" id="{C74E3DB3-90C7-1368-9F9A-D846E807BAF5}"/>
               </a:ext>
             </a:extLst>
           </p:cNvPr>
@@ -12249,92 +12345,6 @@
         </p:nvPicPr>
         <p:blipFill>
           <a:blip r:embed="rId3"/>
-          <a:stretch>
-            <a:fillRect/>
-          </a:stretch>
-        </p:blipFill>
-        <p:spPr>
-          <a:xfrm>
-            <a:off x="397565" y="2804356"/>
-            <a:ext cx="5068595" cy="2565400"/>
-          </a:xfrm>
-          <a:prstGeom prst="rect">
-            <a:avLst/>
-          </a:prstGeom>
-        </p:spPr>
-      </p:pic>
-      <p:sp>
-        <p:nvSpPr>
-          <p:cNvPr id="15" name="ZoneTexte 14">
-            <a:extLst>
-              <a:ext uri="{FF2B5EF4-FFF2-40B4-BE49-F238E27FC236}">
-                <a16:creationId xmlns:a16="http://schemas.microsoft.com/office/drawing/2014/main" id="{26E08B24-44DE-D315-B26E-4234A03805D2}"/>
-              </a:ext>
-            </a:extLst>
-          </p:cNvPr>
-          <p:cNvSpPr txBox="1"/>
-          <p:nvPr/>
-        </p:nvSpPr>
-        <p:spPr>
-          <a:xfrm>
-            <a:off x="353471" y="2312164"/>
-            <a:ext cx="11569148" cy="400110"/>
-          </a:xfrm>
-          <a:prstGeom prst="rect">
-            <a:avLst/>
-          </a:prstGeom>
-          <a:noFill/>
-        </p:spPr>
-        <p:txBody>
-          <a:bodyPr wrap="square" rtlCol="0">
-            <a:spAutoFit/>
-          </a:bodyPr>
-          <a:lstStyle/>
-          <a:p>
-            <a:r>
-              <a:rPr lang="fr-FR" sz="2000" dirty="0">
-                <a:latin typeface="Times New Roman" panose="02020603050405020304" pitchFamily="18" charset="0"/>
-                <a:cs typeface="Times New Roman" panose="02020603050405020304" pitchFamily="18" charset="0"/>
-              </a:rPr>
-              <a:t>Ecrire un programme python équivalent à  celui-ci en utilisant cette fois-ci la boucle </a:t>
-            </a:r>
-            <a:r>
-              <a:rPr lang="fr-FR" sz="2000" b="1" i="1" dirty="0" err="1">
-                <a:latin typeface="Times New Roman" panose="02020603050405020304" pitchFamily="18" charset="0"/>
-                <a:cs typeface="Times New Roman" panose="02020603050405020304" pitchFamily="18" charset="0"/>
-              </a:rPr>
-              <a:t>while</a:t>
-            </a:r>
-            <a:r>
-              <a:rPr lang="fr-FR" sz="2000" b="1" dirty="0">
-                <a:latin typeface="Times New Roman" panose="02020603050405020304" pitchFamily="18" charset="0"/>
-                <a:cs typeface="Times New Roman" panose="02020603050405020304" pitchFamily="18" charset="0"/>
-              </a:rPr>
-              <a:t>.</a:t>
-            </a:r>
-            <a:endParaRPr lang="fr-FR" sz="2000" dirty="0">
-              <a:latin typeface="Times New Roman" panose="02020603050405020304" pitchFamily="18" charset="0"/>
-              <a:cs typeface="Times New Roman" panose="02020603050405020304" pitchFamily="18" charset="0"/>
-            </a:endParaRPr>
-          </a:p>
-        </p:txBody>
-      </p:sp>
-      <p:pic>
-        <p:nvPicPr>
-          <p:cNvPr id="16" name="Image 15">
-            <a:extLst>
-              <a:ext uri="{FF2B5EF4-FFF2-40B4-BE49-F238E27FC236}">
-                <a16:creationId xmlns:a16="http://schemas.microsoft.com/office/drawing/2014/main" id="{C74E3DB3-90C7-1368-9F9A-D846E807BAF5}"/>
-              </a:ext>
-            </a:extLst>
-          </p:cNvPr>
-          <p:cNvPicPr>
-            <a:picLocks noChangeAspect="1"/>
-          </p:cNvPicPr>
-          <p:nvPr/>
-        </p:nvPicPr>
-        <p:blipFill>
-          <a:blip r:embed="rId4"/>
           <a:stretch>
             <a:fillRect/>
           </a:stretch>
@@ -12439,6 +12449,36 @@
           </a:p>
         </p:txBody>
       </p:sp>
+      <p:pic>
+        <p:nvPicPr>
+          <p:cNvPr id="2" name="Image 1">
+            <a:extLst>
+              <a:ext uri="{FF2B5EF4-FFF2-40B4-BE49-F238E27FC236}">
+                <a16:creationId xmlns:a16="http://schemas.microsoft.com/office/drawing/2014/main" id="{3F398971-BAAE-2597-B788-0656F15A2C93}"/>
+              </a:ext>
+            </a:extLst>
+          </p:cNvPr>
+          <p:cNvPicPr>
+            <a:picLocks noChangeAspect="1"/>
+          </p:cNvPicPr>
+          <p:nvPr/>
+        </p:nvPicPr>
+        <p:blipFill>
+          <a:blip r:embed="rId4"/>
+          <a:stretch>
+            <a:fillRect/>
+          </a:stretch>
+        </p:blipFill>
+        <p:spPr>
+          <a:xfrm>
+            <a:off x="397565" y="2810758"/>
+            <a:ext cx="5112059" cy="2462456"/>
+          </a:xfrm>
+          <a:prstGeom prst="rect">
+            <a:avLst/>
+          </a:prstGeom>
+        </p:spPr>
+      </p:pic>
     </p:spTree>
     <p:extLst>
       <p:ext uri="{BB962C8B-B14F-4D97-AF65-F5344CB8AC3E}">
@@ -17208,10 +17248,10 @@
       </p:cxnSp>
       <p:pic>
         <p:nvPicPr>
-          <p:cNvPr id="8" name="Image 7">
-            <a:extLst>
-              <a:ext uri="{FF2B5EF4-FFF2-40B4-BE49-F238E27FC236}">
-                <a16:creationId xmlns:a16="http://schemas.microsoft.com/office/drawing/2014/main" id="{1B85DD06-5A84-94C1-EBD3-88A7C8D8DCDE}"/>
+          <p:cNvPr id="9" name="Image 8">
+            <a:extLst>
+              <a:ext uri="{FF2B5EF4-FFF2-40B4-BE49-F238E27FC236}">
+                <a16:creationId xmlns:a16="http://schemas.microsoft.com/office/drawing/2014/main" id="{FA0CADBC-10FB-6916-3A46-F3818113749D}"/>
               </a:ext>
             </a:extLst>
           </p:cNvPr>
@@ -17222,36 +17262,6 @@
         </p:nvPicPr>
         <p:blipFill>
           <a:blip r:embed="rId3"/>
-          <a:stretch>
-            <a:fillRect/>
-          </a:stretch>
-        </p:blipFill>
-        <p:spPr>
-          <a:xfrm>
-            <a:off x="500932" y="2004229"/>
-            <a:ext cx="5068595" cy="2565400"/>
-          </a:xfrm>
-          <a:prstGeom prst="rect">
-            <a:avLst/>
-          </a:prstGeom>
-        </p:spPr>
-      </p:pic>
-      <p:pic>
-        <p:nvPicPr>
-          <p:cNvPr id="9" name="Image 8">
-            <a:extLst>
-              <a:ext uri="{FF2B5EF4-FFF2-40B4-BE49-F238E27FC236}">
-                <a16:creationId xmlns:a16="http://schemas.microsoft.com/office/drawing/2014/main" id="{FA0CADBC-10FB-6916-3A46-F3818113749D}"/>
-              </a:ext>
-            </a:extLst>
-          </p:cNvPr>
-          <p:cNvPicPr>
-            <a:picLocks noChangeAspect="1"/>
-          </p:cNvPicPr>
-          <p:nvPr/>
-        </p:nvPicPr>
-        <p:blipFill>
-          <a:blip r:embed="rId4"/>
           <a:stretch>
             <a:fillRect/>
           </a:stretch>
@@ -17524,6 +17534,36 @@
           </a:p>
         </p:txBody>
       </p:sp>
+      <p:pic>
+        <p:nvPicPr>
+          <p:cNvPr id="12" name="Image 11">
+            <a:extLst>
+              <a:ext uri="{FF2B5EF4-FFF2-40B4-BE49-F238E27FC236}">
+                <a16:creationId xmlns:a16="http://schemas.microsoft.com/office/drawing/2014/main" id="{E26747B2-CD2B-118B-8860-7E80C8B4F7C2}"/>
+              </a:ext>
+            </a:extLst>
+          </p:cNvPr>
+          <p:cNvPicPr>
+            <a:picLocks noChangeAspect="1"/>
+          </p:cNvPicPr>
+          <p:nvPr/>
+        </p:nvPicPr>
+        <p:blipFill>
+          <a:blip r:embed="rId4"/>
+          <a:stretch>
+            <a:fillRect/>
+          </a:stretch>
+        </p:blipFill>
+        <p:spPr>
+          <a:xfrm>
+            <a:off x="396857" y="2055702"/>
+            <a:ext cx="5112059" cy="2462456"/>
+          </a:xfrm>
+          <a:prstGeom prst="rect">
+            <a:avLst/>
+          </a:prstGeom>
+        </p:spPr>
+      </p:pic>
     </p:spTree>
     <p:extLst>
       <p:ext uri="{BB962C8B-B14F-4D97-AF65-F5344CB8AC3E}">
